--- a/lecture_slides/6_Support Vector Machines.pptx
+++ b/lecture_slides/6_Support Vector Machines.pptx
@@ -5,24 +5,23 @@
     <p:sldMasterId id="2147483756" r:id="rId1"/>
   </p:sldMasterIdLst>
   <p:notesMasterIdLst>
-    <p:notesMasterId r:id="rId17"/>
+    <p:notesMasterId r:id="rId16"/>
   </p:notesMasterIdLst>
   <p:sldIdLst>
     <p:sldId id="256" r:id="rId2"/>
-    <p:sldId id="270" r:id="rId3"/>
-    <p:sldId id="259" r:id="rId4"/>
-    <p:sldId id="262" r:id="rId5"/>
-    <p:sldId id="264" r:id="rId6"/>
-    <p:sldId id="263" r:id="rId7"/>
-    <p:sldId id="266" r:id="rId8"/>
-    <p:sldId id="269" r:id="rId9"/>
-    <p:sldId id="268" r:id="rId10"/>
-    <p:sldId id="267" r:id="rId11"/>
-    <p:sldId id="271" r:id="rId12"/>
-    <p:sldId id="273" r:id="rId13"/>
-    <p:sldId id="272" r:id="rId14"/>
-    <p:sldId id="274" r:id="rId15"/>
-    <p:sldId id="261" r:id="rId16"/>
+    <p:sldId id="259" r:id="rId3"/>
+    <p:sldId id="262" r:id="rId4"/>
+    <p:sldId id="264" r:id="rId5"/>
+    <p:sldId id="263" r:id="rId6"/>
+    <p:sldId id="266" r:id="rId7"/>
+    <p:sldId id="269" r:id="rId8"/>
+    <p:sldId id="268" r:id="rId9"/>
+    <p:sldId id="267" r:id="rId10"/>
+    <p:sldId id="271" r:id="rId11"/>
+    <p:sldId id="273" r:id="rId12"/>
+    <p:sldId id="272" r:id="rId13"/>
+    <p:sldId id="274" r:id="rId14"/>
+    <p:sldId id="261" r:id="rId15"/>
   </p:sldIdLst>
   <p:sldSz cx="12192000" cy="6858000"/>
   <p:notesSz cx="6858000" cy="9144000"/>
@@ -211,7 +210,7 @@
           <a:p>
             <a:fld id="{5FAD3E5C-F930-41FF-A7BD-4F17EC525029}" type="datetimeFigureOut">
               <a:rPr lang="en-US" smtClean="0"/>
-              <a:t>1/15/2020</a:t>
+              <a:t>1/22/2020</a:t>
             </a:fld>
             <a:endParaRPr lang="en-US"/>
           </a:p>
@@ -685,7 +684,7 @@
           <a:p>
             <a:fld id="{CF755E22-BC43-4D49-9578-DDCD8AECFE11}" type="datetime1">
               <a:rPr lang="en-US" smtClean="0"/>
-              <a:t>1/15/2020</a:t>
+              <a:t>1/22/2020</a:t>
             </a:fld>
             <a:endParaRPr lang="en-US"/>
           </a:p>
@@ -878,7 +877,7 @@
           <a:p>
             <a:fld id="{0794BCA7-61FF-4C69-83B4-1EE7F9C38FAE}" type="datetime1">
               <a:rPr lang="en-US" smtClean="0"/>
-              <a:t>1/15/2020</a:t>
+              <a:t>1/22/2020</a:t>
             </a:fld>
             <a:endParaRPr lang="en-US"/>
           </a:p>
@@ -1058,7 +1057,7 @@
           <a:p>
             <a:fld id="{2F426122-0BE0-446C-A2FF-4796182DFFAC}" type="datetime1">
               <a:rPr lang="en-US" smtClean="0"/>
-              <a:t>1/15/2020</a:t>
+              <a:t>1/22/2020</a:t>
             </a:fld>
             <a:endParaRPr lang="en-US"/>
           </a:p>
@@ -1240,7 +1239,7 @@
           <a:p>
             <a:fld id="{04327D2D-9EC0-4F31-85D2-F4C48BAC2F55}" type="datetime1">
               <a:rPr lang="en-US" smtClean="0"/>
-              <a:t>1/15/2020</a:t>
+              <a:t>1/22/2020</a:t>
             </a:fld>
             <a:endParaRPr lang="en-US"/>
           </a:p>
@@ -1498,7 +1497,7 @@
           <a:p>
             <a:fld id="{384E5460-7712-4DAC-A337-BB4CDDFDE11E}" type="datetime1">
               <a:rPr lang="en-US" smtClean="0"/>
-              <a:t>1/15/2020</a:t>
+              <a:t>1/22/2020</a:t>
             </a:fld>
             <a:endParaRPr lang="en-US"/>
           </a:p>
@@ -1846,7 +1845,7 @@
           <a:p>
             <a:fld id="{B6D96965-36E5-4BBA-B60B-6A05499492A8}" type="datetime1">
               <a:rPr lang="en-US" smtClean="0"/>
-              <a:t>1/15/2020</a:t>
+              <a:t>1/22/2020</a:t>
             </a:fld>
             <a:endParaRPr lang="en-US"/>
           </a:p>
@@ -2290,7 +2289,7 @@
           <a:p>
             <a:fld id="{E5FF4975-A1F7-4E83-8D89-D5C6A414E393}" type="datetime1">
               <a:rPr lang="en-US" smtClean="0"/>
-              <a:t>1/15/2020</a:t>
+              <a:t>1/22/2020</a:t>
             </a:fld>
             <a:endParaRPr lang="en-US"/>
           </a:p>
@@ -2408,7 +2407,7 @@
           <a:p>
             <a:fld id="{A743C323-1D9C-4347-AB6E-A56B8A43D30E}" type="datetime1">
               <a:rPr lang="en-US" smtClean="0"/>
-              <a:t>1/15/2020</a:t>
+              <a:t>1/22/2020</a:t>
             </a:fld>
             <a:endParaRPr lang="en-US"/>
           </a:p>
@@ -2503,7 +2502,7 @@
           <a:p>
             <a:fld id="{14A699DA-48FF-4F63-A1AD-D752E11C195D}" type="datetime1">
               <a:rPr lang="en-US" smtClean="0"/>
-              <a:t>1/15/2020</a:t>
+              <a:t>1/22/2020</a:t>
             </a:fld>
             <a:endParaRPr lang="en-US"/>
           </a:p>
@@ -2862,7 +2861,7 @@
           <a:p>
             <a:fld id="{13DBFBEF-2B7E-4BA9-A9F8-30DFE087F6D3}" type="datetime1">
               <a:rPr lang="en-US" smtClean="0"/>
-              <a:t>1/15/2020</a:t>
+              <a:t>1/22/2020</a:t>
             </a:fld>
             <a:endParaRPr lang="en-US"/>
           </a:p>
@@ -3178,7 +3177,7 @@
           <a:p>
             <a:fld id="{2CBB7AE7-2826-4915-A6AD-CDE2CB158F62}" type="datetime1">
               <a:rPr lang="en-US" smtClean="0"/>
-              <a:t>1/15/2020</a:t>
+              <a:t>1/22/2020</a:t>
             </a:fld>
             <a:endParaRPr lang="en-US"/>
           </a:p>
@@ -3411,7 +3410,7 @@
           <a:p>
             <a:fld id="{B8DB072C-F5A4-4FFF-AAE2-73A8228D61CF}" type="datetime1">
               <a:rPr lang="en-US" smtClean="0"/>
-              <a:t>1/15/2020</a:t>
+              <a:t>1/22/2020</a:t>
             </a:fld>
             <a:endParaRPr lang="en-US"/>
           </a:p>
@@ -4091,3543 +4090,6 @@
 </file>
 
 <file path=ppt/slides/slide10.xml><?xml version="1.0" encoding="utf-8"?>
-<p:sld xmlns:a="http://schemas.openxmlformats.org/drawingml/2006/main" xmlns:r="http://schemas.openxmlformats.org/officeDocument/2006/relationships" xmlns:p="http://schemas.openxmlformats.org/presentationml/2006/main">
-  <p:cSld>
-    <p:spTree>
-      <p:nvGrpSpPr>
-        <p:cNvPr id="1" name=""/>
-        <p:cNvGrpSpPr/>
-        <p:nvPr/>
-      </p:nvGrpSpPr>
-      <p:grpSpPr>
-        <a:xfrm>
-          <a:off x="0" y="0"/>
-          <a:ext cx="0" cy="0"/>
-          <a:chOff x="0" y="0"/>
-          <a:chExt cx="0" cy="0"/>
-        </a:xfrm>
-      </p:grpSpPr>
-      <p:sp>
-        <p:nvSpPr>
-          <p:cNvPr id="6" name="Rectangle 5"/>
-          <p:cNvSpPr/>
-          <p:nvPr/>
-        </p:nvSpPr>
-        <p:spPr>
-          <a:xfrm>
-            <a:off x="2167845" y="5959011"/>
-            <a:ext cx="7849457" cy="544531"/>
-          </a:xfrm>
-          <a:prstGeom prst="rect">
-            <a:avLst/>
-          </a:prstGeom>
-          <a:solidFill>
-            <a:schemeClr val="accent4">
-              <a:lumMod val="20000"/>
-              <a:lumOff val="80000"/>
-            </a:schemeClr>
-          </a:solidFill>
-          <a:ln>
-            <a:noFill/>
-          </a:ln>
-        </p:spPr>
-        <p:style>
-          <a:lnRef idx="2">
-            <a:schemeClr val="accent1">
-              <a:shade val="50000"/>
-            </a:schemeClr>
-          </a:lnRef>
-          <a:fillRef idx="1">
-            <a:schemeClr val="accent1"/>
-          </a:fillRef>
-          <a:effectRef idx="0">
-            <a:schemeClr val="accent1"/>
-          </a:effectRef>
-          <a:fontRef idx="minor">
-            <a:schemeClr val="lt1"/>
-          </a:fontRef>
-        </p:style>
-        <p:txBody>
-          <a:bodyPr rtlCol="0" anchor="ctr"/>
-          <a:lstStyle/>
-          <a:p>
-            <a:pPr algn="ctr"/>
-            <a:endParaRPr lang="en-IN"/>
-          </a:p>
-        </p:txBody>
-      </p:sp>
-      <p:sp>
-        <p:nvSpPr>
-          <p:cNvPr id="5" name="Rectangle 4"/>
-          <p:cNvSpPr/>
-          <p:nvPr/>
-        </p:nvSpPr>
-        <p:spPr>
-          <a:xfrm>
-            <a:off x="5774076" y="5229546"/>
-            <a:ext cx="1397286" cy="523982"/>
-          </a:xfrm>
-          <a:prstGeom prst="rect">
-            <a:avLst/>
-          </a:prstGeom>
-          <a:solidFill>
-            <a:schemeClr val="accent2">
-              <a:lumMod val="20000"/>
-              <a:lumOff val="80000"/>
-            </a:schemeClr>
-          </a:solidFill>
-          <a:ln>
-            <a:noFill/>
-          </a:ln>
-        </p:spPr>
-        <p:style>
-          <a:lnRef idx="2">
-            <a:schemeClr val="accent1">
-              <a:shade val="50000"/>
-            </a:schemeClr>
-          </a:lnRef>
-          <a:fillRef idx="1">
-            <a:schemeClr val="accent1"/>
-          </a:fillRef>
-          <a:effectRef idx="0">
-            <a:schemeClr val="accent1"/>
-          </a:effectRef>
-          <a:fontRef idx="minor">
-            <a:schemeClr val="lt1"/>
-          </a:fontRef>
-        </p:style>
-        <p:txBody>
-          <a:bodyPr rtlCol="0" anchor="ctr"/>
-          <a:lstStyle/>
-          <a:p>
-            <a:pPr algn="ctr"/>
-            <a:endParaRPr lang="en-IN"/>
-          </a:p>
-        </p:txBody>
-      </p:sp>
-      <p:sp>
-        <p:nvSpPr>
-          <p:cNvPr id="2" name="Title 1"/>
-          <p:cNvSpPr>
-            <a:spLocks noGrp="1"/>
-          </p:cNvSpPr>
-          <p:nvPr>
-            <p:ph type="title"/>
-          </p:nvPr>
-        </p:nvSpPr>
-        <p:spPr/>
-        <p:txBody>
-          <a:bodyPr/>
-          <a:lstStyle/>
-          <a:p>
-            <a:r>
-              <a:rPr lang="en-IN" dirty="0" smtClean="0"/>
-              <a:t>Support Vector Machines</a:t>
-            </a:r>
-            <a:endParaRPr lang="en-IN" dirty="0"/>
-          </a:p>
-        </p:txBody>
-      </p:sp>
-      <mc:AlternateContent xmlns:mc="http://schemas.openxmlformats.org/markup-compatibility/2006" xmlns:a14="http://schemas.microsoft.com/office/drawing/2010/main">
-        <mc:Choice Requires="a14">
-          <p:sp>
-            <p:nvSpPr>
-              <p:cNvPr id="3" name="Content Placeholder 2"/>
-              <p:cNvSpPr>
-                <a:spLocks noGrp="1"/>
-              </p:cNvSpPr>
-              <p:nvPr>
-                <p:ph idx="1"/>
-              </p:nvPr>
-            </p:nvSpPr>
-            <p:spPr>
-              <a:xfrm>
-                <a:off x="253354" y="1111624"/>
-                <a:ext cx="11600328" cy="5746376"/>
-              </a:xfrm>
-            </p:spPr>
-            <p:txBody>
-              <a:bodyPr>
-                <a:normAutofit/>
-              </a:bodyPr>
-              <a:lstStyle/>
-              <a:p>
-                <a:r>
-                  <a:rPr lang="en-IN" dirty="0" smtClean="0"/>
-                  <a:t>Let </a:t>
-                </a:r>
-                <a14:m>
-                  <m:oMath xmlns:m="http://schemas.openxmlformats.org/officeDocument/2006/math">
-                    <m:sSub>
-                      <m:sSubPr>
-                        <m:ctrlPr>
-                          <a:rPr lang="en-IN" b="0" i="1" smtClean="0">
-                            <a:latin typeface="Cambria Math" panose="02040503050406030204" pitchFamily="18" charset="0"/>
-                          </a:rPr>
-                        </m:ctrlPr>
-                      </m:sSubPr>
-                      <m:e>
-                        <m:r>
-                          <a:rPr lang="en-IN" b="0" i="1" smtClean="0">
-                            <a:latin typeface="Cambria Math" panose="02040503050406030204" pitchFamily="18" charset="0"/>
-                          </a:rPr>
-                          <m:t>𝑖</m:t>
-                        </m:r>
-                      </m:e>
-                      <m:sub>
-                        <m:r>
-                          <a:rPr lang="en-IN" b="0" i="1" smtClean="0">
-                            <a:latin typeface="Cambria Math" panose="02040503050406030204" pitchFamily="18" charset="0"/>
-                          </a:rPr>
-                          <m:t>0</m:t>
-                        </m:r>
-                      </m:sub>
-                    </m:sSub>
-                  </m:oMath>
-                </a14:m>
-                <a:r>
-                  <a:rPr lang="en-IN" dirty="0" smtClean="0"/>
-                  <a:t> be the data point that comes closest to the hyperplane i.e. </a:t>
-                </a:r>
-                <a14:m>
-                  <m:oMath xmlns:m="http://schemas.openxmlformats.org/officeDocument/2006/math">
-                    <m:func>
-                      <m:funcPr>
-                        <m:ctrlPr>
-                          <a:rPr lang="en-IN" i="1">
-                            <a:latin typeface="Cambria Math" panose="02040503050406030204" pitchFamily="18" charset="0"/>
-                          </a:rPr>
-                        </m:ctrlPr>
-                      </m:funcPr>
-                      <m:fName>
-                        <m:limLow>
-                          <m:limLowPr>
-                            <m:ctrlPr>
-                              <a:rPr lang="en-IN" i="1">
-                                <a:latin typeface="Cambria Math" panose="02040503050406030204" pitchFamily="18" charset="0"/>
-                              </a:rPr>
-                            </m:ctrlPr>
-                          </m:limLowPr>
-                          <m:e>
-                            <m:r>
-                              <m:rPr>
-                                <m:sty m:val="p"/>
-                              </m:rPr>
-                              <a:rPr lang="en-IN">
-                                <a:latin typeface="Cambria Math" panose="02040503050406030204" pitchFamily="18" charset="0"/>
-                              </a:rPr>
-                              <m:t>min</m:t>
-                            </m:r>
-                          </m:e>
-                          <m:lim>
-                            <m:r>
-                              <a:rPr lang="en-IN" i="1">
-                                <a:latin typeface="Cambria Math" panose="02040503050406030204" pitchFamily="18" charset="0"/>
-                              </a:rPr>
-                              <m:t>𝑖</m:t>
-                            </m:r>
-                            <m:r>
-                              <a:rPr lang="en-IN" i="1">
-                                <a:latin typeface="Cambria Math" panose="02040503050406030204" pitchFamily="18" charset="0"/>
-                              </a:rPr>
-                              <m:t>=1…</m:t>
-                            </m:r>
-                            <m:r>
-                              <a:rPr lang="en-IN" i="1">
-                                <a:latin typeface="Cambria Math" panose="02040503050406030204" pitchFamily="18" charset="0"/>
-                              </a:rPr>
-                              <m:t>𝑛</m:t>
-                            </m:r>
-                          </m:lim>
-                        </m:limLow>
-                      </m:fName>
-                      <m:e>
-                        <m:sSup>
-                          <m:sSupPr>
-                            <m:ctrlPr>
-                              <a:rPr lang="en-IN" i="1">
-                                <a:latin typeface="Cambria Math" panose="02040503050406030204" pitchFamily="18" charset="0"/>
-                              </a:rPr>
-                            </m:ctrlPr>
-                          </m:sSupPr>
-                          <m:e>
-                            <m:r>
-                              <a:rPr lang="en-IN" i="1">
-                                <a:latin typeface="Cambria Math" panose="02040503050406030204" pitchFamily="18" charset="0"/>
-                              </a:rPr>
-                              <m:t>𝑦</m:t>
-                            </m:r>
-                          </m:e>
-                          <m:sup>
-                            <m:r>
-                              <a:rPr lang="en-IN" i="1">
-                                <a:latin typeface="Cambria Math" panose="02040503050406030204" pitchFamily="18" charset="0"/>
-                              </a:rPr>
-                              <m:t>𝑖</m:t>
-                            </m:r>
-                          </m:sup>
-                        </m:sSup>
-                        <m:r>
-                          <a:rPr lang="en-IN" i="1">
-                            <a:latin typeface="Cambria Math" panose="02040503050406030204" pitchFamily="18" charset="0"/>
-                          </a:rPr>
-                          <m:t>⋅</m:t>
-                        </m:r>
-                        <m:d>
-                          <m:dPr>
-                            <m:ctrlPr>
-                              <a:rPr lang="en-IN" i="1">
-                                <a:latin typeface="Cambria Math" panose="02040503050406030204" pitchFamily="18" charset="0"/>
-                              </a:rPr>
-                            </m:ctrlPr>
-                          </m:dPr>
-                          <m:e>
-                            <m:sSup>
-                              <m:sSupPr>
-                                <m:ctrlPr>
-                                  <a:rPr lang="en-IN" i="1">
-                                    <a:latin typeface="Cambria Math" panose="02040503050406030204" pitchFamily="18" charset="0"/>
-                                  </a:rPr>
-                                </m:ctrlPr>
-                              </m:sSupPr>
-                              <m:e>
-                                <m:r>
-                                  <a:rPr lang="en-IN" b="1">
-                                    <a:latin typeface="Cambria Math" panose="02040503050406030204" pitchFamily="18" charset="0"/>
-                                  </a:rPr>
-                                  <m:t>𝐰</m:t>
-                                </m:r>
-                              </m:e>
-                              <m:sup>
-                                <m:r>
-                                  <a:rPr lang="en-IN">
-                                    <a:latin typeface="Cambria Math" panose="02040503050406030204" pitchFamily="18" charset="0"/>
-                                  </a:rPr>
-                                  <m:t>⊤</m:t>
-                                </m:r>
-                              </m:sup>
-                            </m:sSup>
-                            <m:sSup>
-                              <m:sSupPr>
-                                <m:ctrlPr>
-                                  <a:rPr lang="en-IN" b="1" i="1">
-                                    <a:latin typeface="Cambria Math" panose="02040503050406030204" pitchFamily="18" charset="0"/>
-                                  </a:rPr>
-                                </m:ctrlPr>
-                              </m:sSupPr>
-                              <m:e>
-                                <m:r>
-                                  <a:rPr lang="en-IN" b="1">
-                                    <a:latin typeface="Cambria Math" panose="02040503050406030204" pitchFamily="18" charset="0"/>
-                                  </a:rPr>
-                                  <m:t>𝐱</m:t>
-                                </m:r>
-                              </m:e>
-                              <m:sup>
-                                <m:r>
-                                  <a:rPr lang="en-IN" i="1">
-                                    <a:latin typeface="Cambria Math" panose="02040503050406030204" pitchFamily="18" charset="0"/>
-                                  </a:rPr>
-                                  <m:t>𝑖</m:t>
-                                </m:r>
-                              </m:sup>
-                            </m:sSup>
-                            <m:r>
-                              <a:rPr lang="en-IN">
-                                <a:latin typeface="Cambria Math" panose="02040503050406030204" pitchFamily="18" charset="0"/>
-                              </a:rPr>
-                              <m:t>+</m:t>
-                            </m:r>
-                            <m:r>
-                              <a:rPr lang="en-IN">
-                                <a:latin typeface="Cambria Math" panose="02040503050406030204" pitchFamily="18" charset="0"/>
-                              </a:rPr>
-                              <m:t>𝑏</m:t>
-                            </m:r>
-                          </m:e>
-                        </m:d>
-                      </m:e>
-                    </m:func>
-                    <m:r>
-                      <a:rPr lang="en-IN" b="0" i="0" smtClean="0">
-                        <a:latin typeface="Cambria Math" panose="02040503050406030204" pitchFamily="18" charset="0"/>
-                      </a:rPr>
-                      <m:t>=</m:t>
-                    </m:r>
-                    <m:sSup>
-                      <m:sSupPr>
-                        <m:ctrlPr>
-                          <a:rPr lang="en-IN" i="1">
-                            <a:latin typeface="Cambria Math" panose="02040503050406030204" pitchFamily="18" charset="0"/>
-                          </a:rPr>
-                        </m:ctrlPr>
-                      </m:sSupPr>
-                      <m:e>
-                        <m:r>
-                          <a:rPr lang="en-IN" i="1">
-                            <a:latin typeface="Cambria Math" panose="02040503050406030204" pitchFamily="18" charset="0"/>
-                          </a:rPr>
-                          <m:t>𝑦</m:t>
-                        </m:r>
-                      </m:e>
-                      <m:sup>
-                        <m:sSub>
-                          <m:sSubPr>
-                            <m:ctrlPr>
-                              <a:rPr lang="en-IN" i="1">
-                                <a:latin typeface="Cambria Math" panose="02040503050406030204" pitchFamily="18" charset="0"/>
-                              </a:rPr>
-                            </m:ctrlPr>
-                          </m:sSubPr>
-                          <m:e>
-                            <m:r>
-                              <a:rPr lang="en-IN" i="1">
-                                <a:latin typeface="Cambria Math" panose="02040503050406030204" pitchFamily="18" charset="0"/>
-                              </a:rPr>
-                              <m:t>𝑖</m:t>
-                            </m:r>
-                          </m:e>
-                          <m:sub>
-                            <m:r>
-                              <a:rPr lang="en-IN" i="1">
-                                <a:latin typeface="Cambria Math" panose="02040503050406030204" pitchFamily="18" charset="0"/>
-                              </a:rPr>
-                              <m:t>0</m:t>
-                            </m:r>
-                          </m:sub>
-                        </m:sSub>
-                      </m:sup>
-                    </m:sSup>
-                    <m:r>
-                      <a:rPr lang="en-IN" i="1">
-                        <a:latin typeface="Cambria Math" panose="02040503050406030204" pitchFamily="18" charset="0"/>
-                      </a:rPr>
-                      <m:t>⋅</m:t>
-                    </m:r>
-                    <m:d>
-                      <m:dPr>
-                        <m:ctrlPr>
-                          <a:rPr lang="en-IN" i="1">
-                            <a:latin typeface="Cambria Math" panose="02040503050406030204" pitchFamily="18" charset="0"/>
-                          </a:rPr>
-                        </m:ctrlPr>
-                      </m:dPr>
-                      <m:e>
-                        <m:sSup>
-                          <m:sSupPr>
-                            <m:ctrlPr>
-                              <a:rPr lang="en-IN" i="1">
-                                <a:latin typeface="Cambria Math" panose="02040503050406030204" pitchFamily="18" charset="0"/>
-                              </a:rPr>
-                            </m:ctrlPr>
-                          </m:sSupPr>
-                          <m:e>
-                            <m:r>
-                              <a:rPr lang="en-IN" b="1">
-                                <a:latin typeface="Cambria Math" panose="02040503050406030204" pitchFamily="18" charset="0"/>
-                              </a:rPr>
-                              <m:t>𝐰</m:t>
-                            </m:r>
-                          </m:e>
-                          <m:sup>
-                            <m:r>
-                              <a:rPr lang="en-IN">
-                                <a:latin typeface="Cambria Math" panose="02040503050406030204" pitchFamily="18" charset="0"/>
-                              </a:rPr>
-                              <m:t>⊤</m:t>
-                            </m:r>
-                          </m:sup>
-                        </m:sSup>
-                        <m:sSup>
-                          <m:sSupPr>
-                            <m:ctrlPr>
-                              <a:rPr lang="en-IN" b="1" i="1">
-                                <a:latin typeface="Cambria Math" panose="02040503050406030204" pitchFamily="18" charset="0"/>
-                              </a:rPr>
-                            </m:ctrlPr>
-                          </m:sSupPr>
-                          <m:e>
-                            <m:r>
-                              <a:rPr lang="en-IN" b="1">
-                                <a:latin typeface="Cambria Math" panose="02040503050406030204" pitchFamily="18" charset="0"/>
-                              </a:rPr>
-                              <m:t>𝐱</m:t>
-                            </m:r>
-                          </m:e>
-                          <m:sup>
-                            <m:sSub>
-                              <m:sSubPr>
-                                <m:ctrlPr>
-                                  <a:rPr lang="en-IN" i="1">
-                                    <a:latin typeface="Cambria Math" panose="02040503050406030204" pitchFamily="18" charset="0"/>
-                                  </a:rPr>
-                                </m:ctrlPr>
-                              </m:sSubPr>
-                              <m:e>
-                                <m:r>
-                                  <a:rPr lang="en-IN" i="1">
-                                    <a:latin typeface="Cambria Math" panose="02040503050406030204" pitchFamily="18" charset="0"/>
-                                  </a:rPr>
-                                  <m:t>𝑖</m:t>
-                                </m:r>
-                              </m:e>
-                              <m:sub>
-                                <m:r>
-                                  <a:rPr lang="en-IN" i="1">
-                                    <a:latin typeface="Cambria Math" panose="02040503050406030204" pitchFamily="18" charset="0"/>
-                                  </a:rPr>
-                                  <m:t>0</m:t>
-                                </m:r>
-                              </m:sub>
-                            </m:sSub>
-                          </m:sup>
-                        </m:sSup>
-                        <m:r>
-                          <a:rPr lang="en-IN">
-                            <a:latin typeface="Cambria Math" panose="02040503050406030204" pitchFamily="18" charset="0"/>
-                          </a:rPr>
-                          <m:t>+</m:t>
-                        </m:r>
-                        <m:r>
-                          <a:rPr lang="en-IN">
-                            <a:latin typeface="Cambria Math" panose="02040503050406030204" pitchFamily="18" charset="0"/>
-                          </a:rPr>
-                          <m:t>𝑏</m:t>
-                        </m:r>
-                      </m:e>
-                    </m:d>
-                  </m:oMath>
-                </a14:m>
-                <a:endParaRPr lang="en-IN" dirty="0" smtClean="0"/>
-              </a:p>
-              <a:p>
-                <a:r>
-                  <a:rPr lang="en-IN" dirty="0" smtClean="0"/>
-                  <a:t>Recall that all this discussion holds only for a perfect classifier </a:t>
-                </a:r>
-                <a14:m>
-                  <m:oMath xmlns:m="http://schemas.openxmlformats.org/officeDocument/2006/math">
-                    <m:d>
-                      <m:dPr>
-                        <m:ctrlPr>
-                          <a:rPr lang="en-IN" b="0" i="1" smtClean="0">
-                            <a:latin typeface="Cambria Math" panose="02040503050406030204" pitchFamily="18" charset="0"/>
-                          </a:rPr>
-                        </m:ctrlPr>
-                      </m:dPr>
-                      <m:e>
-                        <m:r>
-                          <a:rPr lang="en-IN" b="1" i="0" smtClean="0">
-                            <a:latin typeface="Cambria Math" panose="02040503050406030204" pitchFamily="18" charset="0"/>
-                          </a:rPr>
-                          <m:t>𝐰</m:t>
-                        </m:r>
-                        <m:r>
-                          <a:rPr lang="en-IN" b="0" i="1" smtClean="0">
-                            <a:latin typeface="Cambria Math" panose="02040503050406030204" pitchFamily="18" charset="0"/>
-                          </a:rPr>
-                          <m:t>,</m:t>
-                        </m:r>
-                        <m:r>
-                          <a:rPr lang="en-IN" b="0" i="1" smtClean="0">
-                            <a:latin typeface="Cambria Math" panose="02040503050406030204" pitchFamily="18" charset="0"/>
-                          </a:rPr>
-                          <m:t>𝑏</m:t>
-                        </m:r>
-                      </m:e>
-                    </m:d>
-                  </m:oMath>
-                </a14:m>
-                <a:endParaRPr lang="en-IN" dirty="0" smtClean="0"/>
-              </a:p>
-              <a:p>
-                <a:r>
-                  <a:rPr lang="en-IN" dirty="0" smtClean="0"/>
-                  <a:t>Let </a:t>
-                </a:r>
-                <a14:m>
-                  <m:oMath xmlns:m="http://schemas.openxmlformats.org/officeDocument/2006/math">
-                    <m:r>
-                      <a:rPr lang="en-IN" b="0" i="1" smtClean="0">
-                        <a:latin typeface="Cambria Math" panose="02040503050406030204" pitchFamily="18" charset="0"/>
-                      </a:rPr>
-                      <m:t>𝜖</m:t>
-                    </m:r>
-                    <m:r>
-                      <a:rPr lang="en-IN" b="0" i="1" smtClean="0">
-                        <a:latin typeface="Cambria Math" panose="02040503050406030204" pitchFamily="18" charset="0"/>
-                      </a:rPr>
-                      <m:t>=</m:t>
-                    </m:r>
-                    <m:sSup>
-                      <m:sSupPr>
-                        <m:ctrlPr>
-                          <a:rPr lang="en-IN" i="1">
-                            <a:latin typeface="Cambria Math" panose="02040503050406030204" pitchFamily="18" charset="0"/>
-                          </a:rPr>
-                        </m:ctrlPr>
-                      </m:sSupPr>
-                      <m:e>
-                        <m:r>
-                          <a:rPr lang="en-IN" i="1">
-                            <a:latin typeface="Cambria Math" panose="02040503050406030204" pitchFamily="18" charset="0"/>
-                          </a:rPr>
-                          <m:t>𝑦</m:t>
-                        </m:r>
-                      </m:e>
-                      <m:sup>
-                        <m:sSub>
-                          <m:sSubPr>
-                            <m:ctrlPr>
-                              <a:rPr lang="en-IN" b="0" i="1" smtClean="0">
-                                <a:latin typeface="Cambria Math" panose="02040503050406030204" pitchFamily="18" charset="0"/>
-                              </a:rPr>
-                            </m:ctrlPr>
-                          </m:sSubPr>
-                          <m:e>
-                            <m:r>
-                              <a:rPr lang="en-IN" b="0" i="1" smtClean="0">
-                                <a:latin typeface="Cambria Math" panose="02040503050406030204" pitchFamily="18" charset="0"/>
-                              </a:rPr>
-                              <m:t>𝑖</m:t>
-                            </m:r>
-                          </m:e>
-                          <m:sub>
-                            <m:r>
-                              <a:rPr lang="en-IN" b="0" i="1" smtClean="0">
-                                <a:latin typeface="Cambria Math" panose="02040503050406030204" pitchFamily="18" charset="0"/>
-                              </a:rPr>
-                              <m:t>0</m:t>
-                            </m:r>
-                          </m:sub>
-                        </m:sSub>
-                      </m:sup>
-                    </m:sSup>
-                    <m:r>
-                      <a:rPr lang="en-IN" i="1">
-                        <a:latin typeface="Cambria Math" panose="02040503050406030204" pitchFamily="18" charset="0"/>
-                      </a:rPr>
-                      <m:t>⋅</m:t>
-                    </m:r>
-                    <m:d>
-                      <m:dPr>
-                        <m:ctrlPr>
-                          <a:rPr lang="en-IN" i="1">
-                            <a:latin typeface="Cambria Math" panose="02040503050406030204" pitchFamily="18" charset="0"/>
-                          </a:rPr>
-                        </m:ctrlPr>
-                      </m:dPr>
-                      <m:e>
-                        <m:sSup>
-                          <m:sSupPr>
-                            <m:ctrlPr>
-                              <a:rPr lang="en-IN" i="1">
-                                <a:latin typeface="Cambria Math" panose="02040503050406030204" pitchFamily="18" charset="0"/>
-                              </a:rPr>
-                            </m:ctrlPr>
-                          </m:sSupPr>
-                          <m:e>
-                            <m:r>
-                              <a:rPr lang="en-IN" b="1">
-                                <a:latin typeface="Cambria Math" panose="02040503050406030204" pitchFamily="18" charset="0"/>
-                              </a:rPr>
-                              <m:t>𝐰</m:t>
-                            </m:r>
-                          </m:e>
-                          <m:sup>
-                            <m:r>
-                              <a:rPr lang="en-IN">
-                                <a:latin typeface="Cambria Math" panose="02040503050406030204" pitchFamily="18" charset="0"/>
-                              </a:rPr>
-                              <m:t>⊤</m:t>
-                            </m:r>
-                          </m:sup>
-                        </m:sSup>
-                        <m:sSup>
-                          <m:sSupPr>
-                            <m:ctrlPr>
-                              <a:rPr lang="en-IN" b="1" i="1">
-                                <a:latin typeface="Cambria Math" panose="02040503050406030204" pitchFamily="18" charset="0"/>
-                              </a:rPr>
-                            </m:ctrlPr>
-                          </m:sSupPr>
-                          <m:e>
-                            <m:r>
-                              <a:rPr lang="en-IN" b="1">
-                                <a:latin typeface="Cambria Math" panose="02040503050406030204" pitchFamily="18" charset="0"/>
-                              </a:rPr>
-                              <m:t>𝐱</m:t>
-                            </m:r>
-                          </m:e>
-                          <m:sup>
-                            <m:sSub>
-                              <m:sSubPr>
-                                <m:ctrlPr>
-                                  <a:rPr lang="en-IN" b="0" i="1" smtClean="0">
-                                    <a:latin typeface="Cambria Math" panose="02040503050406030204" pitchFamily="18" charset="0"/>
-                                  </a:rPr>
-                                </m:ctrlPr>
-                              </m:sSubPr>
-                              <m:e>
-                                <m:r>
-                                  <a:rPr lang="en-IN" b="0" i="1" smtClean="0">
-                                    <a:latin typeface="Cambria Math" panose="02040503050406030204" pitchFamily="18" charset="0"/>
-                                  </a:rPr>
-                                  <m:t>𝑖</m:t>
-                                </m:r>
-                              </m:e>
-                              <m:sub>
-                                <m:r>
-                                  <a:rPr lang="en-IN" b="0" i="1" smtClean="0">
-                                    <a:latin typeface="Cambria Math" panose="02040503050406030204" pitchFamily="18" charset="0"/>
-                                  </a:rPr>
-                                  <m:t>0</m:t>
-                                </m:r>
-                              </m:sub>
-                            </m:sSub>
-                          </m:sup>
-                        </m:sSup>
-                        <m:r>
-                          <a:rPr lang="en-IN">
-                            <a:latin typeface="Cambria Math" panose="02040503050406030204" pitchFamily="18" charset="0"/>
-                          </a:rPr>
-                          <m:t>+</m:t>
-                        </m:r>
-                        <m:r>
-                          <a:rPr lang="en-IN">
-                            <a:latin typeface="Cambria Math" panose="02040503050406030204" pitchFamily="18" charset="0"/>
-                          </a:rPr>
-                          <m:t>𝑏</m:t>
-                        </m:r>
-                      </m:e>
-                    </m:d>
-                  </m:oMath>
-                </a14:m>
-                <a:r>
-                  <a:rPr lang="en-IN" dirty="0" smtClean="0"/>
-                  <a:t> and consider </a:t>
-                </a:r>
-                <a14:m>
-                  <m:oMath xmlns:m="http://schemas.openxmlformats.org/officeDocument/2006/math">
-                    <m:acc>
-                      <m:accPr>
-                        <m:chr m:val="̃"/>
-                        <m:ctrlPr>
-                          <a:rPr lang="en-IN" b="0" i="1" smtClean="0">
-                            <a:latin typeface="Cambria Math" panose="02040503050406030204" pitchFamily="18" charset="0"/>
-                          </a:rPr>
-                        </m:ctrlPr>
-                      </m:accPr>
-                      <m:e>
-                        <m:r>
-                          <a:rPr lang="en-IN" b="1" i="0" smtClean="0">
-                            <a:latin typeface="Cambria Math" panose="02040503050406030204" pitchFamily="18" charset="0"/>
-                          </a:rPr>
-                          <m:t>𝐰</m:t>
-                        </m:r>
-                      </m:e>
-                    </m:acc>
-                    <m:r>
-                      <a:rPr lang="en-IN" b="0" i="1" dirty="0" smtClean="0">
-                        <a:latin typeface="Cambria Math" panose="02040503050406030204" pitchFamily="18" charset="0"/>
-                      </a:rPr>
-                      <m:t>=</m:t>
-                    </m:r>
-                    <m:f>
-                      <m:fPr>
-                        <m:type m:val="lin"/>
-                        <m:ctrlPr>
-                          <a:rPr lang="en-IN" b="0" i="1" dirty="0" smtClean="0">
-                            <a:latin typeface="Cambria Math" panose="02040503050406030204" pitchFamily="18" charset="0"/>
-                          </a:rPr>
-                        </m:ctrlPr>
-                      </m:fPr>
-                      <m:num>
-                        <m:r>
-                          <a:rPr lang="en-IN" b="1" dirty="0">
-                            <a:latin typeface="Cambria Math" panose="02040503050406030204" pitchFamily="18" charset="0"/>
-                          </a:rPr>
-                          <m:t>𝐰</m:t>
-                        </m:r>
-                      </m:num>
-                      <m:den>
-                        <m:r>
-                          <a:rPr lang="en-IN" i="1" dirty="0">
-                            <a:latin typeface="Cambria Math" panose="02040503050406030204" pitchFamily="18" charset="0"/>
-                          </a:rPr>
-                          <m:t>𝜖</m:t>
-                        </m:r>
-                      </m:den>
-                    </m:f>
-                    <m:r>
-                      <a:rPr lang="en-IN" b="0" i="1" dirty="0" smtClean="0">
-                        <a:latin typeface="Cambria Math" panose="02040503050406030204" pitchFamily="18" charset="0"/>
-                      </a:rPr>
-                      <m:t>, </m:t>
-                    </m:r>
-                    <m:acc>
-                      <m:accPr>
-                        <m:chr m:val="̃"/>
-                        <m:ctrlPr>
-                          <a:rPr lang="en-IN" b="0" i="1" dirty="0" smtClean="0">
-                            <a:latin typeface="Cambria Math" panose="02040503050406030204" pitchFamily="18" charset="0"/>
-                          </a:rPr>
-                        </m:ctrlPr>
-                      </m:accPr>
-                      <m:e>
-                        <m:r>
-                          <a:rPr lang="en-IN" b="0" i="1" dirty="0" smtClean="0">
-                            <a:latin typeface="Cambria Math" panose="02040503050406030204" pitchFamily="18" charset="0"/>
-                          </a:rPr>
-                          <m:t>𝑏</m:t>
-                        </m:r>
-                      </m:e>
-                    </m:acc>
-                    <m:r>
-                      <a:rPr lang="en-IN" b="0" i="1" dirty="0" smtClean="0">
-                        <a:latin typeface="Cambria Math" panose="02040503050406030204" pitchFamily="18" charset="0"/>
-                      </a:rPr>
-                      <m:t>=</m:t>
-                    </m:r>
-                    <m:f>
-                      <m:fPr>
-                        <m:type m:val="lin"/>
-                        <m:ctrlPr>
-                          <a:rPr lang="en-IN" b="0" i="1" dirty="0" smtClean="0">
-                            <a:latin typeface="Cambria Math" panose="02040503050406030204" pitchFamily="18" charset="0"/>
-                          </a:rPr>
-                        </m:ctrlPr>
-                      </m:fPr>
-                      <m:num>
-                        <m:r>
-                          <a:rPr lang="en-IN" b="0" i="1" dirty="0" smtClean="0">
-                            <a:latin typeface="Cambria Math" panose="02040503050406030204" pitchFamily="18" charset="0"/>
-                          </a:rPr>
-                          <m:t>𝑏</m:t>
-                        </m:r>
-                      </m:num>
-                      <m:den>
-                        <m:r>
-                          <a:rPr lang="en-IN" b="0" i="1" dirty="0" smtClean="0">
-                            <a:latin typeface="Cambria Math" panose="02040503050406030204" pitchFamily="18" charset="0"/>
-                          </a:rPr>
-                          <m:t>𝜖</m:t>
-                        </m:r>
-                      </m:den>
-                    </m:f>
-                  </m:oMath>
-                </a14:m>
-                <a:endParaRPr lang="en-IN" dirty="0" smtClean="0"/>
-              </a:p>
-              <a:p>
-                <a:r>
-                  <a:rPr lang="en-IN" dirty="0" smtClean="0"/>
-                  <a:t>Note this gives us </a:t>
-                </a:r>
-                <a14:m>
-                  <m:oMath xmlns:m="http://schemas.openxmlformats.org/officeDocument/2006/math">
-                    <m:sSup>
-                      <m:sSupPr>
-                        <m:ctrlPr>
-                          <a:rPr lang="en-IN" i="1">
-                            <a:latin typeface="Cambria Math" panose="02040503050406030204" pitchFamily="18" charset="0"/>
-                          </a:rPr>
-                        </m:ctrlPr>
-                      </m:sSupPr>
-                      <m:e>
-                        <m:r>
-                          <a:rPr lang="en-IN" i="1">
-                            <a:latin typeface="Cambria Math" panose="02040503050406030204" pitchFamily="18" charset="0"/>
-                          </a:rPr>
-                          <m:t>𝑦</m:t>
-                        </m:r>
-                      </m:e>
-                      <m:sup>
-                        <m:r>
-                          <a:rPr lang="en-IN" i="1">
-                            <a:latin typeface="Cambria Math" panose="02040503050406030204" pitchFamily="18" charset="0"/>
-                          </a:rPr>
-                          <m:t>𝑖</m:t>
-                        </m:r>
-                      </m:sup>
-                    </m:sSup>
-                    <m:r>
-                      <a:rPr lang="en-IN" i="1">
-                        <a:latin typeface="Cambria Math" panose="02040503050406030204" pitchFamily="18" charset="0"/>
-                      </a:rPr>
-                      <m:t>⋅</m:t>
-                    </m:r>
-                    <m:d>
-                      <m:dPr>
-                        <m:ctrlPr>
-                          <a:rPr lang="en-IN" i="1">
-                            <a:latin typeface="Cambria Math" panose="02040503050406030204" pitchFamily="18" charset="0"/>
-                          </a:rPr>
-                        </m:ctrlPr>
-                      </m:dPr>
-                      <m:e>
-                        <m:sSup>
-                          <m:sSupPr>
-                            <m:ctrlPr>
-                              <a:rPr lang="en-IN" i="1">
-                                <a:latin typeface="Cambria Math" panose="02040503050406030204" pitchFamily="18" charset="0"/>
-                              </a:rPr>
-                            </m:ctrlPr>
-                          </m:sSupPr>
-                          <m:e>
-                            <m:acc>
-                              <m:accPr>
-                                <m:chr m:val="̃"/>
-                                <m:ctrlPr>
-                                  <a:rPr lang="en-IN" b="1" i="1" dirty="0" smtClean="0">
-                                    <a:latin typeface="Cambria Math" panose="02040503050406030204" pitchFamily="18" charset="0"/>
-                                  </a:rPr>
-                                </m:ctrlPr>
-                              </m:accPr>
-                              <m:e>
-                                <m:r>
-                                  <a:rPr lang="en-IN" b="1">
-                                    <a:latin typeface="Cambria Math" panose="02040503050406030204" pitchFamily="18" charset="0"/>
-                                  </a:rPr>
-                                  <m:t>𝐰</m:t>
-                                </m:r>
-                              </m:e>
-                            </m:acc>
-                          </m:e>
-                          <m:sup>
-                            <m:r>
-                              <a:rPr lang="en-IN">
-                                <a:latin typeface="Cambria Math" panose="02040503050406030204" pitchFamily="18" charset="0"/>
-                              </a:rPr>
-                              <m:t>⊤</m:t>
-                            </m:r>
-                          </m:sup>
-                        </m:sSup>
-                        <m:sSup>
-                          <m:sSupPr>
-                            <m:ctrlPr>
-                              <a:rPr lang="en-IN" b="1" i="1">
-                                <a:latin typeface="Cambria Math" panose="02040503050406030204" pitchFamily="18" charset="0"/>
-                              </a:rPr>
-                            </m:ctrlPr>
-                          </m:sSupPr>
-                          <m:e>
-                            <m:r>
-                              <a:rPr lang="en-IN" b="1">
-                                <a:latin typeface="Cambria Math" panose="02040503050406030204" pitchFamily="18" charset="0"/>
-                              </a:rPr>
-                              <m:t>𝐱</m:t>
-                            </m:r>
-                          </m:e>
-                          <m:sup>
-                            <m:r>
-                              <a:rPr lang="en-IN" i="1">
-                                <a:latin typeface="Cambria Math" panose="02040503050406030204" pitchFamily="18" charset="0"/>
-                              </a:rPr>
-                              <m:t>𝑖</m:t>
-                            </m:r>
-                          </m:sup>
-                        </m:sSup>
-                        <m:r>
-                          <a:rPr lang="en-IN">
-                            <a:latin typeface="Cambria Math" panose="02040503050406030204" pitchFamily="18" charset="0"/>
-                          </a:rPr>
-                          <m:t>+</m:t>
-                        </m:r>
-                        <m:acc>
-                          <m:accPr>
-                            <m:chr m:val="̃"/>
-                            <m:ctrlPr>
-                              <a:rPr lang="en-IN" i="1" dirty="0">
-                                <a:latin typeface="Cambria Math" panose="02040503050406030204" pitchFamily="18" charset="0"/>
-                              </a:rPr>
-                            </m:ctrlPr>
-                          </m:accPr>
-                          <m:e>
-                            <m:r>
-                              <a:rPr lang="en-IN" i="1" dirty="0">
-                                <a:latin typeface="Cambria Math" panose="02040503050406030204" pitchFamily="18" charset="0"/>
-                              </a:rPr>
-                              <m:t>𝑏</m:t>
-                            </m:r>
-                          </m:e>
-                        </m:acc>
-                      </m:e>
-                    </m:d>
-                    <m:r>
-                      <a:rPr lang="en-IN" b="0" i="1" smtClean="0">
-                        <a:latin typeface="Cambria Math" panose="02040503050406030204" pitchFamily="18" charset="0"/>
-                      </a:rPr>
-                      <m:t>≥1</m:t>
-                    </m:r>
-                  </m:oMath>
-                </a14:m>
-                <a:r>
-                  <a:rPr lang="en-IN" dirty="0" smtClean="0"/>
-                  <a:t> for all </a:t>
-                </a:r>
-                <a14:m>
-                  <m:oMath xmlns:m="http://schemas.openxmlformats.org/officeDocument/2006/math">
-                    <m:r>
-                      <a:rPr lang="en-IN" b="0" i="1" smtClean="0">
-                        <a:latin typeface="Cambria Math" panose="02040503050406030204" pitchFamily="18" charset="0"/>
-                      </a:rPr>
-                      <m:t>𝑖</m:t>
-                    </m:r>
-                    <m:r>
-                      <a:rPr lang="en-IN" b="0" i="1" smtClean="0">
-                        <a:latin typeface="Cambria Math" panose="02040503050406030204" pitchFamily="18" charset="0"/>
-                      </a:rPr>
-                      <m:t>=1…</m:t>
-                    </m:r>
-                    <m:r>
-                      <a:rPr lang="en-IN" b="0" i="1" smtClean="0">
-                        <a:latin typeface="Cambria Math" panose="02040503050406030204" pitchFamily="18" charset="0"/>
-                      </a:rPr>
-                      <m:t>𝑛</m:t>
-                    </m:r>
-                  </m:oMath>
-                </a14:m>
-                <a:r>
-                  <a:rPr lang="en-IN" dirty="0" smtClean="0"/>
-                  <a:t> as well as </a:t>
-                </a:r>
-                <a14:m>
-                  <m:oMath xmlns:m="http://schemas.openxmlformats.org/officeDocument/2006/math">
-                    <m:func>
-                      <m:funcPr>
-                        <m:ctrlPr>
-                          <a:rPr lang="en-IN" i="1">
-                            <a:latin typeface="Cambria Math" panose="02040503050406030204" pitchFamily="18" charset="0"/>
-                          </a:rPr>
-                        </m:ctrlPr>
-                      </m:funcPr>
-                      <m:fName>
-                        <m:limLow>
-                          <m:limLowPr>
-                            <m:ctrlPr>
-                              <a:rPr lang="en-IN" i="1">
-                                <a:latin typeface="Cambria Math" panose="02040503050406030204" pitchFamily="18" charset="0"/>
-                              </a:rPr>
-                            </m:ctrlPr>
-                          </m:limLowPr>
-                          <m:e>
-                            <m:r>
-                              <m:rPr>
-                                <m:sty m:val="p"/>
-                              </m:rPr>
-                              <a:rPr lang="en-IN">
-                                <a:latin typeface="Cambria Math" panose="02040503050406030204" pitchFamily="18" charset="0"/>
-                              </a:rPr>
-                              <m:t>min</m:t>
-                            </m:r>
-                          </m:e>
-                          <m:lim>
-                            <m:r>
-                              <a:rPr lang="en-IN" i="1">
-                                <a:latin typeface="Cambria Math" panose="02040503050406030204" pitchFamily="18" charset="0"/>
-                              </a:rPr>
-                              <m:t>𝑖</m:t>
-                            </m:r>
-                            <m:r>
-                              <a:rPr lang="en-IN" i="1">
-                                <a:latin typeface="Cambria Math" panose="02040503050406030204" pitchFamily="18" charset="0"/>
-                              </a:rPr>
-                              <m:t>=1…</m:t>
-                            </m:r>
-                            <m:r>
-                              <a:rPr lang="en-IN" i="1">
-                                <a:latin typeface="Cambria Math" panose="02040503050406030204" pitchFamily="18" charset="0"/>
-                              </a:rPr>
-                              <m:t>𝑛</m:t>
-                            </m:r>
-                          </m:lim>
-                        </m:limLow>
-                      </m:fName>
-                      <m:e>
-                        <m:f>
-                          <m:fPr>
-                            <m:type m:val="lin"/>
-                            <m:ctrlPr>
-                              <a:rPr lang="en-IN" i="1">
-                                <a:latin typeface="Cambria Math" panose="02040503050406030204" pitchFamily="18" charset="0"/>
-                              </a:rPr>
-                            </m:ctrlPr>
-                          </m:fPr>
-                          <m:num>
-                            <m:sSup>
-                              <m:sSupPr>
-                                <m:ctrlPr>
-                                  <a:rPr lang="en-IN" i="1">
-                                    <a:latin typeface="Cambria Math" panose="02040503050406030204" pitchFamily="18" charset="0"/>
-                                  </a:rPr>
-                                </m:ctrlPr>
-                              </m:sSupPr>
-                              <m:e>
-                                <m:r>
-                                  <a:rPr lang="en-IN" i="1">
-                                    <a:latin typeface="Cambria Math" panose="02040503050406030204" pitchFamily="18" charset="0"/>
-                                  </a:rPr>
-                                  <m:t>𝑦</m:t>
-                                </m:r>
-                              </m:e>
-                              <m:sup>
-                                <m:r>
-                                  <a:rPr lang="en-IN" i="1">
-                                    <a:latin typeface="Cambria Math" panose="02040503050406030204" pitchFamily="18" charset="0"/>
-                                  </a:rPr>
-                                  <m:t>𝑖</m:t>
-                                </m:r>
-                              </m:sup>
-                            </m:sSup>
-                            <m:r>
-                              <a:rPr lang="en-IN" i="1">
-                                <a:latin typeface="Cambria Math" panose="02040503050406030204" pitchFamily="18" charset="0"/>
-                              </a:rPr>
-                              <m:t>⋅</m:t>
-                            </m:r>
-                            <m:d>
-                              <m:dPr>
-                                <m:ctrlPr>
-                                  <a:rPr lang="en-IN" i="1">
-                                    <a:latin typeface="Cambria Math" panose="02040503050406030204" pitchFamily="18" charset="0"/>
-                                  </a:rPr>
-                                </m:ctrlPr>
-                              </m:dPr>
-                              <m:e>
-                                <m:sSup>
-                                  <m:sSupPr>
-                                    <m:ctrlPr>
-                                      <a:rPr lang="en-IN" i="1">
-                                        <a:latin typeface="Cambria Math" panose="02040503050406030204" pitchFamily="18" charset="0"/>
-                                      </a:rPr>
-                                    </m:ctrlPr>
-                                  </m:sSupPr>
-                                  <m:e>
-                                    <m:acc>
-                                      <m:accPr>
-                                        <m:chr m:val="̃"/>
-                                        <m:ctrlPr>
-                                          <a:rPr lang="en-IN" b="1" i="1" dirty="0" smtClean="0">
-                                            <a:latin typeface="Cambria Math" panose="02040503050406030204" pitchFamily="18" charset="0"/>
-                                          </a:rPr>
-                                        </m:ctrlPr>
-                                      </m:accPr>
-                                      <m:e>
-                                        <m:r>
-                                          <a:rPr lang="en-IN" b="1" i="0" dirty="0" smtClean="0">
-                                            <a:latin typeface="Cambria Math" panose="02040503050406030204" pitchFamily="18" charset="0"/>
-                                          </a:rPr>
-                                          <m:t>𝐰</m:t>
-                                        </m:r>
-                                      </m:e>
-                                    </m:acc>
-                                  </m:e>
-                                  <m:sup>
-                                    <m:r>
-                                      <a:rPr lang="en-IN">
-                                        <a:latin typeface="Cambria Math" panose="02040503050406030204" pitchFamily="18" charset="0"/>
-                                      </a:rPr>
-                                      <m:t>⊤</m:t>
-                                    </m:r>
-                                  </m:sup>
-                                </m:sSup>
-                                <m:sSup>
-                                  <m:sSupPr>
-                                    <m:ctrlPr>
-                                      <a:rPr lang="en-IN" b="1" i="1">
-                                        <a:latin typeface="Cambria Math" panose="02040503050406030204" pitchFamily="18" charset="0"/>
-                                      </a:rPr>
-                                    </m:ctrlPr>
-                                  </m:sSupPr>
-                                  <m:e>
-                                    <m:r>
-                                      <a:rPr lang="en-IN" b="1">
-                                        <a:latin typeface="Cambria Math" panose="02040503050406030204" pitchFamily="18" charset="0"/>
-                                      </a:rPr>
-                                      <m:t>𝐱</m:t>
-                                    </m:r>
-                                  </m:e>
-                                  <m:sup>
-                                    <m:r>
-                                      <a:rPr lang="en-IN" i="1">
-                                        <a:latin typeface="Cambria Math" panose="02040503050406030204" pitchFamily="18" charset="0"/>
-                                      </a:rPr>
-                                      <m:t>𝑖</m:t>
-                                    </m:r>
-                                  </m:sup>
-                                </m:sSup>
-                                <m:r>
-                                  <a:rPr lang="en-IN">
-                                    <a:latin typeface="Cambria Math" panose="02040503050406030204" pitchFamily="18" charset="0"/>
-                                  </a:rPr>
-                                  <m:t>+</m:t>
-                                </m:r>
-                                <m:acc>
-                                  <m:accPr>
-                                    <m:chr m:val="̃"/>
-                                    <m:ctrlPr>
-                                      <a:rPr lang="en-IN" i="1" dirty="0">
-                                        <a:latin typeface="Cambria Math" panose="02040503050406030204" pitchFamily="18" charset="0"/>
-                                      </a:rPr>
-                                    </m:ctrlPr>
-                                  </m:accPr>
-                                  <m:e>
-                                    <m:r>
-                                      <a:rPr lang="en-IN" i="1" dirty="0">
-                                        <a:latin typeface="Cambria Math" panose="02040503050406030204" pitchFamily="18" charset="0"/>
-                                      </a:rPr>
-                                      <m:t>𝑏</m:t>
-                                    </m:r>
-                                  </m:e>
-                                </m:acc>
-                              </m:e>
-                            </m:d>
-                          </m:num>
-                          <m:den>
-                            <m:sSub>
-                              <m:sSubPr>
-                                <m:ctrlPr>
-                                  <a:rPr lang="en-IN" i="1">
-                                    <a:latin typeface="Cambria Math" panose="02040503050406030204" pitchFamily="18" charset="0"/>
-                                  </a:rPr>
-                                </m:ctrlPr>
-                              </m:sSubPr>
-                              <m:e>
-                                <m:d>
-                                  <m:dPr>
-                                    <m:begChr m:val="‖"/>
-                                    <m:endChr m:val="‖"/>
-                                    <m:ctrlPr>
-                                      <a:rPr lang="en-IN" i="1">
-                                        <a:latin typeface="Cambria Math" panose="02040503050406030204" pitchFamily="18" charset="0"/>
-                                      </a:rPr>
-                                    </m:ctrlPr>
-                                  </m:dPr>
-                                  <m:e>
-                                    <m:acc>
-                                      <m:accPr>
-                                        <m:chr m:val="̃"/>
-                                        <m:ctrlPr>
-                                          <a:rPr lang="en-IN" b="1" i="1" dirty="0" smtClean="0">
-                                            <a:latin typeface="Cambria Math" panose="02040503050406030204" pitchFamily="18" charset="0"/>
-                                          </a:rPr>
-                                        </m:ctrlPr>
-                                      </m:accPr>
-                                      <m:e>
-                                        <m:r>
-                                          <a:rPr lang="en-IN" b="1" i="0" dirty="0" smtClean="0">
-                                            <a:latin typeface="Cambria Math" panose="02040503050406030204" pitchFamily="18" charset="0"/>
-                                          </a:rPr>
-                                          <m:t>𝐰</m:t>
-                                        </m:r>
-                                      </m:e>
-                                    </m:acc>
-                                  </m:e>
-                                </m:d>
-                              </m:e>
-                              <m:sub>
-                                <m:r>
-                                  <a:rPr lang="en-IN">
-                                    <a:latin typeface="Cambria Math" panose="02040503050406030204" pitchFamily="18" charset="0"/>
-                                  </a:rPr>
-                                  <m:t>2</m:t>
-                                </m:r>
-                              </m:sub>
-                            </m:sSub>
-                          </m:den>
-                        </m:f>
-                      </m:e>
-                    </m:func>
-                    <m:r>
-                      <a:rPr lang="en-IN" b="0" i="1" smtClean="0">
-                        <a:latin typeface="Cambria Math" panose="02040503050406030204" pitchFamily="18" charset="0"/>
-                      </a:rPr>
-                      <m:t>=</m:t>
-                    </m:r>
-                  </m:oMath>
-                </a14:m>
-                <a:r>
-                  <a:rPr lang="en-IN" dirty="0" smtClean="0"/>
-                  <a:t> </a:t>
-                </a:r>
-                <a14:m>
-                  <m:oMath xmlns:m="http://schemas.openxmlformats.org/officeDocument/2006/math">
-                    <m:f>
-                      <m:fPr>
-                        <m:type m:val="lin"/>
-                        <m:ctrlPr>
-                          <a:rPr lang="en-IN" i="1">
-                            <a:latin typeface="Cambria Math" panose="02040503050406030204" pitchFamily="18" charset="0"/>
-                          </a:rPr>
-                        </m:ctrlPr>
-                      </m:fPr>
-                      <m:num>
-                        <m:r>
-                          <a:rPr lang="en-IN" i="1" smtClean="0">
-                            <a:latin typeface="Cambria Math" panose="02040503050406030204" pitchFamily="18" charset="0"/>
-                          </a:rPr>
-                          <m:t>1</m:t>
-                        </m:r>
-                      </m:num>
-                      <m:den>
-                        <m:sSub>
-                          <m:sSubPr>
-                            <m:ctrlPr>
-                              <a:rPr lang="en-IN" i="1">
-                                <a:latin typeface="Cambria Math" panose="02040503050406030204" pitchFamily="18" charset="0"/>
-                              </a:rPr>
-                            </m:ctrlPr>
-                          </m:sSubPr>
-                          <m:e>
-                            <m:d>
-                              <m:dPr>
-                                <m:begChr m:val="‖"/>
-                                <m:endChr m:val="‖"/>
-                                <m:ctrlPr>
-                                  <a:rPr lang="en-IN" i="1">
-                                    <a:latin typeface="Cambria Math" panose="02040503050406030204" pitchFamily="18" charset="0"/>
-                                  </a:rPr>
-                                </m:ctrlPr>
-                              </m:dPr>
-                              <m:e>
-                                <m:acc>
-                                  <m:accPr>
-                                    <m:chr m:val="̃"/>
-                                    <m:ctrlPr>
-                                      <a:rPr lang="en-IN" b="1" i="1" dirty="0">
-                                        <a:latin typeface="Cambria Math" panose="02040503050406030204" pitchFamily="18" charset="0"/>
-                                      </a:rPr>
-                                    </m:ctrlPr>
-                                  </m:accPr>
-                                  <m:e>
-                                    <m:r>
-                                      <a:rPr lang="en-IN" b="1" dirty="0">
-                                        <a:latin typeface="Cambria Math" panose="02040503050406030204" pitchFamily="18" charset="0"/>
-                                      </a:rPr>
-                                      <m:t>𝐰</m:t>
-                                    </m:r>
-                                  </m:e>
-                                </m:acc>
-                              </m:e>
-                            </m:d>
-                          </m:e>
-                          <m:sub>
-                            <m:r>
-                              <a:rPr lang="en-IN">
-                                <a:latin typeface="Cambria Math" panose="02040503050406030204" pitchFamily="18" charset="0"/>
-                              </a:rPr>
-                              <m:t>2</m:t>
-                            </m:r>
-                          </m:sub>
-                        </m:sSub>
-                      </m:den>
-                    </m:f>
-                  </m:oMath>
-                </a14:m>
-                <a:r>
-                  <a:rPr lang="en-IN" dirty="0" smtClean="0"/>
-                  <a:t> (as </a:t>
-                </a:r>
-                <a14:m>
-                  <m:oMath xmlns:m="http://schemas.openxmlformats.org/officeDocument/2006/math">
-                    <m:sSup>
-                      <m:sSupPr>
-                        <m:ctrlPr>
-                          <a:rPr lang="en-IN" i="1">
-                            <a:latin typeface="Cambria Math" panose="02040503050406030204" pitchFamily="18" charset="0"/>
-                          </a:rPr>
-                        </m:ctrlPr>
-                      </m:sSupPr>
-                      <m:e>
-                        <m:r>
-                          <a:rPr lang="en-IN" i="1">
-                            <a:latin typeface="Cambria Math" panose="02040503050406030204" pitchFamily="18" charset="0"/>
-                          </a:rPr>
-                          <m:t>𝑦</m:t>
-                        </m:r>
-                      </m:e>
-                      <m:sup>
-                        <m:sSub>
-                          <m:sSubPr>
-                            <m:ctrlPr>
-                              <a:rPr lang="en-IN" b="0" i="1" smtClean="0">
-                                <a:latin typeface="Cambria Math" panose="02040503050406030204" pitchFamily="18" charset="0"/>
-                              </a:rPr>
-                            </m:ctrlPr>
-                          </m:sSubPr>
-                          <m:e>
-                            <m:r>
-                              <a:rPr lang="en-IN" i="1">
-                                <a:latin typeface="Cambria Math" panose="02040503050406030204" pitchFamily="18" charset="0"/>
-                              </a:rPr>
-                              <m:t>𝑖</m:t>
-                            </m:r>
-                          </m:e>
-                          <m:sub>
-                            <m:r>
-                              <a:rPr lang="en-IN" b="0" i="1" smtClean="0">
-                                <a:latin typeface="Cambria Math" panose="02040503050406030204" pitchFamily="18" charset="0"/>
-                              </a:rPr>
-                              <m:t>0</m:t>
-                            </m:r>
-                          </m:sub>
-                        </m:sSub>
-                      </m:sup>
-                    </m:sSup>
-                    <m:r>
-                      <a:rPr lang="en-IN" i="1">
-                        <a:latin typeface="Cambria Math" panose="02040503050406030204" pitchFamily="18" charset="0"/>
-                      </a:rPr>
-                      <m:t>⋅</m:t>
-                    </m:r>
-                    <m:d>
-                      <m:dPr>
-                        <m:ctrlPr>
-                          <a:rPr lang="en-IN" i="1">
-                            <a:latin typeface="Cambria Math" panose="02040503050406030204" pitchFamily="18" charset="0"/>
-                          </a:rPr>
-                        </m:ctrlPr>
-                      </m:dPr>
-                      <m:e>
-                        <m:sSup>
-                          <m:sSupPr>
-                            <m:ctrlPr>
-                              <a:rPr lang="en-IN" i="1">
-                                <a:latin typeface="Cambria Math" panose="02040503050406030204" pitchFamily="18" charset="0"/>
-                              </a:rPr>
-                            </m:ctrlPr>
-                          </m:sSupPr>
-                          <m:e>
-                            <m:acc>
-                              <m:accPr>
-                                <m:chr m:val="̃"/>
-                                <m:ctrlPr>
-                                  <a:rPr lang="en-IN" b="1" i="1" dirty="0">
-                                    <a:latin typeface="Cambria Math" panose="02040503050406030204" pitchFamily="18" charset="0"/>
-                                  </a:rPr>
-                                </m:ctrlPr>
-                              </m:accPr>
-                              <m:e>
-                                <m:r>
-                                  <a:rPr lang="en-IN" b="1">
-                                    <a:latin typeface="Cambria Math" panose="02040503050406030204" pitchFamily="18" charset="0"/>
-                                  </a:rPr>
-                                  <m:t>𝐰</m:t>
-                                </m:r>
-                              </m:e>
-                            </m:acc>
-                          </m:e>
-                          <m:sup>
-                            <m:r>
-                              <a:rPr lang="en-IN">
-                                <a:latin typeface="Cambria Math" panose="02040503050406030204" pitchFamily="18" charset="0"/>
-                              </a:rPr>
-                              <m:t>⊤</m:t>
-                            </m:r>
-                          </m:sup>
-                        </m:sSup>
-                        <m:sSup>
-                          <m:sSupPr>
-                            <m:ctrlPr>
-                              <a:rPr lang="en-IN" b="1" i="1">
-                                <a:latin typeface="Cambria Math" panose="02040503050406030204" pitchFamily="18" charset="0"/>
-                              </a:rPr>
-                            </m:ctrlPr>
-                          </m:sSupPr>
-                          <m:e>
-                            <m:r>
-                              <a:rPr lang="en-IN" b="1">
-                                <a:latin typeface="Cambria Math" panose="02040503050406030204" pitchFamily="18" charset="0"/>
-                              </a:rPr>
-                              <m:t>𝐱</m:t>
-                            </m:r>
-                          </m:e>
-                          <m:sup>
-                            <m:sSub>
-                              <m:sSubPr>
-                                <m:ctrlPr>
-                                  <a:rPr lang="en-IN" b="0" i="1" smtClean="0">
-                                    <a:latin typeface="Cambria Math" panose="02040503050406030204" pitchFamily="18" charset="0"/>
-                                  </a:rPr>
-                                </m:ctrlPr>
-                              </m:sSubPr>
-                              <m:e>
-                                <m:r>
-                                  <a:rPr lang="en-IN" i="1">
-                                    <a:latin typeface="Cambria Math" panose="02040503050406030204" pitchFamily="18" charset="0"/>
-                                  </a:rPr>
-                                  <m:t>𝑖</m:t>
-                                </m:r>
-                              </m:e>
-                              <m:sub>
-                                <m:r>
-                                  <a:rPr lang="en-IN" b="0" i="1" smtClean="0">
-                                    <a:latin typeface="Cambria Math" panose="02040503050406030204" pitchFamily="18" charset="0"/>
-                                  </a:rPr>
-                                  <m:t>0</m:t>
-                                </m:r>
-                              </m:sub>
-                            </m:sSub>
-                          </m:sup>
-                        </m:sSup>
-                        <m:r>
-                          <a:rPr lang="en-IN">
-                            <a:latin typeface="Cambria Math" panose="02040503050406030204" pitchFamily="18" charset="0"/>
-                          </a:rPr>
-                          <m:t>+</m:t>
-                        </m:r>
-                        <m:acc>
-                          <m:accPr>
-                            <m:chr m:val="̃"/>
-                            <m:ctrlPr>
-                              <a:rPr lang="en-IN" i="1" dirty="0">
-                                <a:latin typeface="Cambria Math" panose="02040503050406030204" pitchFamily="18" charset="0"/>
-                              </a:rPr>
-                            </m:ctrlPr>
-                          </m:accPr>
-                          <m:e>
-                            <m:r>
-                              <a:rPr lang="en-IN" i="1" dirty="0">
-                                <a:latin typeface="Cambria Math" panose="02040503050406030204" pitchFamily="18" charset="0"/>
-                              </a:rPr>
-                              <m:t>𝑏</m:t>
-                            </m:r>
-                          </m:e>
-                        </m:acc>
-                      </m:e>
-                    </m:d>
-                    <m:r>
-                      <a:rPr lang="en-IN" b="0" i="1" smtClean="0">
-                        <a:latin typeface="Cambria Math" panose="02040503050406030204" pitchFamily="18" charset="0"/>
-                      </a:rPr>
-                      <m:t>=</m:t>
-                    </m:r>
-                    <m:r>
-                      <a:rPr lang="en-IN" i="1">
-                        <a:latin typeface="Cambria Math" panose="02040503050406030204" pitchFamily="18" charset="0"/>
-                      </a:rPr>
-                      <m:t>1</m:t>
-                    </m:r>
-                  </m:oMath>
-                </a14:m>
-                <a:r>
-                  <a:rPr lang="en-IN" dirty="0" smtClean="0"/>
-                  <a:t>)</a:t>
-                </a:r>
-              </a:p>
-              <a:p>
-                <a:r>
-                  <a:rPr lang="en-IN" dirty="0" smtClean="0"/>
-                  <a:t>Thus, instead of searching for </a:t>
-                </a:r>
-                <a14:m>
-                  <m:oMath xmlns:m="http://schemas.openxmlformats.org/officeDocument/2006/math">
-                    <m:d>
-                      <m:dPr>
-                        <m:ctrlPr>
-                          <a:rPr lang="en-IN" b="0" i="1" smtClean="0">
-                            <a:latin typeface="Cambria Math" panose="02040503050406030204" pitchFamily="18" charset="0"/>
-                          </a:rPr>
-                        </m:ctrlPr>
-                      </m:dPr>
-                      <m:e>
-                        <m:r>
-                          <a:rPr lang="en-IN" b="1" i="0" smtClean="0">
-                            <a:latin typeface="Cambria Math" panose="02040503050406030204" pitchFamily="18" charset="0"/>
-                          </a:rPr>
-                          <m:t>𝐰</m:t>
-                        </m:r>
-                        <m:r>
-                          <a:rPr lang="en-IN" b="1" i="0" smtClean="0">
-                            <a:latin typeface="Cambria Math" panose="02040503050406030204" pitchFamily="18" charset="0"/>
-                          </a:rPr>
-                          <m:t>,</m:t>
-                        </m:r>
-                        <m:r>
-                          <a:rPr lang="en-IN" b="0" i="1" smtClean="0">
-                            <a:latin typeface="Cambria Math" panose="02040503050406030204" pitchFamily="18" charset="0"/>
-                          </a:rPr>
-                          <m:t>𝑏</m:t>
-                        </m:r>
-                      </m:e>
-                    </m:d>
-                  </m:oMath>
-                </a14:m>
-                <a:r>
-                  <a:rPr lang="en-IN" dirty="0" smtClean="0"/>
-                  <a:t>, easier to search for </a:t>
-                </a:r>
-                <a14:m>
-                  <m:oMath xmlns:m="http://schemas.openxmlformats.org/officeDocument/2006/math">
-                    <m:d>
-                      <m:dPr>
-                        <m:ctrlPr>
-                          <a:rPr lang="en-IN" b="0" i="1" smtClean="0">
-                            <a:latin typeface="Cambria Math" panose="02040503050406030204" pitchFamily="18" charset="0"/>
-                          </a:rPr>
-                        </m:ctrlPr>
-                      </m:dPr>
-                      <m:e>
-                        <m:acc>
-                          <m:accPr>
-                            <m:chr m:val="̃"/>
-                            <m:ctrlPr>
-                              <a:rPr lang="en-IN" b="0" i="1" smtClean="0">
-                                <a:latin typeface="Cambria Math" panose="02040503050406030204" pitchFamily="18" charset="0"/>
-                              </a:rPr>
-                            </m:ctrlPr>
-                          </m:accPr>
-                          <m:e>
-                            <m:r>
-                              <a:rPr lang="en-IN" b="1" i="0" smtClean="0">
-                                <a:latin typeface="Cambria Math" panose="02040503050406030204" pitchFamily="18" charset="0"/>
-                              </a:rPr>
-                              <m:t>𝐰</m:t>
-                            </m:r>
-                          </m:e>
-                        </m:acc>
-                        <m:r>
-                          <a:rPr lang="en-IN" b="0" i="1" dirty="0" smtClean="0">
-                            <a:latin typeface="Cambria Math" panose="02040503050406030204" pitchFamily="18" charset="0"/>
-                          </a:rPr>
-                          <m:t>,</m:t>
-                        </m:r>
-                        <m:acc>
-                          <m:accPr>
-                            <m:chr m:val="̃"/>
-                            <m:ctrlPr>
-                              <a:rPr lang="en-IN" i="1" dirty="0">
-                                <a:latin typeface="Cambria Math" panose="02040503050406030204" pitchFamily="18" charset="0"/>
-                              </a:rPr>
-                            </m:ctrlPr>
-                          </m:accPr>
-                          <m:e>
-                            <m:r>
-                              <a:rPr lang="en-IN" i="1" dirty="0">
-                                <a:latin typeface="Cambria Math" panose="02040503050406030204" pitchFamily="18" charset="0"/>
-                              </a:rPr>
-                              <m:t>𝑏</m:t>
-                            </m:r>
-                          </m:e>
-                        </m:acc>
-                      </m:e>
-                    </m:d>
-                  </m:oMath>
-                </a14:m>
-                <a:endParaRPr lang="en-IN" dirty="0" smtClean="0"/>
-              </a:p>
-              <a:p>
-                <a:pPr algn="ctr"/>
-                <a14:m>
-                  <m:oMath xmlns:m="http://schemas.openxmlformats.org/officeDocument/2006/math">
-                    <m:func>
-                      <m:funcPr>
-                        <m:ctrlPr>
-                          <a:rPr lang="en-IN" i="1">
-                            <a:latin typeface="Cambria Math" panose="02040503050406030204" pitchFamily="18" charset="0"/>
-                          </a:rPr>
-                        </m:ctrlPr>
-                      </m:funcPr>
-                      <m:fName>
-                        <m:limLow>
-                          <m:limLowPr>
-                            <m:ctrlPr>
-                              <a:rPr lang="en-IN" i="1">
-                                <a:latin typeface="Cambria Math" panose="02040503050406030204" pitchFamily="18" charset="0"/>
-                              </a:rPr>
-                            </m:ctrlPr>
-                          </m:limLowPr>
-                          <m:e>
-                            <m:r>
-                              <m:rPr>
-                                <m:sty m:val="p"/>
-                              </m:rPr>
-                              <a:rPr lang="en-IN">
-                                <a:latin typeface="Cambria Math" panose="02040503050406030204" pitchFamily="18" charset="0"/>
-                              </a:rPr>
-                              <m:t>max</m:t>
-                            </m:r>
-                          </m:e>
-                          <m:lim>
-                            <m:acc>
-                              <m:accPr>
-                                <m:chr m:val="̃"/>
-                                <m:ctrlPr>
-                                  <a:rPr lang="en-IN" b="1" i="1" dirty="0" smtClean="0">
-                                    <a:latin typeface="Cambria Math" panose="02040503050406030204" pitchFamily="18" charset="0"/>
-                                  </a:rPr>
-                                </m:ctrlPr>
-                              </m:accPr>
-                              <m:e>
-                                <m:r>
-                                  <a:rPr lang="en-IN" b="1" i="0" dirty="0" smtClean="0">
-                                    <a:latin typeface="Cambria Math" panose="02040503050406030204" pitchFamily="18" charset="0"/>
-                                  </a:rPr>
-                                  <m:t>𝐰</m:t>
-                                </m:r>
-                              </m:e>
-                            </m:acc>
-                            <m:r>
-                              <a:rPr lang="en-IN" b="1">
-                                <a:latin typeface="Cambria Math" panose="02040503050406030204" pitchFamily="18" charset="0"/>
-                              </a:rPr>
-                              <m:t>,</m:t>
-                            </m:r>
-                            <m:acc>
-                              <m:accPr>
-                                <m:chr m:val="̃"/>
-                                <m:ctrlPr>
-                                  <a:rPr lang="en-IN" i="1" dirty="0" smtClean="0">
-                                    <a:latin typeface="Cambria Math" panose="02040503050406030204" pitchFamily="18" charset="0"/>
-                                  </a:rPr>
-                                </m:ctrlPr>
-                              </m:accPr>
-                              <m:e>
-                                <m:r>
-                                  <a:rPr lang="en-IN" b="0" i="1" dirty="0" smtClean="0">
-                                    <a:latin typeface="Cambria Math" panose="02040503050406030204" pitchFamily="18" charset="0"/>
-                                  </a:rPr>
-                                  <m:t>𝑏</m:t>
-                                </m:r>
-                              </m:e>
-                            </m:acc>
-                          </m:lim>
-                        </m:limLow>
-                      </m:fName>
-                      <m:e>
-                        <m:d>
-                          <m:dPr>
-                            <m:begChr m:val="{"/>
-                            <m:endChr m:val="}"/>
-                            <m:ctrlPr>
-                              <a:rPr lang="en-IN" i="1">
-                                <a:latin typeface="Cambria Math" panose="02040503050406030204" pitchFamily="18" charset="0"/>
-                              </a:rPr>
-                            </m:ctrlPr>
-                          </m:dPr>
-                          <m:e>
-                            <m:f>
-                              <m:fPr>
-                                <m:type m:val="lin"/>
-                                <m:ctrlPr>
-                                  <a:rPr lang="en-IN" i="1">
-                                    <a:latin typeface="Cambria Math" panose="02040503050406030204" pitchFamily="18" charset="0"/>
-                                  </a:rPr>
-                                </m:ctrlPr>
-                              </m:fPr>
-                              <m:num>
-                                <m:r>
-                                  <a:rPr lang="en-IN" i="1">
-                                    <a:latin typeface="Cambria Math" panose="02040503050406030204" pitchFamily="18" charset="0"/>
-                                  </a:rPr>
-                                  <m:t>1</m:t>
-                                </m:r>
-                              </m:num>
-                              <m:den>
-                                <m:sSub>
-                                  <m:sSubPr>
-                                    <m:ctrlPr>
-                                      <a:rPr lang="en-IN" i="1">
-                                        <a:latin typeface="Cambria Math" panose="02040503050406030204" pitchFamily="18" charset="0"/>
-                                      </a:rPr>
-                                    </m:ctrlPr>
-                                  </m:sSubPr>
-                                  <m:e>
-                                    <m:d>
-                                      <m:dPr>
-                                        <m:begChr m:val="‖"/>
-                                        <m:endChr m:val="‖"/>
-                                        <m:ctrlPr>
-                                          <a:rPr lang="en-IN" i="1">
-                                            <a:latin typeface="Cambria Math" panose="02040503050406030204" pitchFamily="18" charset="0"/>
-                                          </a:rPr>
-                                        </m:ctrlPr>
-                                      </m:dPr>
-                                      <m:e>
-                                        <m:acc>
-                                          <m:accPr>
-                                            <m:chr m:val="̃"/>
-                                            <m:ctrlPr>
-                                              <a:rPr lang="en-IN" b="1" i="1" dirty="0" smtClean="0">
-                                                <a:latin typeface="Cambria Math" panose="02040503050406030204" pitchFamily="18" charset="0"/>
-                                              </a:rPr>
-                                            </m:ctrlPr>
-                                          </m:accPr>
-                                          <m:e>
-                                            <m:r>
-                                              <a:rPr lang="en-IN" b="1" i="0" dirty="0" smtClean="0">
-                                                <a:latin typeface="Cambria Math" panose="02040503050406030204" pitchFamily="18" charset="0"/>
-                                              </a:rPr>
-                                              <m:t>𝐰</m:t>
-                                            </m:r>
-                                          </m:e>
-                                        </m:acc>
-                                      </m:e>
-                                    </m:d>
-                                  </m:e>
-                                  <m:sub>
-                                    <m:r>
-                                      <a:rPr lang="en-IN">
-                                        <a:latin typeface="Cambria Math" panose="02040503050406030204" pitchFamily="18" charset="0"/>
-                                      </a:rPr>
-                                      <m:t>2</m:t>
-                                    </m:r>
-                                  </m:sub>
-                                </m:sSub>
-                              </m:den>
-                            </m:f>
-                          </m:e>
-                        </m:d>
-                      </m:e>
-                    </m:func>
-                  </m:oMath>
-                </a14:m>
-                <a:endParaRPr lang="en-IN" i="1" dirty="0"/>
-              </a:p>
-              <a:p>
-                <a:pPr algn="ctr"/>
-                <a:r>
-                  <a:rPr lang="en-IN" dirty="0"/>
-                  <a:t>such that </a:t>
-                </a:r>
-                <a14:m>
-                  <m:oMath xmlns:m="http://schemas.openxmlformats.org/officeDocument/2006/math">
-                    <m:sSup>
-                      <m:sSupPr>
-                        <m:ctrlPr>
-                          <a:rPr lang="en-IN" i="1">
-                            <a:latin typeface="Cambria Math" panose="02040503050406030204" pitchFamily="18" charset="0"/>
-                          </a:rPr>
-                        </m:ctrlPr>
-                      </m:sSupPr>
-                      <m:e>
-                        <m:r>
-                          <a:rPr lang="en-IN">
-                            <a:latin typeface="Cambria Math" panose="02040503050406030204" pitchFamily="18" charset="0"/>
-                          </a:rPr>
-                          <m:t>𝑦</m:t>
-                        </m:r>
-                      </m:e>
-                      <m:sup>
-                        <m:r>
-                          <a:rPr lang="en-IN">
-                            <a:latin typeface="Cambria Math" panose="02040503050406030204" pitchFamily="18" charset="0"/>
-                          </a:rPr>
-                          <m:t>𝑖</m:t>
-                        </m:r>
-                      </m:sup>
-                    </m:sSup>
-                    <m:r>
-                      <a:rPr lang="en-IN" i="1">
-                        <a:latin typeface="Cambria Math" panose="02040503050406030204" pitchFamily="18" charset="0"/>
-                      </a:rPr>
-                      <m:t>⋅</m:t>
-                    </m:r>
-                    <m:r>
-                      <a:rPr lang="en-IN">
-                        <a:latin typeface="Cambria Math" panose="02040503050406030204" pitchFamily="18" charset="0"/>
-                      </a:rPr>
-                      <m:t>(</m:t>
-                    </m:r>
-                    <m:sSup>
-                      <m:sSupPr>
-                        <m:ctrlPr>
-                          <a:rPr lang="en-IN" i="1">
-                            <a:latin typeface="Cambria Math" panose="02040503050406030204" pitchFamily="18" charset="0"/>
-                          </a:rPr>
-                        </m:ctrlPr>
-                      </m:sSupPr>
-                      <m:e>
-                        <m:acc>
-                          <m:accPr>
-                            <m:chr m:val="̃"/>
-                            <m:ctrlPr>
-                              <a:rPr lang="en-IN" b="1" i="1" dirty="0">
-                                <a:latin typeface="Cambria Math" panose="02040503050406030204" pitchFamily="18" charset="0"/>
-                              </a:rPr>
-                            </m:ctrlPr>
-                          </m:accPr>
-                          <m:e>
-                            <m:r>
-                              <a:rPr lang="en-IN" b="1" dirty="0">
-                                <a:latin typeface="Cambria Math" panose="02040503050406030204" pitchFamily="18" charset="0"/>
-                              </a:rPr>
-                              <m:t>𝐰</m:t>
-                            </m:r>
-                          </m:e>
-                        </m:acc>
-                      </m:e>
-                      <m:sup>
-                        <m:r>
-                          <a:rPr lang="en-IN">
-                            <a:latin typeface="Cambria Math" panose="02040503050406030204" pitchFamily="18" charset="0"/>
-                          </a:rPr>
-                          <m:t>⊤</m:t>
-                        </m:r>
-                      </m:sup>
-                    </m:sSup>
-                    <m:sSup>
-                      <m:sSupPr>
-                        <m:ctrlPr>
-                          <a:rPr lang="en-IN" i="1">
-                            <a:latin typeface="Cambria Math" panose="02040503050406030204" pitchFamily="18" charset="0"/>
-                          </a:rPr>
-                        </m:ctrlPr>
-                      </m:sSupPr>
-                      <m:e>
-                        <m:r>
-                          <a:rPr lang="en-IN" b="1">
-                            <a:latin typeface="Cambria Math" panose="02040503050406030204" pitchFamily="18" charset="0"/>
-                          </a:rPr>
-                          <m:t>𝐱</m:t>
-                        </m:r>
-                      </m:e>
-                      <m:sup>
-                        <m:r>
-                          <a:rPr lang="en-IN">
-                            <a:latin typeface="Cambria Math" panose="02040503050406030204" pitchFamily="18" charset="0"/>
-                          </a:rPr>
-                          <m:t>𝑖</m:t>
-                        </m:r>
-                      </m:sup>
-                    </m:sSup>
-                    <m:r>
-                      <a:rPr lang="en-IN">
-                        <a:latin typeface="Cambria Math" panose="02040503050406030204" pitchFamily="18" charset="0"/>
-                      </a:rPr>
-                      <m:t>+</m:t>
-                    </m:r>
-                    <m:acc>
-                      <m:accPr>
-                        <m:chr m:val="̃"/>
-                        <m:ctrlPr>
-                          <a:rPr lang="en-IN" i="1" dirty="0">
-                            <a:latin typeface="Cambria Math" panose="02040503050406030204" pitchFamily="18" charset="0"/>
-                          </a:rPr>
-                        </m:ctrlPr>
-                      </m:accPr>
-                      <m:e>
-                        <m:r>
-                          <a:rPr lang="en-IN" i="1" dirty="0">
-                            <a:latin typeface="Cambria Math" panose="02040503050406030204" pitchFamily="18" charset="0"/>
-                          </a:rPr>
-                          <m:t>𝑏</m:t>
-                        </m:r>
-                      </m:e>
-                    </m:acc>
-                    <m:r>
-                      <a:rPr lang="en-IN">
-                        <a:latin typeface="Cambria Math" panose="02040503050406030204" pitchFamily="18" charset="0"/>
-                      </a:rPr>
-                      <m:t>)</m:t>
-                    </m:r>
-                    <m:r>
-                      <a:rPr lang="en-IN" i="1">
-                        <a:latin typeface="Cambria Math" panose="02040503050406030204" pitchFamily="18" charset="0"/>
-                      </a:rPr>
-                      <m:t>≥</m:t>
-                    </m:r>
-                    <m:r>
-                      <a:rPr lang="en-IN" b="0" i="1" smtClean="0">
-                        <a:latin typeface="Cambria Math" panose="02040503050406030204" pitchFamily="18" charset="0"/>
-                      </a:rPr>
-                      <m:t>1</m:t>
-                    </m:r>
-                  </m:oMath>
-                </a14:m>
-                <a:r>
-                  <a:rPr lang="en-IN" dirty="0"/>
-                  <a:t> for all </a:t>
-                </a:r>
-                <a14:m>
-                  <m:oMath xmlns:m="http://schemas.openxmlformats.org/officeDocument/2006/math">
-                    <m:r>
-                      <a:rPr lang="en-IN" i="1">
-                        <a:latin typeface="Cambria Math" panose="02040503050406030204" pitchFamily="18" charset="0"/>
-                      </a:rPr>
-                      <m:t>𝑖</m:t>
-                    </m:r>
-                    <m:r>
-                      <a:rPr lang="en-IN" i="1">
-                        <a:latin typeface="Cambria Math" panose="02040503050406030204" pitchFamily="18" charset="0"/>
-                      </a:rPr>
-                      <m:t>=1…</m:t>
-                    </m:r>
-                    <m:r>
-                      <a:rPr lang="en-IN" i="1">
-                        <a:latin typeface="Cambria Math" panose="02040503050406030204" pitchFamily="18" charset="0"/>
-                      </a:rPr>
-                      <m:t>𝑛</m:t>
-                    </m:r>
-                  </m:oMath>
-                </a14:m>
-                <a:endParaRPr lang="en-IN" i="1" dirty="0"/>
-              </a:p>
-              <a:p>
-                <a:endParaRPr lang="en-IN" dirty="0" smtClean="0"/>
-              </a:p>
-            </p:txBody>
-          </p:sp>
-        </mc:Choice>
-        <mc:Fallback xmlns="">
-          <p:sp>
-            <p:nvSpPr>
-              <p:cNvPr id="3" name="Content Placeholder 2"/>
-              <p:cNvSpPr>
-                <a:spLocks noGrp="1" noRot="1" noChangeAspect="1" noMove="1" noResize="1" noEditPoints="1" noAdjustHandles="1" noChangeArrowheads="1" noChangeShapeType="1" noTextEdit="1"/>
-              </p:cNvSpPr>
-              <p:nvPr>
-                <p:ph idx="1"/>
-              </p:nvPr>
-            </p:nvSpPr>
-            <p:spPr>
-              <a:xfrm>
-                <a:off x="253354" y="1111624"/>
-                <a:ext cx="11600328" cy="5746376"/>
-              </a:xfrm>
-              <a:blipFill>
-                <a:blip r:embed="rId2"/>
-                <a:stretch>
-                  <a:fillRect l="-578" t="-2545" r="-788"/>
-                </a:stretch>
-              </a:blipFill>
-            </p:spPr>
-            <p:txBody>
-              <a:bodyPr/>
-              <a:lstStyle/>
-              <a:p>
-                <a:r>
-                  <a:rPr lang="en-IN">
-                    <a:noFill/>
-                  </a:rPr>
-                  <a:t> </a:t>
-                </a:r>
-              </a:p>
-            </p:txBody>
-          </p:sp>
-        </mc:Fallback>
-      </mc:AlternateContent>
-      <p:sp>
-        <p:nvSpPr>
-          <p:cNvPr id="4" name="Slide Number Placeholder 3"/>
-          <p:cNvSpPr>
-            <a:spLocks noGrp="1"/>
-          </p:cNvSpPr>
-          <p:nvPr>
-            <p:ph type="sldNum" sz="quarter" idx="12"/>
-          </p:nvPr>
-        </p:nvSpPr>
-        <p:spPr/>
-        <p:txBody>
-          <a:bodyPr/>
-          <a:lstStyle/>
-          <a:p>
-            <a:fld id="{157B8E69-23A9-4619-9CFE-E27BFD8A78F9}" type="slidenum">
-              <a:rPr lang="en-US" smtClean="0"/>
-              <a:t>10</a:t>
-            </a:fld>
-            <a:endParaRPr lang="en-US" dirty="0"/>
-          </a:p>
-        </p:txBody>
-      </p:sp>
-      <p:grpSp>
-        <p:nvGrpSpPr>
-          <p:cNvPr id="18" name="Group 17"/>
-          <p:cNvGrpSpPr/>
-          <p:nvPr/>
-        </p:nvGrpSpPr>
-        <p:grpSpPr>
-          <a:xfrm>
-            <a:off x="4499977" y="5111108"/>
-            <a:ext cx="2819399" cy="863935"/>
-            <a:chOff x="4719320" y="5166360"/>
-            <a:chExt cx="2819399" cy="792650"/>
-          </a:xfrm>
-        </p:grpSpPr>
-        <p:sp>
-          <p:nvSpPr>
-            <p:cNvPr id="12" name="Rectangle 11"/>
-            <p:cNvSpPr/>
-            <p:nvPr/>
-          </p:nvSpPr>
-          <p:spPr>
-            <a:xfrm>
-              <a:off x="4719320" y="5166360"/>
-              <a:ext cx="2819399" cy="774869"/>
-            </a:xfrm>
-            <a:prstGeom prst="rect">
-              <a:avLst/>
-            </a:prstGeom>
-            <a:solidFill>
-              <a:schemeClr val="bg1"/>
-            </a:solidFill>
-            <a:ln>
-              <a:noFill/>
-            </a:ln>
-          </p:spPr>
-          <p:style>
-            <a:lnRef idx="2">
-              <a:schemeClr val="accent1">
-                <a:shade val="50000"/>
-              </a:schemeClr>
-            </a:lnRef>
-            <a:fillRef idx="1">
-              <a:schemeClr val="accent1"/>
-            </a:fillRef>
-            <a:effectRef idx="0">
-              <a:schemeClr val="accent1"/>
-            </a:effectRef>
-            <a:fontRef idx="minor">
-              <a:schemeClr val="lt1"/>
-            </a:fontRef>
-          </p:style>
-          <p:txBody>
-            <a:bodyPr rtlCol="0" anchor="ctr"/>
-            <a:lstStyle/>
-            <a:p>
-              <a:pPr algn="ctr"/>
-              <a:endParaRPr lang="en-IN"/>
-            </a:p>
-          </p:txBody>
-        </p:sp>
-        <p:sp>
-          <p:nvSpPr>
-            <p:cNvPr id="14" name="Rectangle 13"/>
-            <p:cNvSpPr/>
-            <p:nvPr/>
-          </p:nvSpPr>
-          <p:spPr>
-            <a:xfrm>
-              <a:off x="5960897" y="5293202"/>
-              <a:ext cx="976046" cy="452063"/>
-            </a:xfrm>
-            <a:prstGeom prst="rect">
-              <a:avLst/>
-            </a:prstGeom>
-            <a:solidFill>
-              <a:schemeClr val="accent2">
-                <a:lumMod val="20000"/>
-                <a:lumOff val="80000"/>
-              </a:schemeClr>
-            </a:solidFill>
-            <a:ln>
-              <a:noFill/>
-            </a:ln>
-          </p:spPr>
-          <p:style>
-            <a:lnRef idx="2">
-              <a:schemeClr val="accent1">
-                <a:shade val="50000"/>
-              </a:schemeClr>
-            </a:lnRef>
-            <a:fillRef idx="1">
-              <a:schemeClr val="accent1"/>
-            </a:fillRef>
-            <a:effectRef idx="0">
-              <a:schemeClr val="accent1"/>
-            </a:effectRef>
-            <a:fontRef idx="minor">
-              <a:schemeClr val="lt1"/>
-            </a:fontRef>
-          </p:style>
-          <p:txBody>
-            <a:bodyPr rtlCol="0" anchor="ctr"/>
-            <a:lstStyle/>
-            <a:p>
-              <a:pPr algn="ctr"/>
-              <a:endParaRPr lang="en-IN"/>
-            </a:p>
-          </p:txBody>
-        </p:sp>
-        <mc:AlternateContent xmlns:mc="http://schemas.openxmlformats.org/markup-compatibility/2006" xmlns:a14="http://schemas.microsoft.com/office/drawing/2010/main">
-          <mc:Choice Requires="a14">
-            <p:sp>
-              <p:nvSpPr>
-                <p:cNvPr id="15" name="Rectangle 14"/>
-                <p:cNvSpPr/>
-                <p:nvPr/>
-              </p:nvSpPr>
-              <p:spPr>
-                <a:xfrm>
-                  <a:off x="4828234" y="5229546"/>
-                  <a:ext cx="2601569" cy="729464"/>
-                </a:xfrm>
-                <a:prstGeom prst="rect">
-                  <a:avLst/>
-                </a:prstGeom>
-                <a:noFill/>
-                <a:ln>
-                  <a:noFill/>
-                </a:ln>
-              </p:spPr>
-              <p:style>
-                <a:lnRef idx="2">
-                  <a:schemeClr val="accent1">
-                    <a:shade val="50000"/>
-                  </a:schemeClr>
-                </a:lnRef>
-                <a:fillRef idx="1">
-                  <a:schemeClr val="accent1"/>
-                </a:fillRef>
-                <a:effectRef idx="0">
-                  <a:schemeClr val="accent1"/>
-                </a:effectRef>
-                <a:fontRef idx="minor">
-                  <a:schemeClr val="lt1"/>
-                </a:fontRef>
-              </p:style>
-              <p:txBody>
-                <a:bodyPr rtlCol="0" anchor="ctr"/>
-                <a:lstStyle/>
-                <a:p>
-                  <a:pPr algn="ctr"/>
-                  <a14:m>
-                    <m:oMathPara xmlns:m="http://schemas.openxmlformats.org/officeDocument/2006/math">
-                      <m:oMathParaPr>
-                        <m:jc m:val="centerGroup"/>
-                      </m:oMathParaPr>
-                      <m:oMath xmlns:m="http://schemas.openxmlformats.org/officeDocument/2006/math">
-                        <m:func>
-                          <m:funcPr>
-                            <m:ctrlPr>
-                              <a:rPr lang="en-IN" sz="3200" b="0" i="1" smtClean="0">
-                                <a:solidFill>
-                                  <a:schemeClr val="tx1"/>
-                                </a:solidFill>
-                                <a:latin typeface="Cambria Math" panose="02040503050406030204" pitchFamily="18" charset="0"/>
-                              </a:rPr>
-                            </m:ctrlPr>
-                          </m:funcPr>
-                          <m:fName>
-                            <m:limLow>
-                              <m:limLowPr>
-                                <m:ctrlPr>
-                                  <a:rPr lang="en-IN" sz="3200" b="0" i="1" smtClean="0">
-                                    <a:solidFill>
-                                      <a:schemeClr val="tx1"/>
-                                    </a:solidFill>
-                                    <a:latin typeface="Cambria Math" panose="02040503050406030204" pitchFamily="18" charset="0"/>
-                                  </a:rPr>
-                                </m:ctrlPr>
-                              </m:limLowPr>
-                              <m:e>
-                                <m:r>
-                                  <m:rPr>
-                                    <m:sty m:val="p"/>
-                                  </m:rPr>
-                                  <a:rPr lang="en-IN" sz="3200" b="0" i="0" smtClean="0">
-                                    <a:solidFill>
-                                      <a:schemeClr val="tx1"/>
-                                    </a:solidFill>
-                                    <a:latin typeface="Cambria Math" panose="02040503050406030204" pitchFamily="18" charset="0"/>
-                                  </a:rPr>
-                                  <m:t>min</m:t>
-                                </m:r>
-                              </m:e>
-                              <m:lim>
-                                <m:acc>
-                                  <m:accPr>
-                                    <m:chr m:val="̃"/>
-                                    <m:ctrlPr>
-                                      <a:rPr lang="en-IN" sz="3200" b="0" i="1" smtClean="0">
-                                        <a:solidFill>
-                                          <a:schemeClr val="tx1"/>
-                                        </a:solidFill>
-                                        <a:latin typeface="Cambria Math" panose="02040503050406030204" pitchFamily="18" charset="0"/>
-                                      </a:rPr>
-                                    </m:ctrlPr>
-                                  </m:accPr>
-                                  <m:e>
-                                    <m:r>
-                                      <a:rPr lang="en-IN" sz="3200" b="1" i="0" smtClean="0">
-                                        <a:solidFill>
-                                          <a:schemeClr val="tx1"/>
-                                        </a:solidFill>
-                                        <a:latin typeface="Cambria Math" panose="02040503050406030204" pitchFamily="18" charset="0"/>
-                                      </a:rPr>
-                                      <m:t>𝐰</m:t>
-                                    </m:r>
-                                  </m:e>
-                                </m:acc>
-                                <m:r>
-                                  <a:rPr lang="en-IN" sz="3200" b="0" i="1" smtClean="0">
-                                    <a:solidFill>
-                                      <a:schemeClr val="tx1"/>
-                                    </a:solidFill>
-                                    <a:latin typeface="Cambria Math" panose="02040503050406030204" pitchFamily="18" charset="0"/>
-                                  </a:rPr>
-                                  <m:t>,</m:t>
-                                </m:r>
-                                <m:acc>
-                                  <m:accPr>
-                                    <m:chr m:val="̃"/>
-                                    <m:ctrlPr>
-                                      <a:rPr lang="en-IN" sz="3200" i="1" dirty="0">
-                                        <a:solidFill>
-                                          <a:prstClr val="black">
-                                            <a:lumMod val="85000"/>
-                                            <a:lumOff val="15000"/>
-                                          </a:prstClr>
-                                        </a:solidFill>
-                                        <a:latin typeface="Cambria Math" panose="02040503050406030204" pitchFamily="18" charset="0"/>
-                                      </a:rPr>
-                                    </m:ctrlPr>
-                                  </m:accPr>
-                                  <m:e>
-                                    <m:r>
-                                      <a:rPr lang="en-IN" sz="3200" i="1" dirty="0">
-                                        <a:solidFill>
-                                          <a:prstClr val="black">
-                                            <a:lumMod val="85000"/>
-                                            <a:lumOff val="15000"/>
-                                          </a:prstClr>
-                                        </a:solidFill>
-                                        <a:latin typeface="Cambria Math" panose="02040503050406030204" pitchFamily="18" charset="0"/>
-                                      </a:rPr>
-                                      <m:t>𝑏</m:t>
-                                    </m:r>
-                                  </m:e>
-                                </m:acc>
-                              </m:lim>
-                            </m:limLow>
-                          </m:fName>
-                          <m:e>
-                            <m:d>
-                              <m:dPr>
-                                <m:begChr m:val="{"/>
-                                <m:endChr m:val="}"/>
-                                <m:ctrlPr>
-                                  <a:rPr lang="en-IN" sz="3200" b="0" i="1" smtClean="0">
-                                    <a:solidFill>
-                                      <a:schemeClr val="tx1"/>
-                                    </a:solidFill>
-                                    <a:latin typeface="Cambria Math" panose="02040503050406030204" pitchFamily="18" charset="0"/>
-                                  </a:rPr>
-                                </m:ctrlPr>
-                              </m:dPr>
-                              <m:e>
-                                <m:sSub>
-                                  <m:sSubPr>
-                                    <m:ctrlPr>
-                                      <a:rPr lang="en-IN" sz="3200" i="1">
-                                        <a:solidFill>
-                                          <a:prstClr val="black">
-                                            <a:lumMod val="85000"/>
-                                            <a:lumOff val="15000"/>
-                                          </a:prstClr>
-                                        </a:solidFill>
-                                        <a:latin typeface="Cambria Math" panose="02040503050406030204" pitchFamily="18" charset="0"/>
-                                      </a:rPr>
-                                    </m:ctrlPr>
-                                  </m:sSubPr>
-                                  <m:e>
-                                    <m:d>
-                                      <m:dPr>
-                                        <m:begChr m:val="‖"/>
-                                        <m:endChr m:val="‖"/>
-                                        <m:ctrlPr>
-                                          <a:rPr lang="en-IN" sz="3200" i="1">
-                                            <a:solidFill>
-                                              <a:prstClr val="black">
-                                                <a:lumMod val="85000"/>
-                                                <a:lumOff val="15000"/>
-                                              </a:prstClr>
-                                            </a:solidFill>
-                                            <a:latin typeface="Cambria Math" panose="02040503050406030204" pitchFamily="18" charset="0"/>
-                                          </a:rPr>
-                                        </m:ctrlPr>
-                                      </m:dPr>
-                                      <m:e>
-                                        <m:acc>
-                                          <m:accPr>
-                                            <m:chr m:val="̃"/>
-                                            <m:ctrlPr>
-                                              <a:rPr lang="en-IN" sz="3200" b="1" i="1" dirty="0">
-                                                <a:solidFill>
-                                                  <a:prstClr val="black">
-                                                    <a:lumMod val="85000"/>
-                                                    <a:lumOff val="15000"/>
-                                                  </a:prstClr>
-                                                </a:solidFill>
-                                                <a:latin typeface="Cambria Math" panose="02040503050406030204" pitchFamily="18" charset="0"/>
-                                              </a:rPr>
-                                            </m:ctrlPr>
-                                          </m:accPr>
-                                          <m:e>
-                                            <m:r>
-                                              <a:rPr lang="en-IN" sz="3200" b="1" dirty="0">
-                                                <a:solidFill>
-                                                  <a:prstClr val="black">
-                                                    <a:lumMod val="85000"/>
-                                                    <a:lumOff val="15000"/>
-                                                  </a:prstClr>
-                                                </a:solidFill>
-                                                <a:latin typeface="Cambria Math" panose="02040503050406030204" pitchFamily="18" charset="0"/>
-                                              </a:rPr>
-                                              <m:t>𝐰</m:t>
-                                            </m:r>
-                                          </m:e>
-                                        </m:acc>
-                                      </m:e>
-                                    </m:d>
-                                  </m:e>
-                                  <m:sub>
-                                    <m:r>
-                                      <a:rPr lang="en-IN" sz="3200">
-                                        <a:solidFill>
-                                          <a:prstClr val="black">
-                                            <a:lumMod val="85000"/>
-                                            <a:lumOff val="15000"/>
-                                          </a:prstClr>
-                                        </a:solidFill>
-                                        <a:latin typeface="Cambria Math" panose="02040503050406030204" pitchFamily="18" charset="0"/>
-                                      </a:rPr>
-                                      <m:t>2</m:t>
-                                    </m:r>
-                                  </m:sub>
-                                </m:sSub>
-                              </m:e>
-                            </m:d>
-                          </m:e>
-                        </m:func>
-                      </m:oMath>
-                    </m:oMathPara>
-                  </a14:m>
-                  <a:endParaRPr lang="en-IN" sz="3200" dirty="0">
-                    <a:solidFill>
-                      <a:schemeClr val="tx1"/>
-                    </a:solidFill>
-                  </a:endParaRPr>
-                </a:p>
-              </p:txBody>
-            </p:sp>
-          </mc:Choice>
-          <mc:Fallback xmlns="">
-            <p:sp>
-              <p:nvSpPr>
-                <p:cNvPr id="15" name="Rectangle 14"/>
-                <p:cNvSpPr>
-                  <a:spLocks noRot="1" noChangeAspect="1" noMove="1" noResize="1" noEditPoints="1" noAdjustHandles="1" noChangeArrowheads="1" noChangeShapeType="1" noTextEdit="1"/>
-                </p:cNvSpPr>
-                <p:nvPr/>
-              </p:nvSpPr>
-              <p:spPr>
-                <a:xfrm>
-                  <a:off x="4828234" y="5229546"/>
-                  <a:ext cx="2601569" cy="729464"/>
-                </a:xfrm>
-                <a:prstGeom prst="rect">
-                  <a:avLst/>
-                </a:prstGeom>
-                <a:blipFill>
-                  <a:blip r:embed="rId3"/>
-                  <a:stretch>
-                    <a:fillRect/>
-                  </a:stretch>
-                </a:blipFill>
-                <a:ln>
-                  <a:noFill/>
-                </a:ln>
-              </p:spPr>
-              <p:txBody>
-                <a:bodyPr/>
-                <a:lstStyle/>
-                <a:p>
-                  <a:r>
-                    <a:rPr lang="en-IN">
-                      <a:noFill/>
-                    </a:rPr>
-                    <a:t> </a:t>
-                  </a:r>
-                </a:p>
-              </p:txBody>
-            </p:sp>
-          </mc:Fallback>
-        </mc:AlternateContent>
-      </p:grpSp>
-      <mc:AlternateContent xmlns:mc="http://schemas.openxmlformats.org/markup-compatibility/2006" xmlns:a14="http://schemas.microsoft.com/office/drawing/2010/main">
-        <mc:Choice Requires="a14">
-          <p:sp>
-            <p:nvSpPr>
-              <p:cNvPr id="20" name="TextBox 19"/>
-              <p:cNvSpPr txBox="1"/>
-              <p:nvPr/>
-            </p:nvSpPr>
-            <p:spPr>
-              <a:xfrm>
-                <a:off x="6025229" y="5176637"/>
-                <a:ext cx="595901" cy="660052"/>
-              </a:xfrm>
-              <a:prstGeom prst="rect">
-                <a:avLst/>
-              </a:prstGeom>
-              <a:noFill/>
-            </p:spPr>
-            <p:txBody>
-              <a:bodyPr wrap="square" rtlCol="0">
-                <a:spAutoFit/>
-              </a:bodyPr>
-              <a:lstStyle/>
-              <a:p>
-                <a:pPr/>
-                <a14:m>
-                  <m:oMathPara xmlns:m="http://schemas.openxmlformats.org/officeDocument/2006/math">
-                    <m:oMathParaPr>
-                      <m:jc m:val="centerGroup"/>
-                    </m:oMathParaPr>
-                    <m:oMath xmlns:m="http://schemas.openxmlformats.org/officeDocument/2006/math">
-                      <m:sSup>
-                        <m:sSupPr>
-                          <m:ctrlPr>
-                            <a:rPr lang="en-IN" sz="3200" b="0" i="1" smtClean="0">
-                              <a:latin typeface="Cambria Math" panose="02040503050406030204" pitchFamily="18" charset="0"/>
-                            </a:rPr>
-                          </m:ctrlPr>
-                        </m:sSupPr>
-                        <m:e/>
-                        <m:sup>
-                          <m:r>
-                            <a:rPr lang="en-IN" sz="3200" b="0" i="1" smtClean="0">
-                              <a:latin typeface="Cambria Math" panose="02040503050406030204" pitchFamily="18" charset="0"/>
-                            </a:rPr>
-                            <m:t>2</m:t>
-                          </m:r>
-                        </m:sup>
-                      </m:sSup>
-                    </m:oMath>
-                  </m:oMathPara>
-                </a14:m>
-                <a:endParaRPr lang="en-IN" sz="3200" dirty="0"/>
-              </a:p>
-            </p:txBody>
-          </p:sp>
-        </mc:Choice>
-        <mc:Fallback xmlns="">
-          <p:sp>
-            <p:nvSpPr>
-              <p:cNvPr id="20" name="TextBox 19"/>
-              <p:cNvSpPr txBox="1">
-                <a:spLocks noRot="1" noChangeAspect="1" noMove="1" noResize="1" noEditPoints="1" noAdjustHandles="1" noChangeArrowheads="1" noChangeShapeType="1" noTextEdit="1"/>
-              </p:cNvSpPr>
-              <p:nvPr/>
-            </p:nvSpPr>
-            <p:spPr>
-              <a:xfrm>
-                <a:off x="6025229" y="5176637"/>
-                <a:ext cx="595901" cy="660052"/>
-              </a:xfrm>
-              <a:prstGeom prst="rect">
-                <a:avLst/>
-              </a:prstGeom>
-              <a:blipFill>
-                <a:blip r:embed="rId4"/>
-                <a:stretch>
-                  <a:fillRect r="-4082"/>
-                </a:stretch>
-              </a:blipFill>
-            </p:spPr>
-            <p:txBody>
-              <a:bodyPr/>
-              <a:lstStyle/>
-              <a:p>
-                <a:r>
-                  <a:rPr lang="en-IN">
-                    <a:noFill/>
-                  </a:rPr>
-                  <a:t> </a:t>
-                </a:r>
-              </a:p>
-            </p:txBody>
-          </p:sp>
-        </mc:Fallback>
-      </mc:AlternateContent>
-      <p:sp>
-        <p:nvSpPr>
-          <p:cNvPr id="25" name="Oval 24"/>
-          <p:cNvSpPr/>
-          <p:nvPr/>
-        </p:nvSpPr>
-        <p:spPr>
-          <a:xfrm>
-            <a:off x="253353" y="1181651"/>
-            <a:ext cx="3959051" cy="1354174"/>
-          </a:xfrm>
-          <a:prstGeom prst="ellipse">
-            <a:avLst/>
-          </a:prstGeom>
-          <a:noFill/>
-          <a:ln w="38100">
-            <a:solidFill>
-              <a:schemeClr val="accent1"/>
-            </a:solidFill>
-            <a:prstDash val="lgDash"/>
-          </a:ln>
-        </p:spPr>
-        <p:style>
-          <a:lnRef idx="2">
-            <a:schemeClr val="accent1">
-              <a:shade val="50000"/>
-            </a:schemeClr>
-          </a:lnRef>
-          <a:fillRef idx="1">
-            <a:schemeClr val="accent1"/>
-          </a:fillRef>
-          <a:effectRef idx="0">
-            <a:schemeClr val="accent1"/>
-          </a:effectRef>
-          <a:fontRef idx="minor">
-            <a:schemeClr val="lt1"/>
-          </a:fontRef>
-        </p:style>
-        <p:txBody>
-          <a:bodyPr rtlCol="0" anchor="ctr"/>
-          <a:lstStyle/>
-          <a:p>
-            <a:pPr algn="ctr"/>
-            <a:endParaRPr lang="en-IN"/>
-          </a:p>
-        </p:txBody>
-      </p:sp>
-      <mc:AlternateContent xmlns:mc="http://schemas.openxmlformats.org/markup-compatibility/2006" xmlns:a14="http://schemas.microsoft.com/office/drawing/2010/main">
-        <mc:Choice Requires="a14">
-          <p:sp>
-            <p:nvSpPr>
-              <p:cNvPr id="26" name="Rectangular Callout 25"/>
-              <p:cNvSpPr/>
-              <p:nvPr/>
-            </p:nvSpPr>
-            <p:spPr>
-              <a:xfrm>
-                <a:off x="5909677" y="112364"/>
-                <a:ext cx="5640174" cy="941521"/>
-              </a:xfrm>
-              <a:prstGeom prst="wedgeRectCallout">
-                <a:avLst>
-                  <a:gd name="adj1" fmla="val -82828"/>
-                  <a:gd name="adj2" fmla="val 80979"/>
-                </a:avLst>
-              </a:prstGeom>
-              <a:solidFill>
-                <a:schemeClr val="bg1"/>
-              </a:solidFill>
-              <a:ln w="38100">
-                <a:solidFill>
-                  <a:schemeClr val="accent1"/>
-                </a:solidFill>
-              </a:ln>
-            </p:spPr>
-            <p:style>
-              <a:lnRef idx="2">
-                <a:schemeClr val="accent1">
-                  <a:shade val="50000"/>
-                </a:schemeClr>
-              </a:lnRef>
-              <a:fillRef idx="1">
-                <a:schemeClr val="accent1"/>
-              </a:fillRef>
-              <a:effectRef idx="0">
-                <a:schemeClr val="accent1"/>
-              </a:effectRef>
-              <a:fontRef idx="minor">
-                <a:schemeClr val="lt1"/>
-              </a:fontRef>
-            </p:style>
-            <p:txBody>
-              <a:bodyPr rtlCol="0" anchor="ctr"/>
-              <a:lstStyle/>
-              <a:p>
-                <a:pPr algn="ctr"/>
-                <a:r>
-                  <a:rPr lang="en-IN" sz="2400" dirty="0" smtClean="0">
-                    <a:solidFill>
-                      <a:schemeClr val="tx1"/>
-                    </a:solidFill>
-                    <a:latin typeface="+mj-lt"/>
-                  </a:rPr>
-                  <a:t>Called the </a:t>
-                </a:r>
-                <a:r>
-                  <a:rPr lang="en-IN" sz="2400" i="1" dirty="0" smtClean="0">
-                    <a:solidFill>
-                      <a:schemeClr val="tx1"/>
-                    </a:solidFill>
-                    <a:latin typeface="+mj-lt"/>
-                  </a:rPr>
-                  <a:t>functional margin</a:t>
-                </a:r>
-                <a:r>
-                  <a:rPr lang="en-IN" sz="2400" dirty="0" smtClean="0">
-                    <a:solidFill>
-                      <a:schemeClr val="tx1"/>
-                    </a:solidFill>
-                    <a:latin typeface="+mj-lt"/>
-                  </a:rPr>
-                  <a:t>. Note that geometric margin = functional margin/</a:t>
-                </a:r>
-                <a14:m>
-                  <m:oMath xmlns:m="http://schemas.openxmlformats.org/officeDocument/2006/math">
-                    <m:sSub>
-                      <m:sSubPr>
-                        <m:ctrlPr>
-                          <a:rPr lang="en-IN" sz="2400" b="0" i="1" smtClean="0">
-                            <a:solidFill>
-                              <a:schemeClr val="tx1"/>
-                            </a:solidFill>
-                            <a:latin typeface="Cambria Math" panose="02040503050406030204" pitchFamily="18" charset="0"/>
-                          </a:rPr>
-                        </m:ctrlPr>
-                      </m:sSubPr>
-                      <m:e>
-                        <m:d>
-                          <m:dPr>
-                            <m:begChr m:val="‖"/>
-                            <m:endChr m:val="‖"/>
-                            <m:ctrlPr>
-                              <a:rPr lang="en-IN" sz="2400" i="1" smtClean="0">
-                                <a:solidFill>
-                                  <a:schemeClr val="tx1"/>
-                                </a:solidFill>
-                                <a:latin typeface="Cambria Math" panose="02040503050406030204" pitchFamily="18" charset="0"/>
-                              </a:rPr>
-                            </m:ctrlPr>
-                          </m:dPr>
-                          <m:e>
-                            <m:r>
-                              <a:rPr lang="en-IN" sz="2400" b="1" i="0" smtClean="0">
-                                <a:solidFill>
-                                  <a:schemeClr val="tx1"/>
-                                </a:solidFill>
-                                <a:latin typeface="Cambria Math" panose="02040503050406030204" pitchFamily="18" charset="0"/>
-                              </a:rPr>
-                              <m:t>𝐰</m:t>
-                            </m:r>
-                          </m:e>
-                        </m:d>
-                      </m:e>
-                      <m:sub>
-                        <m:r>
-                          <a:rPr lang="en-IN" sz="2400" b="0" i="1" smtClean="0">
-                            <a:solidFill>
-                              <a:schemeClr val="tx1"/>
-                            </a:solidFill>
-                            <a:latin typeface="Cambria Math" panose="02040503050406030204" pitchFamily="18" charset="0"/>
-                          </a:rPr>
-                          <m:t>2</m:t>
-                        </m:r>
-                      </m:sub>
-                    </m:sSub>
-                  </m:oMath>
-                </a14:m>
-                <a:endParaRPr lang="en-IN" sz="2400" dirty="0">
-                  <a:solidFill>
-                    <a:schemeClr val="tx1"/>
-                  </a:solidFill>
-                  <a:latin typeface="+mj-lt"/>
-                </a:endParaRPr>
-              </a:p>
-            </p:txBody>
-          </p:sp>
-        </mc:Choice>
-        <mc:Fallback xmlns="">
-          <p:sp>
-            <p:nvSpPr>
-              <p:cNvPr id="26" name="Rectangular Callout 25"/>
-              <p:cNvSpPr>
-                <a:spLocks noRot="1" noChangeAspect="1" noMove="1" noResize="1" noEditPoints="1" noAdjustHandles="1" noChangeArrowheads="1" noChangeShapeType="1" noTextEdit="1"/>
-              </p:cNvSpPr>
-              <p:nvPr/>
-            </p:nvSpPr>
-            <p:spPr>
-              <a:xfrm>
-                <a:off x="5909677" y="112364"/>
-                <a:ext cx="5640174" cy="941521"/>
-              </a:xfrm>
-              <a:prstGeom prst="wedgeRectCallout">
-                <a:avLst>
-                  <a:gd name="adj1" fmla="val -82828"/>
-                  <a:gd name="adj2" fmla="val 80979"/>
-                </a:avLst>
-              </a:prstGeom>
-              <a:blipFill>
-                <a:blip r:embed="rId5"/>
-                <a:stretch>
-                  <a:fillRect/>
-                </a:stretch>
-              </a:blipFill>
-              <a:ln w="38100">
-                <a:solidFill>
-                  <a:schemeClr val="accent1"/>
-                </a:solidFill>
-              </a:ln>
-            </p:spPr>
-            <p:txBody>
-              <a:bodyPr/>
-              <a:lstStyle/>
-              <a:p>
-                <a:r>
-                  <a:rPr lang="en-IN">
-                    <a:noFill/>
-                  </a:rPr>
-                  <a:t> </a:t>
-                </a:r>
-              </a:p>
-            </p:txBody>
-          </p:sp>
-        </mc:Fallback>
-      </mc:AlternateContent>
-    </p:spTree>
-    <p:extLst>
-      <p:ext uri="{BB962C8B-B14F-4D97-AF65-F5344CB8AC3E}">
-        <p14:creationId xmlns:p14="http://schemas.microsoft.com/office/powerpoint/2010/main" val="742340223"/>
-      </p:ext>
-    </p:extLst>
-  </p:cSld>
-  <p:clrMapOvr>
-    <a:masterClrMapping/>
-  </p:clrMapOvr>
-  <p:timing>
-    <p:tnLst>
-      <p:par>
-        <p:cTn id="1" dur="indefinite" restart="never" nodeType="tmRoot">
-          <p:childTnLst>
-            <p:seq concurrent="1" nextAc="seek">
-              <p:cTn id="2" dur="indefinite" nodeType="mainSeq">
-                <p:childTnLst>
-                  <p:par>
-                    <p:cTn id="3" fill="hold">
-                      <p:stCondLst>
-                        <p:cond delay="indefinite"/>
-                      </p:stCondLst>
-                      <p:childTnLst>
-                        <p:par>
-                          <p:cTn id="4" fill="hold">
-                            <p:stCondLst>
-                              <p:cond delay="0"/>
-                            </p:stCondLst>
-                            <p:childTnLst>
-                              <p:par>
-                                <p:cTn id="5" presetID="1" presetClass="entr" presetSubtype="0" fill="hold" grpId="0" nodeType="clickEffect">
-                                  <p:stCondLst>
-                                    <p:cond delay="0"/>
-                                  </p:stCondLst>
-                                  <p:childTnLst>
-                                    <p:set>
-                                      <p:cBhvr>
-                                        <p:cTn id="6" dur="1" fill="hold">
-                                          <p:stCondLst>
-                                            <p:cond delay="0"/>
-                                          </p:stCondLst>
-                                        </p:cTn>
-                                        <p:tgtEl>
-                                          <p:spTgt spid="3">
-                                            <p:txEl>
-                                              <p:pRg st="0" end="0"/>
-                                            </p:txEl>
-                                          </p:spTgt>
-                                        </p:tgtEl>
-                                        <p:attrNameLst>
-                                          <p:attrName>style.visibility</p:attrName>
-                                        </p:attrNameLst>
-                                      </p:cBhvr>
-                                      <p:to>
-                                        <p:strVal val="visible"/>
-                                      </p:to>
-                                    </p:set>
-                                  </p:childTnLst>
-                                </p:cTn>
-                              </p:par>
-                            </p:childTnLst>
-                          </p:cTn>
-                        </p:par>
-                      </p:childTnLst>
-                    </p:cTn>
-                  </p:par>
-                  <p:par>
-                    <p:cTn id="7" fill="hold">
-                      <p:stCondLst>
-                        <p:cond delay="indefinite"/>
-                      </p:stCondLst>
-                      <p:childTnLst>
-                        <p:par>
-                          <p:cTn id="8" fill="hold">
-                            <p:stCondLst>
-                              <p:cond delay="0"/>
-                            </p:stCondLst>
-                            <p:childTnLst>
-                              <p:par>
-                                <p:cTn id="9" presetID="22" presetClass="entr" presetSubtype="8" fill="hold" grpId="0" nodeType="clickEffect">
-                                  <p:stCondLst>
-                                    <p:cond delay="0"/>
-                                  </p:stCondLst>
-                                  <p:childTnLst>
-                                    <p:set>
-                                      <p:cBhvr>
-                                        <p:cTn id="10" dur="1" fill="hold">
-                                          <p:stCondLst>
-                                            <p:cond delay="0"/>
-                                          </p:stCondLst>
-                                        </p:cTn>
-                                        <p:tgtEl>
-                                          <p:spTgt spid="25"/>
-                                        </p:tgtEl>
-                                        <p:attrNameLst>
-                                          <p:attrName>style.visibility</p:attrName>
-                                        </p:attrNameLst>
-                                      </p:cBhvr>
-                                      <p:to>
-                                        <p:strVal val="visible"/>
-                                      </p:to>
-                                    </p:set>
-                                    <p:animEffect transition="in" filter="wipe(left)">
-                                      <p:cBhvr>
-                                        <p:cTn id="11" dur="500"/>
-                                        <p:tgtEl>
-                                          <p:spTgt spid="25"/>
-                                        </p:tgtEl>
-                                      </p:cBhvr>
-                                    </p:animEffect>
-                                  </p:childTnLst>
-                                </p:cTn>
-                              </p:par>
-                            </p:childTnLst>
-                          </p:cTn>
-                        </p:par>
-                        <p:par>
-                          <p:cTn id="12" fill="hold">
-                            <p:stCondLst>
-                              <p:cond delay="500"/>
-                            </p:stCondLst>
-                            <p:childTnLst>
-                              <p:par>
-                                <p:cTn id="13" presetID="22" presetClass="entr" presetSubtype="2" fill="hold" grpId="0" nodeType="afterEffect">
-                                  <p:stCondLst>
-                                    <p:cond delay="0"/>
-                                  </p:stCondLst>
-                                  <p:childTnLst>
-                                    <p:set>
-                                      <p:cBhvr>
-                                        <p:cTn id="14" dur="1" fill="hold">
-                                          <p:stCondLst>
-                                            <p:cond delay="0"/>
-                                          </p:stCondLst>
-                                        </p:cTn>
-                                        <p:tgtEl>
-                                          <p:spTgt spid="26"/>
-                                        </p:tgtEl>
-                                        <p:attrNameLst>
-                                          <p:attrName>style.visibility</p:attrName>
-                                        </p:attrNameLst>
-                                      </p:cBhvr>
-                                      <p:to>
-                                        <p:strVal val="visible"/>
-                                      </p:to>
-                                    </p:set>
-                                    <p:animEffect transition="in" filter="wipe(right)">
-                                      <p:cBhvr>
-                                        <p:cTn id="15" dur="500"/>
-                                        <p:tgtEl>
-                                          <p:spTgt spid="26"/>
-                                        </p:tgtEl>
-                                      </p:cBhvr>
-                                    </p:animEffect>
-                                  </p:childTnLst>
-                                </p:cTn>
-                              </p:par>
-                            </p:childTnLst>
-                          </p:cTn>
-                        </p:par>
-                      </p:childTnLst>
-                    </p:cTn>
-                  </p:par>
-                  <p:par>
-                    <p:cTn id="16" fill="hold">
-                      <p:stCondLst>
-                        <p:cond delay="indefinite"/>
-                      </p:stCondLst>
-                      <p:childTnLst>
-                        <p:par>
-                          <p:cTn id="17" fill="hold">
-                            <p:stCondLst>
-                              <p:cond delay="0"/>
-                            </p:stCondLst>
-                            <p:childTnLst>
-                              <p:par>
-                                <p:cTn id="18" presetID="1" presetClass="exit" presetSubtype="0" fill="hold" grpId="1" nodeType="clickEffect">
-                                  <p:stCondLst>
-                                    <p:cond delay="0"/>
-                                  </p:stCondLst>
-                                  <p:childTnLst>
-                                    <p:set>
-                                      <p:cBhvr>
-                                        <p:cTn id="19" dur="1" fill="hold">
-                                          <p:stCondLst>
-                                            <p:cond delay="0"/>
-                                          </p:stCondLst>
-                                        </p:cTn>
-                                        <p:tgtEl>
-                                          <p:spTgt spid="25"/>
-                                        </p:tgtEl>
-                                        <p:attrNameLst>
-                                          <p:attrName>style.visibility</p:attrName>
-                                        </p:attrNameLst>
-                                      </p:cBhvr>
-                                      <p:to>
-                                        <p:strVal val="hidden"/>
-                                      </p:to>
-                                    </p:set>
-                                  </p:childTnLst>
-                                </p:cTn>
-                              </p:par>
-                              <p:par>
-                                <p:cTn id="20" presetID="1" presetClass="exit" presetSubtype="0" fill="hold" grpId="1" nodeType="withEffect">
-                                  <p:stCondLst>
-                                    <p:cond delay="0"/>
-                                  </p:stCondLst>
-                                  <p:childTnLst>
-                                    <p:set>
-                                      <p:cBhvr>
-                                        <p:cTn id="21" dur="1" fill="hold">
-                                          <p:stCondLst>
-                                            <p:cond delay="0"/>
-                                          </p:stCondLst>
-                                        </p:cTn>
-                                        <p:tgtEl>
-                                          <p:spTgt spid="26"/>
-                                        </p:tgtEl>
-                                        <p:attrNameLst>
-                                          <p:attrName>style.visibility</p:attrName>
-                                        </p:attrNameLst>
-                                      </p:cBhvr>
-                                      <p:to>
-                                        <p:strVal val="hidden"/>
-                                      </p:to>
-                                    </p:set>
-                                  </p:childTnLst>
-                                </p:cTn>
-                              </p:par>
-                            </p:childTnLst>
-                          </p:cTn>
-                        </p:par>
-                      </p:childTnLst>
-                    </p:cTn>
-                  </p:par>
-                  <p:par>
-                    <p:cTn id="22" fill="hold">
-                      <p:stCondLst>
-                        <p:cond delay="indefinite"/>
-                      </p:stCondLst>
-                      <p:childTnLst>
-                        <p:par>
-                          <p:cTn id="23" fill="hold">
-                            <p:stCondLst>
-                              <p:cond delay="0"/>
-                            </p:stCondLst>
-                            <p:childTnLst>
-                              <p:par>
-                                <p:cTn id="24" presetID="1" presetClass="entr" presetSubtype="0" fill="hold" grpId="0" nodeType="clickEffect">
-                                  <p:stCondLst>
-                                    <p:cond delay="0"/>
-                                  </p:stCondLst>
-                                  <p:childTnLst>
-                                    <p:set>
-                                      <p:cBhvr>
-                                        <p:cTn id="25" dur="1" fill="hold">
-                                          <p:stCondLst>
-                                            <p:cond delay="0"/>
-                                          </p:stCondLst>
-                                        </p:cTn>
-                                        <p:tgtEl>
-                                          <p:spTgt spid="3">
-                                            <p:txEl>
-                                              <p:pRg st="1" end="1"/>
-                                            </p:txEl>
-                                          </p:spTgt>
-                                        </p:tgtEl>
-                                        <p:attrNameLst>
-                                          <p:attrName>style.visibility</p:attrName>
-                                        </p:attrNameLst>
-                                      </p:cBhvr>
-                                      <p:to>
-                                        <p:strVal val="visible"/>
-                                      </p:to>
-                                    </p:set>
-                                  </p:childTnLst>
-                                </p:cTn>
-                              </p:par>
-                            </p:childTnLst>
-                          </p:cTn>
-                        </p:par>
-                      </p:childTnLst>
-                    </p:cTn>
-                  </p:par>
-                  <p:par>
-                    <p:cTn id="26" fill="hold">
-                      <p:stCondLst>
-                        <p:cond delay="indefinite"/>
-                      </p:stCondLst>
-                      <p:childTnLst>
-                        <p:par>
-                          <p:cTn id="27" fill="hold">
-                            <p:stCondLst>
-                              <p:cond delay="0"/>
-                            </p:stCondLst>
-                            <p:childTnLst>
-                              <p:par>
-                                <p:cTn id="28" presetID="1" presetClass="entr" presetSubtype="0" fill="hold" grpId="0" nodeType="clickEffect">
-                                  <p:stCondLst>
-                                    <p:cond delay="0"/>
-                                  </p:stCondLst>
-                                  <p:childTnLst>
-                                    <p:set>
-                                      <p:cBhvr>
-                                        <p:cTn id="29" dur="1" fill="hold">
-                                          <p:stCondLst>
-                                            <p:cond delay="0"/>
-                                          </p:stCondLst>
-                                        </p:cTn>
-                                        <p:tgtEl>
-                                          <p:spTgt spid="3">
-                                            <p:txEl>
-                                              <p:pRg st="2" end="2"/>
-                                            </p:txEl>
-                                          </p:spTgt>
-                                        </p:tgtEl>
-                                        <p:attrNameLst>
-                                          <p:attrName>style.visibility</p:attrName>
-                                        </p:attrNameLst>
-                                      </p:cBhvr>
-                                      <p:to>
-                                        <p:strVal val="visible"/>
-                                      </p:to>
-                                    </p:set>
-                                  </p:childTnLst>
-                                </p:cTn>
-                              </p:par>
-                            </p:childTnLst>
-                          </p:cTn>
-                        </p:par>
-                      </p:childTnLst>
-                    </p:cTn>
-                  </p:par>
-                  <p:par>
-                    <p:cTn id="30" fill="hold">
-                      <p:stCondLst>
-                        <p:cond delay="indefinite"/>
-                      </p:stCondLst>
-                      <p:childTnLst>
-                        <p:par>
-                          <p:cTn id="31" fill="hold">
-                            <p:stCondLst>
-                              <p:cond delay="0"/>
-                            </p:stCondLst>
-                            <p:childTnLst>
-                              <p:par>
-                                <p:cTn id="32" presetID="1" presetClass="entr" presetSubtype="0" fill="hold" grpId="0" nodeType="clickEffect">
-                                  <p:stCondLst>
-                                    <p:cond delay="0"/>
-                                  </p:stCondLst>
-                                  <p:childTnLst>
-                                    <p:set>
-                                      <p:cBhvr>
-                                        <p:cTn id="33" dur="1" fill="hold">
-                                          <p:stCondLst>
-                                            <p:cond delay="0"/>
-                                          </p:stCondLst>
-                                        </p:cTn>
-                                        <p:tgtEl>
-                                          <p:spTgt spid="3">
-                                            <p:txEl>
-                                              <p:pRg st="3" end="3"/>
-                                            </p:txEl>
-                                          </p:spTgt>
-                                        </p:tgtEl>
-                                        <p:attrNameLst>
-                                          <p:attrName>style.visibility</p:attrName>
-                                        </p:attrNameLst>
-                                      </p:cBhvr>
-                                      <p:to>
-                                        <p:strVal val="visible"/>
-                                      </p:to>
-                                    </p:set>
-                                  </p:childTnLst>
-                                </p:cTn>
-                              </p:par>
-                            </p:childTnLst>
-                          </p:cTn>
-                        </p:par>
-                      </p:childTnLst>
-                    </p:cTn>
-                  </p:par>
-                  <p:par>
-                    <p:cTn id="34" fill="hold">
-                      <p:stCondLst>
-                        <p:cond delay="indefinite"/>
-                      </p:stCondLst>
-                      <p:childTnLst>
-                        <p:par>
-                          <p:cTn id="35" fill="hold">
-                            <p:stCondLst>
-                              <p:cond delay="0"/>
-                            </p:stCondLst>
-                            <p:childTnLst>
-                              <p:par>
-                                <p:cTn id="36" presetID="1" presetClass="entr" presetSubtype="0" fill="hold" grpId="0" nodeType="clickEffect">
-                                  <p:stCondLst>
-                                    <p:cond delay="0"/>
-                                  </p:stCondLst>
-                                  <p:childTnLst>
-                                    <p:set>
-                                      <p:cBhvr>
-                                        <p:cTn id="37" dur="1" fill="hold">
-                                          <p:stCondLst>
-                                            <p:cond delay="0"/>
-                                          </p:stCondLst>
-                                        </p:cTn>
-                                        <p:tgtEl>
-                                          <p:spTgt spid="3">
-                                            <p:txEl>
-                                              <p:pRg st="4" end="4"/>
-                                            </p:txEl>
-                                          </p:spTgt>
-                                        </p:tgtEl>
-                                        <p:attrNameLst>
-                                          <p:attrName>style.visibility</p:attrName>
-                                        </p:attrNameLst>
-                                      </p:cBhvr>
-                                      <p:to>
-                                        <p:strVal val="visible"/>
-                                      </p:to>
-                                    </p:set>
-                                  </p:childTnLst>
-                                </p:cTn>
-                              </p:par>
-                            </p:childTnLst>
-                          </p:cTn>
-                        </p:par>
-                      </p:childTnLst>
-                    </p:cTn>
-                  </p:par>
-                  <p:par>
-                    <p:cTn id="38" fill="hold">
-                      <p:stCondLst>
-                        <p:cond delay="indefinite"/>
-                      </p:stCondLst>
-                      <p:childTnLst>
-                        <p:par>
-                          <p:cTn id="39" fill="hold">
-                            <p:stCondLst>
-                              <p:cond delay="0"/>
-                            </p:stCondLst>
-                            <p:childTnLst>
-                              <p:par>
-                                <p:cTn id="40" presetID="1" presetClass="entr" presetSubtype="0" fill="hold" grpId="0" nodeType="clickEffect">
-                                  <p:stCondLst>
-                                    <p:cond delay="0"/>
-                                  </p:stCondLst>
-                                  <p:childTnLst>
-                                    <p:set>
-                                      <p:cBhvr>
-                                        <p:cTn id="41" dur="1" fill="hold">
-                                          <p:stCondLst>
-                                            <p:cond delay="0"/>
-                                          </p:stCondLst>
-                                        </p:cTn>
-                                        <p:tgtEl>
-                                          <p:spTgt spid="3">
-                                            <p:txEl>
-                                              <p:pRg st="5" end="5"/>
-                                            </p:txEl>
-                                          </p:spTgt>
-                                        </p:tgtEl>
-                                        <p:attrNameLst>
-                                          <p:attrName>style.visibility</p:attrName>
-                                        </p:attrNameLst>
-                                      </p:cBhvr>
-                                      <p:to>
-                                        <p:strVal val="visible"/>
-                                      </p:to>
-                                    </p:set>
-                                  </p:childTnLst>
-                                </p:cTn>
-                              </p:par>
-                            </p:childTnLst>
-                          </p:cTn>
-                        </p:par>
-                      </p:childTnLst>
-                    </p:cTn>
-                  </p:par>
-                  <p:par>
-                    <p:cTn id="42" fill="hold">
-                      <p:stCondLst>
-                        <p:cond delay="indefinite"/>
-                      </p:stCondLst>
-                      <p:childTnLst>
-                        <p:par>
-                          <p:cTn id="43" fill="hold">
-                            <p:stCondLst>
-                              <p:cond delay="0"/>
-                            </p:stCondLst>
-                            <p:childTnLst>
-                              <p:par>
-                                <p:cTn id="44" presetID="1" presetClass="entr" presetSubtype="0" fill="hold" grpId="0" nodeType="clickEffect">
-                                  <p:stCondLst>
-                                    <p:cond delay="0"/>
-                                  </p:stCondLst>
-                                  <p:childTnLst>
-                                    <p:set>
-                                      <p:cBhvr>
-                                        <p:cTn id="45" dur="1" fill="hold">
-                                          <p:stCondLst>
-                                            <p:cond delay="0"/>
-                                          </p:stCondLst>
-                                        </p:cTn>
-                                        <p:tgtEl>
-                                          <p:spTgt spid="3">
-                                            <p:txEl>
-                                              <p:pRg st="6" end="6"/>
-                                            </p:txEl>
-                                          </p:spTgt>
-                                        </p:tgtEl>
-                                        <p:attrNameLst>
-                                          <p:attrName>style.visibility</p:attrName>
-                                        </p:attrNameLst>
-                                      </p:cBhvr>
-                                      <p:to>
-                                        <p:strVal val="visible"/>
-                                      </p:to>
-                                    </p:set>
-                                  </p:childTnLst>
-                                </p:cTn>
-                              </p:par>
-                            </p:childTnLst>
-                          </p:cTn>
-                        </p:par>
-                      </p:childTnLst>
-                    </p:cTn>
-                  </p:par>
-                  <p:par>
-                    <p:cTn id="46" fill="hold">
-                      <p:stCondLst>
-                        <p:cond delay="indefinite"/>
-                      </p:stCondLst>
-                      <p:childTnLst>
-                        <p:par>
-                          <p:cTn id="47" fill="hold">
-                            <p:stCondLst>
-                              <p:cond delay="0"/>
-                            </p:stCondLst>
-                            <p:childTnLst>
-                              <p:par>
-                                <p:cTn id="48" presetID="22" presetClass="entr" presetSubtype="8" fill="hold" grpId="0" nodeType="clickEffect">
-                                  <p:stCondLst>
-                                    <p:cond delay="0"/>
-                                  </p:stCondLst>
-                                  <p:childTnLst>
-                                    <p:set>
-                                      <p:cBhvr>
-                                        <p:cTn id="49" dur="1" fill="hold">
-                                          <p:stCondLst>
-                                            <p:cond delay="0"/>
-                                          </p:stCondLst>
-                                        </p:cTn>
-                                        <p:tgtEl>
-                                          <p:spTgt spid="6"/>
-                                        </p:tgtEl>
-                                        <p:attrNameLst>
-                                          <p:attrName>style.visibility</p:attrName>
-                                        </p:attrNameLst>
-                                      </p:cBhvr>
-                                      <p:to>
-                                        <p:strVal val="visible"/>
-                                      </p:to>
-                                    </p:set>
-                                    <p:animEffect transition="in" filter="wipe(left)">
-                                      <p:cBhvr>
-                                        <p:cTn id="50" dur="500"/>
-                                        <p:tgtEl>
-                                          <p:spTgt spid="6"/>
-                                        </p:tgtEl>
-                                      </p:cBhvr>
-                                    </p:animEffect>
-                                  </p:childTnLst>
-                                </p:cTn>
-                              </p:par>
-                              <p:par>
-                                <p:cTn id="51" presetID="22" presetClass="entr" presetSubtype="8" fill="hold" grpId="0" nodeType="withEffect">
-                                  <p:stCondLst>
-                                    <p:cond delay="0"/>
-                                  </p:stCondLst>
-                                  <p:childTnLst>
-                                    <p:set>
-                                      <p:cBhvr>
-                                        <p:cTn id="52" dur="1" fill="hold">
-                                          <p:stCondLst>
-                                            <p:cond delay="0"/>
-                                          </p:stCondLst>
-                                        </p:cTn>
-                                        <p:tgtEl>
-                                          <p:spTgt spid="5"/>
-                                        </p:tgtEl>
-                                        <p:attrNameLst>
-                                          <p:attrName>style.visibility</p:attrName>
-                                        </p:attrNameLst>
-                                      </p:cBhvr>
-                                      <p:to>
-                                        <p:strVal val="visible"/>
-                                      </p:to>
-                                    </p:set>
-                                    <p:animEffect transition="in" filter="wipe(left)">
-                                      <p:cBhvr>
-                                        <p:cTn id="53" dur="500"/>
-                                        <p:tgtEl>
-                                          <p:spTgt spid="5"/>
-                                        </p:tgtEl>
-                                      </p:cBhvr>
-                                    </p:animEffect>
-                                  </p:childTnLst>
-                                </p:cTn>
-                              </p:par>
-                            </p:childTnLst>
-                          </p:cTn>
-                        </p:par>
-                      </p:childTnLst>
-                    </p:cTn>
-                  </p:par>
-                  <p:par>
-                    <p:cTn id="54" fill="hold">
-                      <p:stCondLst>
-                        <p:cond delay="indefinite"/>
-                      </p:stCondLst>
-                      <p:childTnLst>
-                        <p:par>
-                          <p:cTn id="55" fill="hold">
-                            <p:stCondLst>
-                              <p:cond delay="0"/>
-                            </p:stCondLst>
-                            <p:childTnLst>
-                              <p:par>
-                                <p:cTn id="56" presetID="22" presetClass="entr" presetSubtype="8" fill="hold" nodeType="clickEffect">
-                                  <p:stCondLst>
-                                    <p:cond delay="0"/>
-                                  </p:stCondLst>
-                                  <p:childTnLst>
-                                    <p:set>
-                                      <p:cBhvr>
-                                        <p:cTn id="57" dur="1" fill="hold">
-                                          <p:stCondLst>
-                                            <p:cond delay="0"/>
-                                          </p:stCondLst>
-                                        </p:cTn>
-                                        <p:tgtEl>
-                                          <p:spTgt spid="18"/>
-                                        </p:tgtEl>
-                                        <p:attrNameLst>
-                                          <p:attrName>style.visibility</p:attrName>
-                                        </p:attrNameLst>
-                                      </p:cBhvr>
-                                      <p:to>
-                                        <p:strVal val="visible"/>
-                                      </p:to>
-                                    </p:set>
-                                    <p:animEffect transition="in" filter="wipe(left)">
-                                      <p:cBhvr>
-                                        <p:cTn id="58" dur="1000"/>
-                                        <p:tgtEl>
-                                          <p:spTgt spid="18"/>
-                                        </p:tgtEl>
-                                      </p:cBhvr>
-                                    </p:animEffect>
-                                  </p:childTnLst>
-                                </p:cTn>
-                              </p:par>
-                            </p:childTnLst>
-                          </p:cTn>
-                        </p:par>
-                      </p:childTnLst>
-                    </p:cTn>
-                  </p:par>
-                  <p:par>
-                    <p:cTn id="59" fill="hold">
-                      <p:stCondLst>
-                        <p:cond delay="indefinite"/>
-                      </p:stCondLst>
-                      <p:childTnLst>
-                        <p:par>
-                          <p:cTn id="60" fill="hold">
-                            <p:stCondLst>
-                              <p:cond delay="0"/>
-                            </p:stCondLst>
-                            <p:childTnLst>
-                              <p:par>
-                                <p:cTn id="61" presetID="1" presetClass="entr" presetSubtype="0" fill="hold" grpId="0" nodeType="clickEffect">
-                                  <p:stCondLst>
-                                    <p:cond delay="0"/>
-                                  </p:stCondLst>
-                                  <p:childTnLst>
-                                    <p:set>
-                                      <p:cBhvr>
-                                        <p:cTn id="62" dur="1" fill="hold">
-                                          <p:stCondLst>
-                                            <p:cond delay="0"/>
-                                          </p:stCondLst>
-                                        </p:cTn>
-                                        <p:tgtEl>
-                                          <p:spTgt spid="20"/>
-                                        </p:tgtEl>
-                                        <p:attrNameLst>
-                                          <p:attrName>style.visibility</p:attrName>
-                                        </p:attrNameLst>
-                                      </p:cBhvr>
-                                      <p:to>
-                                        <p:strVal val="visible"/>
-                                      </p:to>
-                                    </p:set>
-                                  </p:childTnLst>
-                                </p:cTn>
-                              </p:par>
-                            </p:childTnLst>
-                          </p:cTn>
-                        </p:par>
-                      </p:childTnLst>
-                    </p:cTn>
-                  </p:par>
-                </p:childTnLst>
-              </p:cTn>
-              <p:prevCondLst>
-                <p:cond evt="onPrev" delay="0">
-                  <p:tgtEl>
-                    <p:sldTgt/>
-                  </p:tgtEl>
-                </p:cond>
-              </p:prevCondLst>
-              <p:nextCondLst>
-                <p:cond evt="onNext" delay="0">
-                  <p:tgtEl>
-                    <p:sldTgt/>
-                  </p:tgtEl>
-                </p:cond>
-              </p:nextCondLst>
-            </p:seq>
-          </p:childTnLst>
-        </p:cTn>
-      </p:par>
-    </p:tnLst>
-    <p:bldLst>
-      <p:bldP spid="6" grpId="0" animBg="1"/>
-      <p:bldP spid="5" grpId="0" animBg="1"/>
-      <p:bldP spid="3" grpId="0" uiExpand="1" build="p"/>
-      <p:bldP spid="20" grpId="0"/>
-      <p:bldP spid="25" grpId="0" animBg="1"/>
-      <p:bldP spid="25" grpId="1" animBg="1"/>
-      <p:bldP spid="26" grpId="0" animBg="1"/>
-      <p:bldP spid="26" grpId="1" animBg="1"/>
-    </p:bldLst>
-  </p:timing>
-</p:sld>
-</file>
-
-<file path=ppt/slides/slide11.xml><?xml version="1.0" encoding="utf-8"?>
 <p:sld xmlns:a="http://schemas.openxmlformats.org/drawingml/2006/main" xmlns:r="http://schemas.openxmlformats.org/officeDocument/2006/relationships" xmlns:p="http://schemas.openxmlformats.org/presentationml/2006/main">
   <p:cSld>
     <p:spTree>
@@ -8713,7 +5175,7 @@
           <a:p>
             <a:fld id="{157B8E69-23A9-4619-9CFE-E27BFD8A78F9}" type="slidenum">
               <a:rPr lang="en-US" smtClean="0"/>
-              <a:t>11</a:t>
+              <a:t>10</a:t>
             </a:fld>
             <a:endParaRPr lang="en-US"/>
           </a:p>
@@ -10666,7 +7128,7 @@
 </p:sld>
 </file>
 
-<file path=ppt/slides/slide12.xml><?xml version="1.0" encoding="utf-8"?>
+<file path=ppt/slides/slide11.xml><?xml version="1.0" encoding="utf-8"?>
 <p:sld xmlns:a="http://schemas.openxmlformats.org/drawingml/2006/main" xmlns:r="http://schemas.openxmlformats.org/officeDocument/2006/relationships" xmlns:p="http://schemas.openxmlformats.org/presentationml/2006/main">
   <p:cSld>
     <p:spTree>
@@ -11597,7 +8059,7 @@
           <a:p>
             <a:fld id="{157B8E69-23A9-4619-9CFE-E27BFD8A78F9}" type="slidenum">
               <a:rPr lang="en-US" smtClean="0"/>
-              <a:t>12</a:t>
+              <a:t>11</a:t>
             </a:fld>
             <a:endParaRPr lang="en-US"/>
           </a:p>
@@ -12282,7 +8744,7 @@
 </p:sld>
 </file>
 
-<file path=ppt/slides/slide13.xml><?xml version="1.0" encoding="utf-8"?>
+<file path=ppt/slides/slide12.xml><?xml version="1.0" encoding="utf-8"?>
 <p:sld xmlns:a="http://schemas.openxmlformats.org/drawingml/2006/main" xmlns:r="http://schemas.openxmlformats.org/officeDocument/2006/relationships" xmlns:p="http://schemas.openxmlformats.org/presentationml/2006/main">
   <p:cSld>
     <p:spTree>
@@ -12688,7 +9150,7 @@
           <a:p>
             <a:fld id="{157B8E69-23A9-4619-9CFE-E27BFD8A78F9}" type="slidenum">
               <a:rPr lang="en-US" smtClean="0"/>
-              <a:t>13</a:t>
+              <a:t>12</a:t>
             </a:fld>
             <a:endParaRPr lang="en-US"/>
           </a:p>
@@ -13830,7 +10292,7 @@
 </p:sld>
 </file>
 
-<file path=ppt/slides/slide14.xml><?xml version="1.0" encoding="utf-8"?>
+<file path=ppt/slides/slide13.xml><?xml version="1.0" encoding="utf-8"?>
 <p:sld xmlns:a="http://schemas.openxmlformats.org/drawingml/2006/main" xmlns:r="http://schemas.openxmlformats.org/officeDocument/2006/relationships" xmlns:p="http://schemas.openxmlformats.org/presentationml/2006/main">
   <p:cSld>
     <p:spTree>
@@ -14915,7 +11377,7 @@
           <a:p>
             <a:fld id="{157B8E69-23A9-4619-9CFE-E27BFD8A78F9}" type="slidenum">
               <a:rPr lang="en-US" smtClean="0"/>
-              <a:t>14</a:t>
+              <a:t>13</a:t>
             </a:fld>
             <a:endParaRPr lang="en-US"/>
           </a:p>
@@ -16082,7 +12544,7 @@
 </p:sld>
 </file>
 
-<file path=ppt/slides/slide15.xml><?xml version="1.0" encoding="utf-8"?>
+<file path=ppt/slides/slide14.xml><?xml version="1.0" encoding="utf-8"?>
 <p:sld xmlns:a="http://schemas.openxmlformats.org/drawingml/2006/main" xmlns:r="http://schemas.openxmlformats.org/officeDocument/2006/relationships" xmlns:p="http://schemas.openxmlformats.org/presentationml/2006/main">
   <p:cSld>
     <p:spTree>
@@ -16141,7 +12603,7 @@
           <a:p>
             <a:fld id="{157B8E69-23A9-4619-9CFE-E27BFD8A78F9}" type="slidenum">
               <a:rPr lang="en-US" smtClean="0"/>
-              <a:t>15</a:t>
+              <a:t>14</a:t>
             </a:fld>
             <a:endParaRPr lang="en-US"/>
           </a:p>
@@ -16265,1443 +12727,6 @@
 </file>
 
 <file path=ppt/slides/slide2.xml><?xml version="1.0" encoding="utf-8"?>
-<p:sld xmlns:a="http://schemas.openxmlformats.org/drawingml/2006/main" xmlns:r="http://schemas.openxmlformats.org/officeDocument/2006/relationships" xmlns:p="http://schemas.openxmlformats.org/presentationml/2006/main">
-  <p:cSld>
-    <p:spTree>
-      <p:nvGrpSpPr>
-        <p:cNvPr id="1" name=""/>
-        <p:cNvGrpSpPr/>
-        <p:nvPr/>
-      </p:nvGrpSpPr>
-      <p:grpSpPr>
-        <a:xfrm>
-          <a:off x="0" y="0"/>
-          <a:ext cx="0" cy="0"/>
-          <a:chOff x="0" y="0"/>
-          <a:chExt cx="0" cy="0"/>
-        </a:xfrm>
-      </p:grpSpPr>
-      <p:sp>
-        <p:nvSpPr>
-          <p:cNvPr id="2" name="Title 1"/>
-          <p:cNvSpPr>
-            <a:spLocks noGrp="1"/>
-          </p:cNvSpPr>
-          <p:nvPr>
-            <p:ph type="title"/>
-          </p:nvPr>
-        </p:nvSpPr>
-        <p:spPr/>
-        <p:txBody>
-          <a:bodyPr/>
-          <a:lstStyle/>
-          <a:p>
-            <a:r>
-              <a:rPr lang="en-IN" dirty="0" smtClean="0"/>
-              <a:t>Decision Boundaries</a:t>
-            </a:r>
-            <a:endParaRPr lang="en-IN" dirty="0"/>
-          </a:p>
-        </p:txBody>
-      </p:sp>
-      <p:sp>
-        <p:nvSpPr>
-          <p:cNvPr id="3" name="Content Placeholder 2"/>
-          <p:cNvSpPr>
-            <a:spLocks noGrp="1"/>
-          </p:cNvSpPr>
-          <p:nvPr>
-            <p:ph idx="1"/>
-          </p:nvPr>
-        </p:nvSpPr>
-        <p:spPr>
-          <a:xfrm>
-            <a:off x="253353" y="1111624"/>
-            <a:ext cx="11600329" cy="5300823"/>
-          </a:xfrm>
-        </p:spPr>
-        <p:txBody>
-          <a:bodyPr/>
-          <a:lstStyle/>
-          <a:p>
-            <a:r>
-              <a:rPr lang="en-IN" dirty="0" smtClean="0"/>
-              <a:t>Regions of feature space </a:t>
-            </a:r>
-            <a:r>
-              <a:rPr lang="en-IN" dirty="0"/>
-              <a:t>where classifier decision abruptly changes from one class to another class</a:t>
-            </a:r>
-            <a:endParaRPr lang="en-IN" dirty="0" smtClean="0"/>
-          </a:p>
-          <a:p>
-            <a:r>
-              <a:rPr lang="en-IN" dirty="0" smtClean="0"/>
-              <a:t>These are also the regions where classifier may get confused and make a prediction with low confidence</a:t>
-            </a:r>
-          </a:p>
-          <a:p>
-            <a:r>
-              <a:rPr lang="en-IN" dirty="0" smtClean="0"/>
-              <a:t>All classifiers have such a decision boundary</a:t>
-            </a:r>
-          </a:p>
-          <a:p>
-            <a:r>
-              <a:rPr lang="en-IN" dirty="0" smtClean="0"/>
-              <a:t>Easy to detect whether a test point is at decision boundary for linear classifiers – difficult to do so for most other classifiers, e.g. deep nets</a:t>
-            </a:r>
-          </a:p>
-          <a:p>
-            <a:r>
-              <a:rPr lang="en-IN" dirty="0" smtClean="0"/>
-              <a:t>Linear classifiers are those whose decision boundary is a line/plane</a:t>
-            </a:r>
-          </a:p>
-          <a:p>
-            <a:endParaRPr lang="en-IN" dirty="0"/>
-          </a:p>
-        </p:txBody>
-      </p:sp>
-      <p:sp>
-        <p:nvSpPr>
-          <p:cNvPr id="4" name="Slide Number Placeholder 3"/>
-          <p:cNvSpPr>
-            <a:spLocks noGrp="1"/>
-          </p:cNvSpPr>
-          <p:nvPr>
-            <p:ph type="sldNum" sz="quarter" idx="12"/>
-          </p:nvPr>
-        </p:nvSpPr>
-        <p:spPr/>
-        <p:txBody>
-          <a:bodyPr/>
-          <a:lstStyle/>
-          <a:p>
-            <a:fld id="{157B8E69-23A9-4619-9CFE-E27BFD8A78F9}" type="slidenum">
-              <a:rPr lang="en-US" smtClean="0"/>
-              <a:t>2</a:t>
-            </a:fld>
-            <a:endParaRPr lang="en-US"/>
-          </a:p>
-        </p:txBody>
-      </p:sp>
-      <p:pic>
-        <p:nvPicPr>
-          <p:cNvPr id="5" name="Picture 4"/>
-          <p:cNvPicPr>
-            <a:picLocks noChangeAspect="1"/>
-          </p:cNvPicPr>
-          <p:nvPr/>
-        </p:nvPicPr>
-        <p:blipFill>
-          <a:blip r:embed="rId2" cstate="print">
-            <a:extLst>
-              <a:ext uri="{28A0092B-C50C-407E-A947-70E740481C1C}">
-                <a14:useLocalDpi xmlns:a14="http://schemas.microsoft.com/office/drawing/2010/main" val="0"/>
-              </a:ext>
-            </a:extLst>
-          </a:blip>
-          <a:stretch>
-            <a:fillRect/>
-          </a:stretch>
-        </p:blipFill>
-        <p:spPr>
-          <a:xfrm flipH="1">
-            <a:off x="10491082" y="5029826"/>
-            <a:ext cx="1787788" cy="1787788"/>
-          </a:xfrm>
-          <a:prstGeom prst="rect">
-            <a:avLst/>
-          </a:prstGeom>
-        </p:spPr>
-      </p:pic>
-      <p:sp>
-        <p:nvSpPr>
-          <p:cNvPr id="6" name="Rectangular Callout 5"/>
-          <p:cNvSpPr/>
-          <p:nvPr/>
-        </p:nvSpPr>
-        <p:spPr>
-          <a:xfrm>
-            <a:off x="6298058" y="5518871"/>
-            <a:ext cx="3930388" cy="1185017"/>
-          </a:xfrm>
-          <a:prstGeom prst="wedgeRectCallout">
-            <a:avLst>
-              <a:gd name="adj1" fmla="val 74614"/>
-              <a:gd name="adj2" fmla="val 11693"/>
-            </a:avLst>
-          </a:prstGeom>
-          <a:solidFill>
-            <a:schemeClr val="bg1"/>
-          </a:solidFill>
-          <a:ln w="38100">
-            <a:solidFill>
-              <a:schemeClr val="accent1"/>
-            </a:solidFill>
-          </a:ln>
-        </p:spPr>
-        <p:style>
-          <a:lnRef idx="2">
-            <a:schemeClr val="accent1">
-              <a:shade val="50000"/>
-            </a:schemeClr>
-          </a:lnRef>
-          <a:fillRef idx="1">
-            <a:schemeClr val="accent1"/>
-          </a:fillRef>
-          <a:effectRef idx="0">
-            <a:schemeClr val="accent1"/>
-          </a:effectRef>
-          <a:fontRef idx="minor">
-            <a:schemeClr val="lt1"/>
-          </a:fontRef>
-        </p:style>
-        <p:txBody>
-          <a:bodyPr rtlCol="0" anchor="ctr"/>
-          <a:lstStyle/>
-          <a:p>
-            <a:pPr algn="ctr"/>
-            <a:r>
-              <a:rPr lang="en-IN" sz="2400" dirty="0" smtClean="0">
-                <a:solidFill>
-                  <a:schemeClr val="tx1"/>
-                </a:solidFill>
-                <a:latin typeface="+mj-lt"/>
-              </a:rPr>
-              <a:t>For example, </a:t>
-            </a:r>
-            <a:r>
-              <a:rPr lang="en-IN" sz="2400" dirty="0" err="1" smtClean="0">
-                <a:solidFill>
-                  <a:schemeClr val="tx1"/>
-                </a:solidFill>
-                <a:latin typeface="+mj-lt"/>
-              </a:rPr>
-              <a:t>kNN</a:t>
-            </a:r>
-            <a:r>
-              <a:rPr lang="en-IN" sz="2400" dirty="0" smtClean="0">
-                <a:solidFill>
-                  <a:schemeClr val="tx1"/>
-                </a:solidFill>
-                <a:latin typeface="+mj-lt"/>
-              </a:rPr>
-              <a:t> will never get confused if k = 3 (or some odd number) and 2 classes</a:t>
-            </a:r>
-            <a:endParaRPr lang="en-IN" sz="2400" dirty="0">
-              <a:solidFill>
-                <a:schemeClr val="tx1"/>
-              </a:solidFill>
-              <a:latin typeface="+mj-lt"/>
-            </a:endParaRPr>
-          </a:p>
-        </p:txBody>
-      </p:sp>
-      <p:grpSp>
-        <p:nvGrpSpPr>
-          <p:cNvPr id="7" name="Group 6"/>
-          <p:cNvGrpSpPr/>
-          <p:nvPr/>
-        </p:nvGrpSpPr>
-        <p:grpSpPr>
-          <a:xfrm>
-            <a:off x="138183" y="5413874"/>
-            <a:ext cx="1468606" cy="1238929"/>
-            <a:chOff x="12383748" y="1219011"/>
-            <a:chExt cx="1862104" cy="1570887"/>
-          </a:xfrm>
-        </p:grpSpPr>
-        <p:sp>
-          <p:nvSpPr>
-            <p:cNvPr id="8" name="Freeform 7"/>
-            <p:cNvSpPr/>
-            <p:nvPr/>
-          </p:nvSpPr>
-          <p:spPr>
-            <a:xfrm>
-              <a:off x="12383748" y="1219011"/>
-              <a:ext cx="1862104" cy="1570887"/>
-            </a:xfrm>
-            <a:custGeom>
-              <a:avLst/>
-              <a:gdLst>
-                <a:gd name="connsiteX0" fmla="*/ 720726 w 1441452"/>
-                <a:gd name="connsiteY0" fmla="*/ 0 h 1216022"/>
-                <a:gd name="connsiteX1" fmla="*/ 1437731 w 1441452"/>
-                <a:gd name="connsiteY1" fmla="*/ 718294 h 1216022"/>
-                <a:gd name="connsiteX2" fmla="*/ 1441452 w 1441452"/>
-                <a:gd name="connsiteY2" fmla="*/ 800098 h 1216022"/>
-                <a:gd name="connsiteX3" fmla="*/ 1426809 w 1441452"/>
-                <a:gd name="connsiteY3" fmla="*/ 883920 h 1216022"/>
-                <a:gd name="connsiteX4" fmla="*/ 720726 w 1441452"/>
-                <a:gd name="connsiteY4" fmla="*/ 1216022 h 1216022"/>
-                <a:gd name="connsiteX5" fmla="*/ 14643 w 1441452"/>
-                <a:gd name="connsiteY5" fmla="*/ 883920 h 1216022"/>
-                <a:gd name="connsiteX6" fmla="*/ 0 w 1441452"/>
-                <a:gd name="connsiteY6" fmla="*/ 800098 h 1216022"/>
-                <a:gd name="connsiteX7" fmla="*/ 3721 w 1441452"/>
-                <a:gd name="connsiteY7" fmla="*/ 718294 h 1216022"/>
-                <a:gd name="connsiteX8" fmla="*/ 720726 w 1441452"/>
-                <a:gd name="connsiteY8" fmla="*/ 0 h 1216022"/>
-              </a:gdLst>
-              <a:ahLst/>
-              <a:cxnLst>
-                <a:cxn ang="0">
-                  <a:pos x="connsiteX0" y="connsiteY0"/>
-                </a:cxn>
-                <a:cxn ang="0">
-                  <a:pos x="connsiteX1" y="connsiteY1"/>
-                </a:cxn>
-                <a:cxn ang="0">
-                  <a:pos x="connsiteX2" y="connsiteY2"/>
-                </a:cxn>
-                <a:cxn ang="0">
-                  <a:pos x="connsiteX3" y="connsiteY3"/>
-                </a:cxn>
-                <a:cxn ang="0">
-                  <a:pos x="connsiteX4" y="connsiteY4"/>
-                </a:cxn>
-                <a:cxn ang="0">
-                  <a:pos x="connsiteX5" y="connsiteY5"/>
-                </a:cxn>
-                <a:cxn ang="0">
-                  <a:pos x="connsiteX6" y="connsiteY6"/>
-                </a:cxn>
-                <a:cxn ang="0">
-                  <a:pos x="connsiteX7" y="connsiteY7"/>
-                </a:cxn>
-                <a:cxn ang="0">
-                  <a:pos x="connsiteX8" y="connsiteY8"/>
-                </a:cxn>
-              </a:cxnLst>
-              <a:rect l="l" t="t" r="r" b="b"/>
-              <a:pathLst>
-                <a:path w="1441452" h="1216022">
-                  <a:moveTo>
-                    <a:pt x="720726" y="0"/>
-                  </a:moveTo>
-                  <a:cubicBezTo>
-                    <a:pt x="1093894" y="0"/>
-                    <a:pt x="1400823" y="314839"/>
-                    <a:pt x="1437731" y="718294"/>
-                  </a:cubicBezTo>
-                  <a:lnTo>
-                    <a:pt x="1441452" y="800098"/>
-                  </a:lnTo>
-                  <a:lnTo>
-                    <a:pt x="1426809" y="883920"/>
-                  </a:lnTo>
-                  <a:cubicBezTo>
-                    <a:pt x="1359604" y="1073450"/>
-                    <a:pt x="1069016" y="1216022"/>
-                    <a:pt x="720726" y="1216022"/>
-                  </a:cubicBezTo>
-                  <a:cubicBezTo>
-                    <a:pt x="372436" y="1216022"/>
-                    <a:pt x="81848" y="1073450"/>
-                    <a:pt x="14643" y="883920"/>
-                  </a:cubicBezTo>
-                  <a:lnTo>
-                    <a:pt x="0" y="800098"/>
-                  </a:lnTo>
-                  <a:lnTo>
-                    <a:pt x="3721" y="718294"/>
-                  </a:lnTo>
-                  <a:cubicBezTo>
-                    <a:pt x="40630" y="314839"/>
-                    <a:pt x="347558" y="0"/>
-                    <a:pt x="720726" y="0"/>
-                  </a:cubicBezTo>
-                  <a:close/>
-                </a:path>
-              </a:pathLst>
-            </a:custGeom>
-            <a:solidFill>
-              <a:schemeClr val="bg1">
-                <a:lumMod val="95000"/>
-              </a:schemeClr>
-            </a:solidFill>
-            <a:ln>
-              <a:noFill/>
-            </a:ln>
-          </p:spPr>
-          <p:style>
-            <a:lnRef idx="2">
-              <a:schemeClr val="accent1">
-                <a:shade val="50000"/>
-              </a:schemeClr>
-            </a:lnRef>
-            <a:fillRef idx="1">
-              <a:schemeClr val="accent1"/>
-            </a:fillRef>
-            <a:effectRef idx="0">
-              <a:schemeClr val="accent1"/>
-            </a:effectRef>
-            <a:fontRef idx="minor">
-              <a:schemeClr val="lt1"/>
-            </a:fontRef>
-          </p:style>
-          <p:txBody>
-            <a:bodyPr rtlCol="0" anchor="ctr"/>
-            <a:lstStyle/>
-            <a:p>
-              <a:pPr algn="ctr"/>
-              <a:endParaRPr lang="en-IN"/>
-            </a:p>
-          </p:txBody>
-        </p:sp>
-        <p:sp>
-          <p:nvSpPr>
-            <p:cNvPr id="9" name="Freeform 8"/>
-            <p:cNvSpPr/>
-            <p:nvPr/>
-          </p:nvSpPr>
-          <p:spPr>
-            <a:xfrm rot="10800000">
-              <a:off x="12542947" y="1611492"/>
-              <a:ext cx="1543705" cy="969673"/>
-            </a:xfrm>
-            <a:custGeom>
-              <a:avLst/>
-              <a:gdLst>
-                <a:gd name="connsiteX0" fmla="*/ 597490 w 1194980"/>
-                <a:gd name="connsiteY0" fmla="*/ 0 h 750623"/>
-                <a:gd name="connsiteX1" fmla="*/ 1194980 w 1194980"/>
-                <a:gd name="connsiteY1" fmla="*/ 278342 h 750623"/>
-                <a:gd name="connsiteX2" fmla="*/ 597490 w 1194980"/>
-                <a:gd name="connsiteY2" fmla="*/ 750623 h 750623"/>
-                <a:gd name="connsiteX3" fmla="*/ 0 w 1194980"/>
-                <a:gd name="connsiteY3" fmla="*/ 278342 h 750623"/>
-                <a:gd name="connsiteX4" fmla="*/ 597490 w 1194980"/>
-                <a:gd name="connsiteY4" fmla="*/ 0 h 750623"/>
-              </a:gdLst>
-              <a:ahLst/>
-              <a:cxnLst>
-                <a:cxn ang="0">
-                  <a:pos x="connsiteX0" y="connsiteY0"/>
-                </a:cxn>
-                <a:cxn ang="0">
-                  <a:pos x="connsiteX1" y="connsiteY1"/>
-                </a:cxn>
-                <a:cxn ang="0">
-                  <a:pos x="connsiteX2" y="connsiteY2"/>
-                </a:cxn>
-                <a:cxn ang="0">
-                  <a:pos x="connsiteX3" y="connsiteY3"/>
-                </a:cxn>
-                <a:cxn ang="0">
-                  <a:pos x="connsiteX4" y="connsiteY4"/>
-                </a:cxn>
-              </a:cxnLst>
-              <a:rect l="l" t="t" r="r" b="b"/>
-              <a:pathLst>
-                <a:path w="1194980" h="750623">
-                  <a:moveTo>
-                    <a:pt x="597490" y="0"/>
-                  </a:moveTo>
-                  <a:cubicBezTo>
-                    <a:pt x="927475" y="0"/>
-                    <a:pt x="1194980" y="124618"/>
-                    <a:pt x="1194980" y="278342"/>
-                  </a:cubicBezTo>
-                  <a:cubicBezTo>
-                    <a:pt x="1194980" y="539176"/>
-                    <a:pt x="927475" y="750623"/>
-                    <a:pt x="597490" y="750623"/>
-                  </a:cubicBezTo>
-                  <a:cubicBezTo>
-                    <a:pt x="267505" y="750623"/>
-                    <a:pt x="0" y="539176"/>
-                    <a:pt x="0" y="278342"/>
-                  </a:cubicBezTo>
-                  <a:cubicBezTo>
-                    <a:pt x="0" y="124618"/>
-                    <a:pt x="267505" y="0"/>
-                    <a:pt x="597490" y="0"/>
-                  </a:cubicBezTo>
-                  <a:close/>
-                </a:path>
-              </a:pathLst>
-            </a:custGeom>
-            <a:solidFill>
-              <a:schemeClr val="tx1">
-                <a:lumMod val="75000"/>
-                <a:lumOff val="25000"/>
-              </a:schemeClr>
-            </a:solidFill>
-            <a:ln>
-              <a:noFill/>
-            </a:ln>
-          </p:spPr>
-          <p:style>
-            <a:lnRef idx="2">
-              <a:schemeClr val="accent1">
-                <a:shade val="50000"/>
-              </a:schemeClr>
-            </a:lnRef>
-            <a:fillRef idx="1">
-              <a:schemeClr val="accent1"/>
-            </a:fillRef>
-            <a:effectRef idx="0">
-              <a:schemeClr val="accent1"/>
-            </a:effectRef>
-            <a:fontRef idx="minor">
-              <a:schemeClr val="lt1"/>
-            </a:fontRef>
-          </p:style>
-          <p:txBody>
-            <a:bodyPr rtlCol="0" anchor="ctr"/>
-            <a:lstStyle/>
-            <a:p>
-              <a:pPr algn="ctr"/>
-              <a:endParaRPr lang="en-IN"/>
-            </a:p>
-          </p:txBody>
-        </p:sp>
-        <p:sp>
-          <p:nvSpPr>
-            <p:cNvPr id="10" name="Freeform 9"/>
-            <p:cNvSpPr/>
-            <p:nvPr/>
-          </p:nvSpPr>
-          <p:spPr>
-            <a:xfrm>
-              <a:off x="13314800" y="1219011"/>
-              <a:ext cx="931052" cy="1570887"/>
-            </a:xfrm>
-            <a:custGeom>
-              <a:avLst/>
-              <a:gdLst>
-                <a:gd name="connsiteX0" fmla="*/ 0 w 720726"/>
-                <a:gd name="connsiteY0" fmla="*/ 0 h 1216022"/>
-                <a:gd name="connsiteX1" fmla="*/ 717005 w 720726"/>
-                <a:gd name="connsiteY1" fmla="*/ 718294 h 1216022"/>
-                <a:gd name="connsiteX2" fmla="*/ 720726 w 720726"/>
-                <a:gd name="connsiteY2" fmla="*/ 800098 h 1216022"/>
-                <a:gd name="connsiteX3" fmla="*/ 706083 w 720726"/>
-                <a:gd name="connsiteY3" fmla="*/ 883920 h 1216022"/>
-                <a:gd name="connsiteX4" fmla="*/ 0 w 720726"/>
-                <a:gd name="connsiteY4" fmla="*/ 1216022 h 1216022"/>
-              </a:gdLst>
-              <a:ahLst/>
-              <a:cxnLst>
-                <a:cxn ang="0">
-                  <a:pos x="connsiteX0" y="connsiteY0"/>
-                </a:cxn>
-                <a:cxn ang="0">
-                  <a:pos x="connsiteX1" y="connsiteY1"/>
-                </a:cxn>
-                <a:cxn ang="0">
-                  <a:pos x="connsiteX2" y="connsiteY2"/>
-                </a:cxn>
-                <a:cxn ang="0">
-                  <a:pos x="connsiteX3" y="connsiteY3"/>
-                </a:cxn>
-                <a:cxn ang="0">
-                  <a:pos x="connsiteX4" y="connsiteY4"/>
-                </a:cxn>
-              </a:cxnLst>
-              <a:rect l="l" t="t" r="r" b="b"/>
-              <a:pathLst>
-                <a:path w="720726" h="1216022">
-                  <a:moveTo>
-                    <a:pt x="0" y="0"/>
-                  </a:moveTo>
-                  <a:cubicBezTo>
-                    <a:pt x="373168" y="0"/>
-                    <a:pt x="680097" y="314839"/>
-                    <a:pt x="717005" y="718294"/>
-                  </a:cubicBezTo>
-                  <a:lnTo>
-                    <a:pt x="720726" y="800098"/>
-                  </a:lnTo>
-                  <a:lnTo>
-                    <a:pt x="706083" y="883920"/>
-                  </a:lnTo>
-                  <a:cubicBezTo>
-                    <a:pt x="638878" y="1073450"/>
-                    <a:pt x="348290" y="1216022"/>
-                    <a:pt x="0" y="1216022"/>
-                  </a:cubicBezTo>
-                  <a:close/>
-                </a:path>
-              </a:pathLst>
-            </a:custGeom>
-            <a:solidFill>
-              <a:schemeClr val="tx1">
-                <a:alpha val="5000"/>
-              </a:schemeClr>
-            </a:solidFill>
-            <a:ln>
-              <a:noFill/>
-            </a:ln>
-          </p:spPr>
-          <p:style>
-            <a:lnRef idx="2">
-              <a:schemeClr val="accent1">
-                <a:shade val="50000"/>
-              </a:schemeClr>
-            </a:lnRef>
-            <a:fillRef idx="1">
-              <a:schemeClr val="accent1"/>
-            </a:fillRef>
-            <a:effectRef idx="0">
-              <a:schemeClr val="accent1"/>
-            </a:effectRef>
-            <a:fontRef idx="minor">
-              <a:schemeClr val="lt1"/>
-            </a:fontRef>
-          </p:style>
-          <p:txBody>
-            <a:bodyPr rtlCol="0" anchor="ctr"/>
-            <a:lstStyle/>
-            <a:p>
-              <a:pPr algn="ctr"/>
-              <a:endParaRPr lang="en-IN"/>
-            </a:p>
-          </p:txBody>
-        </p:sp>
-        <p:sp>
-          <p:nvSpPr>
-            <p:cNvPr id="11" name="Oval 10"/>
-            <p:cNvSpPr/>
-            <p:nvPr/>
-          </p:nvSpPr>
-          <p:spPr>
-            <a:xfrm rot="1665767">
-              <a:off x="12772445" y="2008188"/>
-              <a:ext cx="462622" cy="333492"/>
-            </a:xfrm>
-            <a:prstGeom prst="ellipse">
-              <a:avLst/>
-            </a:prstGeom>
-            <a:pattFill prst="dkHorz">
-              <a:fgClr>
-                <a:schemeClr val="tx1"/>
-              </a:fgClr>
-              <a:bgClr>
-                <a:schemeClr val="accent3">
-                  <a:lumMod val="75000"/>
-                </a:schemeClr>
-              </a:bgClr>
-            </a:pattFill>
-            <a:ln>
-              <a:noFill/>
-            </a:ln>
-          </p:spPr>
-          <p:style>
-            <a:lnRef idx="2">
-              <a:schemeClr val="accent1">
-                <a:shade val="50000"/>
-              </a:schemeClr>
-            </a:lnRef>
-            <a:fillRef idx="1">
-              <a:schemeClr val="accent1"/>
-            </a:fillRef>
-            <a:effectRef idx="0">
-              <a:schemeClr val="accent1"/>
-            </a:effectRef>
-            <a:fontRef idx="minor">
-              <a:schemeClr val="lt1"/>
-            </a:fontRef>
-          </p:style>
-          <p:txBody>
-            <a:bodyPr rtlCol="0" anchor="ctr"/>
-            <a:lstStyle/>
-            <a:p>
-              <a:pPr algn="ctr"/>
-              <a:endParaRPr lang="en-IN"/>
-            </a:p>
-          </p:txBody>
-        </p:sp>
-        <p:sp>
-          <p:nvSpPr>
-            <p:cNvPr id="12" name="Oval 11"/>
-            <p:cNvSpPr/>
-            <p:nvPr/>
-          </p:nvSpPr>
-          <p:spPr>
-            <a:xfrm rot="19934233" flipV="1">
-              <a:off x="13397236" y="2008187"/>
-              <a:ext cx="462622" cy="333492"/>
-            </a:xfrm>
-            <a:prstGeom prst="ellipse">
-              <a:avLst/>
-            </a:prstGeom>
-            <a:pattFill prst="dkHorz">
-              <a:fgClr>
-                <a:schemeClr val="tx1"/>
-              </a:fgClr>
-              <a:bgClr>
-                <a:schemeClr val="accent3">
-                  <a:lumMod val="75000"/>
-                </a:schemeClr>
-              </a:bgClr>
-            </a:pattFill>
-            <a:ln>
-              <a:noFill/>
-            </a:ln>
-          </p:spPr>
-          <p:style>
-            <a:lnRef idx="2">
-              <a:schemeClr val="accent1">
-                <a:shade val="50000"/>
-              </a:schemeClr>
-            </a:lnRef>
-            <a:fillRef idx="1">
-              <a:schemeClr val="accent1"/>
-            </a:fillRef>
-            <a:effectRef idx="0">
-              <a:schemeClr val="accent1"/>
-            </a:effectRef>
-            <a:fontRef idx="minor">
-              <a:schemeClr val="lt1"/>
-            </a:fontRef>
-          </p:style>
-          <p:txBody>
-            <a:bodyPr rtlCol="0" anchor="ctr"/>
-            <a:lstStyle/>
-            <a:p>
-              <a:pPr algn="ctr"/>
-              <a:endParaRPr lang="en-IN"/>
-            </a:p>
-          </p:txBody>
-        </p:sp>
-      </p:grpSp>
-      <p:sp>
-        <p:nvSpPr>
-          <p:cNvPr id="13" name="Rectangular Callout 12"/>
-          <p:cNvSpPr/>
-          <p:nvPr/>
-        </p:nvSpPr>
-        <p:spPr>
-          <a:xfrm>
-            <a:off x="2031976" y="5552217"/>
-            <a:ext cx="4001913" cy="1151671"/>
-          </a:xfrm>
-          <a:prstGeom prst="wedgeRectCallout">
-            <a:avLst>
-              <a:gd name="adj1" fmla="val -77611"/>
-              <a:gd name="adj2" fmla="val 41037"/>
-            </a:avLst>
-          </a:prstGeom>
-          <a:solidFill>
-            <a:schemeClr val="bg1"/>
-          </a:solidFill>
-          <a:ln w="38100">
-            <a:solidFill>
-              <a:schemeClr val="accent1"/>
-            </a:solidFill>
-          </a:ln>
-        </p:spPr>
-        <p:style>
-          <a:lnRef idx="2">
-            <a:schemeClr val="accent1">
-              <a:shade val="50000"/>
-            </a:schemeClr>
-          </a:lnRef>
-          <a:fillRef idx="1">
-            <a:schemeClr val="accent1"/>
-          </a:fillRef>
-          <a:effectRef idx="0">
-            <a:schemeClr val="accent1"/>
-          </a:effectRef>
-          <a:fontRef idx="minor">
-            <a:schemeClr val="lt1"/>
-          </a:fontRef>
-        </p:style>
-        <p:txBody>
-          <a:bodyPr rtlCol="0" anchor="ctr"/>
-          <a:lstStyle/>
-          <a:p>
-            <a:pPr algn="ctr"/>
-            <a:r>
-              <a:rPr lang="en-US" sz="2400" dirty="0" smtClean="0">
-                <a:solidFill>
-                  <a:schemeClr val="tx1"/>
-                </a:solidFill>
-                <a:latin typeface="+mj-lt"/>
-              </a:rPr>
-              <a:t>It might still get confused if there are 4 points equally close 2 of them red and 2 green </a:t>
-            </a:r>
-            <a:r>
-              <a:rPr lang="en-US" sz="2400" dirty="0" smtClean="0">
-                <a:solidFill>
-                  <a:schemeClr val="tx1"/>
-                </a:solidFill>
-                <a:latin typeface="+mj-lt"/>
-                <a:sym typeface="Wingdings" panose="05000000000000000000" pitchFamily="2" charset="2"/>
-              </a:rPr>
-              <a:t></a:t>
-            </a:r>
-            <a:endParaRPr lang="en-US" sz="2400" dirty="0">
-              <a:solidFill>
-                <a:schemeClr val="tx1"/>
-              </a:solidFill>
-              <a:latin typeface="+mj-lt"/>
-            </a:endParaRPr>
-          </a:p>
-        </p:txBody>
-      </p:sp>
-      <p:pic>
-        <p:nvPicPr>
-          <p:cNvPr id="14" name="Picture 13"/>
-          <p:cNvPicPr>
-            <a:picLocks noChangeAspect="1"/>
-          </p:cNvPicPr>
-          <p:nvPr/>
-        </p:nvPicPr>
-        <p:blipFill>
-          <a:blip r:embed="rId3" cstate="print">
-            <a:extLst>
-              <a:ext uri="{28A0092B-C50C-407E-A947-70E740481C1C}">
-                <a14:useLocalDpi xmlns:a14="http://schemas.microsoft.com/office/drawing/2010/main" val="0"/>
-              </a:ext>
-            </a:extLst>
-          </a:blip>
-          <a:stretch>
-            <a:fillRect/>
-          </a:stretch>
-        </p:blipFill>
-        <p:spPr>
-          <a:xfrm>
-            <a:off x="10491082" y="154413"/>
-            <a:ext cx="1859004" cy="1859004"/>
-          </a:xfrm>
-          <a:prstGeom prst="rect">
-            <a:avLst/>
-          </a:prstGeom>
-        </p:spPr>
-      </p:pic>
-      <p:sp>
-        <p:nvSpPr>
-          <p:cNvPr id="15" name="Rectangular Callout 14"/>
-          <p:cNvSpPr/>
-          <p:nvPr/>
-        </p:nvSpPr>
-        <p:spPr>
-          <a:xfrm>
-            <a:off x="6944629" y="151994"/>
-            <a:ext cx="3589619" cy="1412557"/>
-          </a:xfrm>
-          <a:prstGeom prst="wedgeRectCallout">
-            <a:avLst>
-              <a:gd name="adj1" fmla="val 71654"/>
-              <a:gd name="adj2" fmla="val 41476"/>
-            </a:avLst>
-          </a:prstGeom>
-          <a:solidFill>
-            <a:schemeClr val="bg1"/>
-          </a:solidFill>
-          <a:ln w="38100">
-            <a:solidFill>
-              <a:schemeClr val="accent1"/>
-            </a:solidFill>
-          </a:ln>
-        </p:spPr>
-        <p:style>
-          <a:lnRef idx="2">
-            <a:schemeClr val="accent1">
-              <a:shade val="50000"/>
-            </a:schemeClr>
-          </a:lnRef>
-          <a:fillRef idx="1">
-            <a:schemeClr val="accent1"/>
-          </a:fillRef>
-          <a:effectRef idx="0">
-            <a:schemeClr val="accent1"/>
-          </a:effectRef>
-          <a:fontRef idx="minor">
-            <a:schemeClr val="lt1"/>
-          </a:fontRef>
-        </p:style>
-        <p:txBody>
-          <a:bodyPr rtlCol="0" anchor="ctr"/>
-          <a:lstStyle/>
-          <a:p>
-            <a:pPr algn="ctr"/>
-            <a:r>
-              <a:rPr lang="en-IN" sz="2400" dirty="0" smtClean="0">
-                <a:solidFill>
-                  <a:schemeClr val="tx1"/>
-                </a:solidFill>
-                <a:latin typeface="+mj-lt"/>
-              </a:rPr>
-              <a:t>Indeed, since we would have to not only predict for that data point, but also for other data points around it!</a:t>
-            </a:r>
-            <a:endParaRPr lang="en-IN" sz="2400" dirty="0">
-              <a:solidFill>
-                <a:schemeClr val="tx1"/>
-              </a:solidFill>
-              <a:latin typeface="+mj-lt"/>
-            </a:endParaRPr>
-          </a:p>
-        </p:txBody>
-      </p:sp>
-    </p:spTree>
-    <p:extLst>
-      <p:ext uri="{BB962C8B-B14F-4D97-AF65-F5344CB8AC3E}">
-        <p14:creationId xmlns:p14="http://schemas.microsoft.com/office/powerpoint/2010/main" val="486562382"/>
-      </p:ext>
-    </p:extLst>
-  </p:cSld>
-  <p:clrMapOvr>
-    <a:masterClrMapping/>
-  </p:clrMapOvr>
-  <p:timing>
-    <p:tnLst>
-      <p:par>
-        <p:cTn id="1" dur="indefinite" restart="never" nodeType="tmRoot">
-          <p:childTnLst>
-            <p:seq concurrent="1" nextAc="seek">
-              <p:cTn id="2" dur="indefinite" nodeType="mainSeq">
-                <p:childTnLst>
-                  <p:par>
-                    <p:cTn id="3" fill="hold">
-                      <p:stCondLst>
-                        <p:cond delay="indefinite"/>
-                      </p:stCondLst>
-                      <p:childTnLst>
-                        <p:par>
-                          <p:cTn id="4" fill="hold">
-                            <p:stCondLst>
-                              <p:cond delay="0"/>
-                            </p:stCondLst>
-                            <p:childTnLst>
-                              <p:par>
-                                <p:cTn id="5" presetID="1" presetClass="entr" presetSubtype="0" fill="hold" grpId="0" nodeType="clickEffect">
-                                  <p:stCondLst>
-                                    <p:cond delay="0"/>
-                                  </p:stCondLst>
-                                  <p:childTnLst>
-                                    <p:set>
-                                      <p:cBhvr>
-                                        <p:cTn id="6" dur="1" fill="hold">
-                                          <p:stCondLst>
-                                            <p:cond delay="0"/>
-                                          </p:stCondLst>
-                                        </p:cTn>
-                                        <p:tgtEl>
-                                          <p:spTgt spid="3">
-                                            <p:txEl>
-                                              <p:pRg st="0" end="0"/>
-                                            </p:txEl>
-                                          </p:spTgt>
-                                        </p:tgtEl>
-                                        <p:attrNameLst>
-                                          <p:attrName>style.visibility</p:attrName>
-                                        </p:attrNameLst>
-                                      </p:cBhvr>
-                                      <p:to>
-                                        <p:strVal val="visible"/>
-                                      </p:to>
-                                    </p:set>
-                                  </p:childTnLst>
-                                </p:cTn>
-                              </p:par>
-                            </p:childTnLst>
-                          </p:cTn>
-                        </p:par>
-                      </p:childTnLst>
-                    </p:cTn>
-                  </p:par>
-                  <p:par>
-                    <p:cTn id="7" fill="hold">
-                      <p:stCondLst>
-                        <p:cond delay="indefinite"/>
-                      </p:stCondLst>
-                      <p:childTnLst>
-                        <p:par>
-                          <p:cTn id="8" fill="hold">
-                            <p:stCondLst>
-                              <p:cond delay="0"/>
-                            </p:stCondLst>
-                            <p:childTnLst>
-                              <p:par>
-                                <p:cTn id="9" presetID="1" presetClass="entr" presetSubtype="0" fill="hold" grpId="0" nodeType="clickEffect">
-                                  <p:stCondLst>
-                                    <p:cond delay="0"/>
-                                  </p:stCondLst>
-                                  <p:childTnLst>
-                                    <p:set>
-                                      <p:cBhvr>
-                                        <p:cTn id="10" dur="1" fill="hold">
-                                          <p:stCondLst>
-                                            <p:cond delay="0"/>
-                                          </p:stCondLst>
-                                        </p:cTn>
-                                        <p:tgtEl>
-                                          <p:spTgt spid="3">
-                                            <p:txEl>
-                                              <p:pRg st="1" end="1"/>
-                                            </p:txEl>
-                                          </p:spTgt>
-                                        </p:tgtEl>
-                                        <p:attrNameLst>
-                                          <p:attrName>style.visibility</p:attrName>
-                                        </p:attrNameLst>
-                                      </p:cBhvr>
-                                      <p:to>
-                                        <p:strVal val="visible"/>
-                                      </p:to>
-                                    </p:set>
-                                  </p:childTnLst>
-                                </p:cTn>
-                              </p:par>
-                            </p:childTnLst>
-                          </p:cTn>
-                        </p:par>
-                      </p:childTnLst>
-                    </p:cTn>
-                  </p:par>
-                  <p:par>
-                    <p:cTn id="11" fill="hold">
-                      <p:stCondLst>
-                        <p:cond delay="indefinite"/>
-                      </p:stCondLst>
-                      <p:childTnLst>
-                        <p:par>
-                          <p:cTn id="12" fill="hold">
-                            <p:stCondLst>
-                              <p:cond delay="0"/>
-                            </p:stCondLst>
-                            <p:childTnLst>
-                              <p:par>
-                                <p:cTn id="13" presetID="1" presetClass="entr" presetSubtype="0" fill="hold" grpId="0" nodeType="clickEffect">
-                                  <p:stCondLst>
-                                    <p:cond delay="0"/>
-                                  </p:stCondLst>
-                                  <p:childTnLst>
-                                    <p:set>
-                                      <p:cBhvr>
-                                        <p:cTn id="14" dur="1" fill="hold">
-                                          <p:stCondLst>
-                                            <p:cond delay="0"/>
-                                          </p:stCondLst>
-                                        </p:cTn>
-                                        <p:tgtEl>
-                                          <p:spTgt spid="3">
-                                            <p:txEl>
-                                              <p:pRg st="2" end="2"/>
-                                            </p:txEl>
-                                          </p:spTgt>
-                                        </p:tgtEl>
-                                        <p:attrNameLst>
-                                          <p:attrName>style.visibility</p:attrName>
-                                        </p:attrNameLst>
-                                      </p:cBhvr>
-                                      <p:to>
-                                        <p:strVal val="visible"/>
-                                      </p:to>
-                                    </p:set>
-                                  </p:childTnLst>
-                                </p:cTn>
-                              </p:par>
-                            </p:childTnLst>
-                          </p:cTn>
-                        </p:par>
-                      </p:childTnLst>
-                    </p:cTn>
-                  </p:par>
-                  <p:par>
-                    <p:cTn id="15" fill="hold">
-                      <p:stCondLst>
-                        <p:cond delay="indefinite"/>
-                      </p:stCondLst>
-                      <p:childTnLst>
-                        <p:par>
-                          <p:cTn id="16" fill="hold">
-                            <p:stCondLst>
-                              <p:cond delay="0"/>
-                            </p:stCondLst>
-                            <p:childTnLst>
-                              <p:par>
-                                <p:cTn id="17" presetID="1" presetClass="entr" presetSubtype="0" fill="hold" grpId="0" nodeType="clickEffect">
-                                  <p:stCondLst>
-                                    <p:cond delay="0"/>
-                                  </p:stCondLst>
-                                  <p:childTnLst>
-                                    <p:set>
-                                      <p:cBhvr>
-                                        <p:cTn id="18" dur="1" fill="hold">
-                                          <p:stCondLst>
-                                            <p:cond delay="0"/>
-                                          </p:stCondLst>
-                                        </p:cTn>
-                                        <p:tgtEl>
-                                          <p:spTgt spid="3">
-                                            <p:txEl>
-                                              <p:pRg st="3" end="3"/>
-                                            </p:txEl>
-                                          </p:spTgt>
-                                        </p:tgtEl>
-                                        <p:attrNameLst>
-                                          <p:attrName>style.visibility</p:attrName>
-                                        </p:attrNameLst>
-                                      </p:cBhvr>
-                                      <p:to>
-                                        <p:strVal val="visible"/>
-                                      </p:to>
-                                    </p:set>
-                                  </p:childTnLst>
-                                </p:cTn>
-                              </p:par>
-                            </p:childTnLst>
-                          </p:cTn>
-                        </p:par>
-                      </p:childTnLst>
-                    </p:cTn>
-                  </p:par>
-                  <p:par>
-                    <p:cTn id="19" fill="hold">
-                      <p:stCondLst>
-                        <p:cond delay="indefinite"/>
-                      </p:stCondLst>
-                      <p:childTnLst>
-                        <p:par>
-                          <p:cTn id="20" fill="hold">
-                            <p:stCondLst>
-                              <p:cond delay="0"/>
-                            </p:stCondLst>
-                            <p:childTnLst>
-                              <p:par>
-                                <p:cTn id="21" presetID="1" presetClass="entr" presetSubtype="0" fill="hold" nodeType="clickEffect">
-                                  <p:stCondLst>
-                                    <p:cond delay="0"/>
-                                  </p:stCondLst>
-                                  <p:childTnLst>
-                                    <p:set>
-                                      <p:cBhvr>
-                                        <p:cTn id="22" dur="1" fill="hold">
-                                          <p:stCondLst>
-                                            <p:cond delay="0"/>
-                                          </p:stCondLst>
-                                        </p:cTn>
-                                        <p:tgtEl>
-                                          <p:spTgt spid="5"/>
-                                        </p:tgtEl>
-                                        <p:attrNameLst>
-                                          <p:attrName>style.visibility</p:attrName>
-                                        </p:attrNameLst>
-                                      </p:cBhvr>
-                                      <p:to>
-                                        <p:strVal val="visible"/>
-                                      </p:to>
-                                    </p:set>
-                                  </p:childTnLst>
-                                </p:cTn>
-                              </p:par>
-                            </p:childTnLst>
-                          </p:cTn>
-                        </p:par>
-                        <p:par>
-                          <p:cTn id="23" fill="hold">
-                            <p:stCondLst>
-                              <p:cond delay="0"/>
-                            </p:stCondLst>
-                            <p:childTnLst>
-                              <p:par>
-                                <p:cTn id="24" presetID="22" presetClass="entr" presetSubtype="2" fill="hold" grpId="0" nodeType="afterEffect">
-                                  <p:stCondLst>
-                                    <p:cond delay="0"/>
-                                  </p:stCondLst>
-                                  <p:childTnLst>
-                                    <p:set>
-                                      <p:cBhvr>
-                                        <p:cTn id="25" dur="1" fill="hold">
-                                          <p:stCondLst>
-                                            <p:cond delay="0"/>
-                                          </p:stCondLst>
-                                        </p:cTn>
-                                        <p:tgtEl>
-                                          <p:spTgt spid="6"/>
-                                        </p:tgtEl>
-                                        <p:attrNameLst>
-                                          <p:attrName>style.visibility</p:attrName>
-                                        </p:attrNameLst>
-                                      </p:cBhvr>
-                                      <p:to>
-                                        <p:strVal val="visible"/>
-                                      </p:to>
-                                    </p:set>
-                                    <p:animEffect transition="in" filter="wipe(right)">
-                                      <p:cBhvr>
-                                        <p:cTn id="26" dur="500"/>
-                                        <p:tgtEl>
-                                          <p:spTgt spid="6"/>
-                                        </p:tgtEl>
-                                      </p:cBhvr>
-                                    </p:animEffect>
-                                  </p:childTnLst>
-                                </p:cTn>
-                              </p:par>
-                            </p:childTnLst>
-                          </p:cTn>
-                        </p:par>
-                      </p:childTnLst>
-                    </p:cTn>
-                  </p:par>
-                  <p:par>
-                    <p:cTn id="27" fill="hold">
-                      <p:stCondLst>
-                        <p:cond delay="indefinite"/>
-                      </p:stCondLst>
-                      <p:childTnLst>
-                        <p:par>
-                          <p:cTn id="28" fill="hold">
-                            <p:stCondLst>
-                              <p:cond delay="0"/>
-                            </p:stCondLst>
-                            <p:childTnLst>
-                              <p:par>
-                                <p:cTn id="29" presetID="1" presetClass="entr" presetSubtype="0" fill="hold" nodeType="clickEffect">
-                                  <p:stCondLst>
-                                    <p:cond delay="0"/>
-                                  </p:stCondLst>
-                                  <p:childTnLst>
-                                    <p:set>
-                                      <p:cBhvr>
-                                        <p:cTn id="30" dur="1" fill="hold">
-                                          <p:stCondLst>
-                                            <p:cond delay="0"/>
-                                          </p:stCondLst>
-                                        </p:cTn>
-                                        <p:tgtEl>
-                                          <p:spTgt spid="7"/>
-                                        </p:tgtEl>
-                                        <p:attrNameLst>
-                                          <p:attrName>style.visibility</p:attrName>
-                                        </p:attrNameLst>
-                                      </p:cBhvr>
-                                      <p:to>
-                                        <p:strVal val="visible"/>
-                                      </p:to>
-                                    </p:set>
-                                  </p:childTnLst>
-                                </p:cTn>
-                              </p:par>
-                            </p:childTnLst>
-                          </p:cTn>
-                        </p:par>
-                        <p:par>
-                          <p:cTn id="31" fill="hold">
-                            <p:stCondLst>
-                              <p:cond delay="0"/>
-                            </p:stCondLst>
-                            <p:childTnLst>
-                              <p:par>
-                                <p:cTn id="32" presetID="22" presetClass="entr" presetSubtype="8" fill="hold" grpId="0" nodeType="afterEffect">
-                                  <p:stCondLst>
-                                    <p:cond delay="0"/>
-                                  </p:stCondLst>
-                                  <p:childTnLst>
-                                    <p:set>
-                                      <p:cBhvr>
-                                        <p:cTn id="33" dur="1" fill="hold">
-                                          <p:stCondLst>
-                                            <p:cond delay="0"/>
-                                          </p:stCondLst>
-                                        </p:cTn>
-                                        <p:tgtEl>
-                                          <p:spTgt spid="13"/>
-                                        </p:tgtEl>
-                                        <p:attrNameLst>
-                                          <p:attrName>style.visibility</p:attrName>
-                                        </p:attrNameLst>
-                                      </p:cBhvr>
-                                      <p:to>
-                                        <p:strVal val="visible"/>
-                                      </p:to>
-                                    </p:set>
-                                    <p:animEffect transition="in" filter="wipe(left)">
-                                      <p:cBhvr>
-                                        <p:cTn id="34" dur="500"/>
-                                        <p:tgtEl>
-                                          <p:spTgt spid="13"/>
-                                        </p:tgtEl>
-                                      </p:cBhvr>
-                                    </p:animEffect>
-                                  </p:childTnLst>
-                                </p:cTn>
-                              </p:par>
-                            </p:childTnLst>
-                          </p:cTn>
-                        </p:par>
-                      </p:childTnLst>
-                    </p:cTn>
-                  </p:par>
-                  <p:par>
-                    <p:cTn id="35" fill="hold">
-                      <p:stCondLst>
-                        <p:cond delay="indefinite"/>
-                      </p:stCondLst>
-                      <p:childTnLst>
-                        <p:par>
-                          <p:cTn id="36" fill="hold">
-                            <p:stCondLst>
-                              <p:cond delay="0"/>
-                            </p:stCondLst>
-                            <p:childTnLst>
-                              <p:par>
-                                <p:cTn id="37" presetID="1" presetClass="entr" presetSubtype="0" fill="hold" nodeType="clickEffect">
-                                  <p:stCondLst>
-                                    <p:cond delay="0"/>
-                                  </p:stCondLst>
-                                  <p:childTnLst>
-                                    <p:set>
-                                      <p:cBhvr>
-                                        <p:cTn id="38" dur="1" fill="hold">
-                                          <p:stCondLst>
-                                            <p:cond delay="0"/>
-                                          </p:stCondLst>
-                                        </p:cTn>
-                                        <p:tgtEl>
-                                          <p:spTgt spid="14"/>
-                                        </p:tgtEl>
-                                        <p:attrNameLst>
-                                          <p:attrName>style.visibility</p:attrName>
-                                        </p:attrNameLst>
-                                      </p:cBhvr>
-                                      <p:to>
-                                        <p:strVal val="visible"/>
-                                      </p:to>
-                                    </p:set>
-                                  </p:childTnLst>
-                                </p:cTn>
-                              </p:par>
-                            </p:childTnLst>
-                          </p:cTn>
-                        </p:par>
-                        <p:par>
-                          <p:cTn id="39" fill="hold">
-                            <p:stCondLst>
-                              <p:cond delay="0"/>
-                            </p:stCondLst>
-                            <p:childTnLst>
-                              <p:par>
-                                <p:cTn id="40" presetID="22" presetClass="entr" presetSubtype="2" fill="hold" grpId="0" nodeType="afterEffect">
-                                  <p:stCondLst>
-                                    <p:cond delay="0"/>
-                                  </p:stCondLst>
-                                  <p:childTnLst>
-                                    <p:set>
-                                      <p:cBhvr>
-                                        <p:cTn id="41" dur="1" fill="hold">
-                                          <p:stCondLst>
-                                            <p:cond delay="0"/>
-                                          </p:stCondLst>
-                                        </p:cTn>
-                                        <p:tgtEl>
-                                          <p:spTgt spid="15"/>
-                                        </p:tgtEl>
-                                        <p:attrNameLst>
-                                          <p:attrName>style.visibility</p:attrName>
-                                        </p:attrNameLst>
-                                      </p:cBhvr>
-                                      <p:to>
-                                        <p:strVal val="visible"/>
-                                      </p:to>
-                                    </p:set>
-                                    <p:animEffect transition="in" filter="wipe(right)">
-                                      <p:cBhvr>
-                                        <p:cTn id="42" dur="500"/>
-                                        <p:tgtEl>
-                                          <p:spTgt spid="15"/>
-                                        </p:tgtEl>
-                                      </p:cBhvr>
-                                    </p:animEffect>
-                                  </p:childTnLst>
-                                </p:cTn>
-                              </p:par>
-                            </p:childTnLst>
-                          </p:cTn>
-                        </p:par>
-                      </p:childTnLst>
-                    </p:cTn>
-                  </p:par>
-                  <p:par>
-                    <p:cTn id="43" fill="hold">
-                      <p:stCondLst>
-                        <p:cond delay="indefinite"/>
-                      </p:stCondLst>
-                      <p:childTnLst>
-                        <p:par>
-                          <p:cTn id="44" fill="hold">
-                            <p:stCondLst>
-                              <p:cond delay="0"/>
-                            </p:stCondLst>
-                            <p:childTnLst>
-                              <p:par>
-                                <p:cTn id="45" presetID="1" presetClass="entr" presetSubtype="0" fill="hold" grpId="0" nodeType="clickEffect">
-                                  <p:stCondLst>
-                                    <p:cond delay="0"/>
-                                  </p:stCondLst>
-                                  <p:childTnLst>
-                                    <p:set>
-                                      <p:cBhvr>
-                                        <p:cTn id="46" dur="1" fill="hold">
-                                          <p:stCondLst>
-                                            <p:cond delay="0"/>
-                                          </p:stCondLst>
-                                        </p:cTn>
-                                        <p:tgtEl>
-                                          <p:spTgt spid="3">
-                                            <p:txEl>
-                                              <p:pRg st="4" end="4"/>
-                                            </p:txEl>
-                                          </p:spTgt>
-                                        </p:tgtEl>
-                                        <p:attrNameLst>
-                                          <p:attrName>style.visibility</p:attrName>
-                                        </p:attrNameLst>
-                                      </p:cBhvr>
-                                      <p:to>
-                                        <p:strVal val="visible"/>
-                                      </p:to>
-                                    </p:set>
-                                  </p:childTnLst>
-                                </p:cTn>
-                              </p:par>
-                            </p:childTnLst>
-                          </p:cTn>
-                        </p:par>
-                      </p:childTnLst>
-                    </p:cTn>
-                  </p:par>
-                </p:childTnLst>
-              </p:cTn>
-              <p:prevCondLst>
-                <p:cond evt="onPrev" delay="0">
-                  <p:tgtEl>
-                    <p:sldTgt/>
-                  </p:tgtEl>
-                </p:cond>
-              </p:prevCondLst>
-              <p:nextCondLst>
-                <p:cond evt="onNext" delay="0">
-                  <p:tgtEl>
-                    <p:sldTgt/>
-                  </p:tgtEl>
-                </p:cond>
-              </p:nextCondLst>
-            </p:seq>
-          </p:childTnLst>
-        </p:cTn>
-      </p:par>
-    </p:tnLst>
-    <p:bldLst>
-      <p:bldP spid="3" grpId="0" uiExpand="1" build="p"/>
-      <p:bldP spid="6" grpId="0" animBg="1"/>
-      <p:bldP spid="13" grpId="0" animBg="1"/>
-      <p:bldP spid="15" grpId="0" animBg="1"/>
-    </p:bldLst>
-  </p:timing>
-</p:sld>
-</file>
-
-<file path=ppt/slides/slide3.xml><?xml version="1.0" encoding="utf-8"?>
 <p:sld xmlns:a="http://schemas.openxmlformats.org/drawingml/2006/main" xmlns:r="http://schemas.openxmlformats.org/officeDocument/2006/relationships" xmlns:p="http://schemas.openxmlformats.org/presentationml/2006/main">
   <p:cSld>
     <p:spTree>
@@ -17924,7 +12949,7 @@
           <a:p>
             <a:fld id="{157B8E69-23A9-4619-9CFE-E27BFD8A78F9}" type="slidenum">
               <a:rPr lang="en-US" smtClean="0"/>
-              <a:t>3</a:t>
+              <a:t>2</a:t>
             </a:fld>
             <a:endParaRPr lang="en-US"/>
           </a:p>
@@ -19808,7 +14833,7 @@
 </p:sld>
 </file>
 
-<file path=ppt/slides/slide4.xml><?xml version="1.0" encoding="utf-8"?>
+<file path=ppt/slides/slide3.xml><?xml version="1.0" encoding="utf-8"?>
 <p:sld xmlns:a="http://schemas.openxmlformats.org/drawingml/2006/main" xmlns:r="http://schemas.openxmlformats.org/officeDocument/2006/relationships" xmlns:p="http://schemas.openxmlformats.org/presentationml/2006/main">
   <p:cSld>
     <p:spTree>
@@ -19873,7 +14898,7 @@
           <a:p>
             <a:fld id="{157B8E69-23A9-4619-9CFE-E27BFD8A78F9}" type="slidenum">
               <a:rPr lang="en-US" smtClean="0"/>
-              <a:t>4</a:t>
+              <a:t>3</a:t>
             </a:fld>
             <a:endParaRPr lang="en-US"/>
           </a:p>
@@ -24281,7 +19306,7 @@
 </p:sld>
 </file>
 
-<file path=ppt/slides/slide5.xml><?xml version="1.0" encoding="utf-8"?>
+<file path=ppt/slides/slide4.xml><?xml version="1.0" encoding="utf-8"?>
 <p:sld xmlns:a="http://schemas.openxmlformats.org/drawingml/2006/main" xmlns:r="http://schemas.openxmlformats.org/officeDocument/2006/relationships" xmlns:p="http://schemas.openxmlformats.org/presentationml/2006/main">
   <p:cSld>
     <p:spTree>
@@ -24337,7 +19362,7 @@
           <a:p>
             <a:fld id="{157B8E69-23A9-4619-9CFE-E27BFD8A78F9}" type="slidenum">
               <a:rPr lang="en-US" smtClean="0"/>
-              <a:t>5</a:t>
+              <a:t>4</a:t>
             </a:fld>
             <a:endParaRPr lang="en-US"/>
           </a:p>
@@ -27966,7 +22991,7 @@
 </p:sld>
 </file>
 
-<file path=ppt/slides/slide6.xml><?xml version="1.0" encoding="utf-8"?>
+<file path=ppt/slides/slide5.xml><?xml version="1.0" encoding="utf-8"?>
 <p:sld xmlns:a="http://schemas.openxmlformats.org/drawingml/2006/main" xmlns:r="http://schemas.openxmlformats.org/officeDocument/2006/relationships" xmlns:p="http://schemas.openxmlformats.org/presentationml/2006/main">
   <p:cSld>
     <p:spTree>
@@ -28072,7 +23097,7 @@
           <a:p>
             <a:fld id="{157B8E69-23A9-4619-9CFE-E27BFD8A78F9}" type="slidenum">
               <a:rPr lang="en-US" smtClean="0"/>
-              <a:t>6</a:t>
+              <a:t>5</a:t>
             </a:fld>
             <a:endParaRPr lang="en-US"/>
           </a:p>
@@ -29816,7 +24841,7 @@
 </p:sld>
 </file>
 
-<file path=ppt/slides/slide7.xml><?xml version="1.0" encoding="utf-8"?>
+<file path=ppt/slides/slide6.xml><?xml version="1.0" encoding="utf-8"?>
 <p:sld xmlns:a="http://schemas.openxmlformats.org/drawingml/2006/main" xmlns:r="http://schemas.openxmlformats.org/officeDocument/2006/relationships" xmlns:p="http://schemas.openxmlformats.org/presentationml/2006/main">
   <p:cSld>
     <p:spTree>
@@ -30481,7 +25506,7 @@
           <a:p>
             <a:fld id="{157B8E69-23A9-4619-9CFE-E27BFD8A78F9}" type="slidenum">
               <a:rPr lang="en-US" smtClean="0"/>
-              <a:t>7</a:t>
+              <a:t>6</a:t>
             </a:fld>
             <a:endParaRPr lang="en-US"/>
           </a:p>
@@ -32291,7 +27316,7 @@
 </p:sld>
 </file>
 
-<file path=ppt/slides/slide8.xml><?xml version="1.0" encoding="utf-8"?>
+<file path=ppt/slides/slide7.xml><?xml version="1.0" encoding="utf-8"?>
 <p:sld xmlns:a="http://schemas.openxmlformats.org/drawingml/2006/main" xmlns:r="http://schemas.openxmlformats.org/officeDocument/2006/relationships" xmlns:p="http://schemas.openxmlformats.org/presentationml/2006/main">
   <p:cSld>
     <p:spTree>
@@ -33164,7 +28189,7 @@
           <a:p>
             <a:fld id="{157B8E69-23A9-4619-9CFE-E27BFD8A78F9}" type="slidenum">
               <a:rPr lang="en-US" smtClean="0"/>
-              <a:t>8</a:t>
+              <a:t>7</a:t>
             </a:fld>
             <a:endParaRPr lang="en-US"/>
           </a:p>
@@ -37671,7 +32696,7 @@
 </p:sld>
 </file>
 
-<file path=ppt/slides/slide9.xml><?xml version="1.0" encoding="utf-8"?>
+<file path=ppt/slides/slide8.xml><?xml version="1.0" encoding="utf-8"?>
 <p:sld xmlns:a="http://schemas.openxmlformats.org/drawingml/2006/main" xmlns:r="http://schemas.openxmlformats.org/officeDocument/2006/relationships" xmlns:p="http://schemas.openxmlformats.org/presentationml/2006/main">
   <p:cSld>
     <p:spTree>
@@ -38698,7 +33723,7 @@
           <a:p>
             <a:fld id="{157B8E69-23A9-4619-9CFE-E27BFD8A78F9}" type="slidenum">
               <a:rPr lang="en-US" smtClean="0"/>
-              <a:t>9</a:t>
+              <a:t>8</a:t>
             </a:fld>
             <a:endParaRPr lang="en-US"/>
           </a:p>
@@ -40137,6 +35162,3543 @@
 </p:sld>
 </file>
 
+<file path=ppt/slides/slide9.xml><?xml version="1.0" encoding="utf-8"?>
+<p:sld xmlns:a="http://schemas.openxmlformats.org/drawingml/2006/main" xmlns:r="http://schemas.openxmlformats.org/officeDocument/2006/relationships" xmlns:p="http://schemas.openxmlformats.org/presentationml/2006/main">
+  <p:cSld>
+    <p:spTree>
+      <p:nvGrpSpPr>
+        <p:cNvPr id="1" name=""/>
+        <p:cNvGrpSpPr/>
+        <p:nvPr/>
+      </p:nvGrpSpPr>
+      <p:grpSpPr>
+        <a:xfrm>
+          <a:off x="0" y="0"/>
+          <a:ext cx="0" cy="0"/>
+          <a:chOff x="0" y="0"/>
+          <a:chExt cx="0" cy="0"/>
+        </a:xfrm>
+      </p:grpSpPr>
+      <p:sp>
+        <p:nvSpPr>
+          <p:cNvPr id="6" name="Rectangle 5"/>
+          <p:cNvSpPr/>
+          <p:nvPr/>
+        </p:nvSpPr>
+        <p:spPr>
+          <a:xfrm>
+            <a:off x="2167845" y="5959011"/>
+            <a:ext cx="7849457" cy="544531"/>
+          </a:xfrm>
+          <a:prstGeom prst="rect">
+            <a:avLst/>
+          </a:prstGeom>
+          <a:solidFill>
+            <a:schemeClr val="accent4">
+              <a:lumMod val="20000"/>
+              <a:lumOff val="80000"/>
+            </a:schemeClr>
+          </a:solidFill>
+          <a:ln>
+            <a:noFill/>
+          </a:ln>
+        </p:spPr>
+        <p:style>
+          <a:lnRef idx="2">
+            <a:schemeClr val="accent1">
+              <a:shade val="50000"/>
+            </a:schemeClr>
+          </a:lnRef>
+          <a:fillRef idx="1">
+            <a:schemeClr val="accent1"/>
+          </a:fillRef>
+          <a:effectRef idx="0">
+            <a:schemeClr val="accent1"/>
+          </a:effectRef>
+          <a:fontRef idx="minor">
+            <a:schemeClr val="lt1"/>
+          </a:fontRef>
+        </p:style>
+        <p:txBody>
+          <a:bodyPr rtlCol="0" anchor="ctr"/>
+          <a:lstStyle/>
+          <a:p>
+            <a:pPr algn="ctr"/>
+            <a:endParaRPr lang="en-IN"/>
+          </a:p>
+        </p:txBody>
+      </p:sp>
+      <p:sp>
+        <p:nvSpPr>
+          <p:cNvPr id="5" name="Rectangle 4"/>
+          <p:cNvSpPr/>
+          <p:nvPr/>
+        </p:nvSpPr>
+        <p:spPr>
+          <a:xfrm>
+            <a:off x="5774076" y="5229546"/>
+            <a:ext cx="1397286" cy="523982"/>
+          </a:xfrm>
+          <a:prstGeom prst="rect">
+            <a:avLst/>
+          </a:prstGeom>
+          <a:solidFill>
+            <a:schemeClr val="accent2">
+              <a:lumMod val="20000"/>
+              <a:lumOff val="80000"/>
+            </a:schemeClr>
+          </a:solidFill>
+          <a:ln>
+            <a:noFill/>
+          </a:ln>
+        </p:spPr>
+        <p:style>
+          <a:lnRef idx="2">
+            <a:schemeClr val="accent1">
+              <a:shade val="50000"/>
+            </a:schemeClr>
+          </a:lnRef>
+          <a:fillRef idx="1">
+            <a:schemeClr val="accent1"/>
+          </a:fillRef>
+          <a:effectRef idx="0">
+            <a:schemeClr val="accent1"/>
+          </a:effectRef>
+          <a:fontRef idx="minor">
+            <a:schemeClr val="lt1"/>
+          </a:fontRef>
+        </p:style>
+        <p:txBody>
+          <a:bodyPr rtlCol="0" anchor="ctr"/>
+          <a:lstStyle/>
+          <a:p>
+            <a:pPr algn="ctr"/>
+            <a:endParaRPr lang="en-IN"/>
+          </a:p>
+        </p:txBody>
+      </p:sp>
+      <p:sp>
+        <p:nvSpPr>
+          <p:cNvPr id="2" name="Title 1"/>
+          <p:cNvSpPr>
+            <a:spLocks noGrp="1"/>
+          </p:cNvSpPr>
+          <p:nvPr>
+            <p:ph type="title"/>
+          </p:nvPr>
+        </p:nvSpPr>
+        <p:spPr/>
+        <p:txBody>
+          <a:bodyPr/>
+          <a:lstStyle/>
+          <a:p>
+            <a:r>
+              <a:rPr lang="en-IN" dirty="0" smtClean="0"/>
+              <a:t>Support Vector Machines</a:t>
+            </a:r>
+            <a:endParaRPr lang="en-IN" dirty="0"/>
+          </a:p>
+        </p:txBody>
+      </p:sp>
+      <mc:AlternateContent xmlns:mc="http://schemas.openxmlformats.org/markup-compatibility/2006" xmlns:a14="http://schemas.microsoft.com/office/drawing/2010/main">
+        <mc:Choice Requires="a14">
+          <p:sp>
+            <p:nvSpPr>
+              <p:cNvPr id="3" name="Content Placeholder 2"/>
+              <p:cNvSpPr>
+                <a:spLocks noGrp="1"/>
+              </p:cNvSpPr>
+              <p:nvPr>
+                <p:ph idx="1"/>
+              </p:nvPr>
+            </p:nvSpPr>
+            <p:spPr>
+              <a:xfrm>
+                <a:off x="253354" y="1111624"/>
+                <a:ext cx="11600328" cy="5746376"/>
+              </a:xfrm>
+            </p:spPr>
+            <p:txBody>
+              <a:bodyPr>
+                <a:normAutofit/>
+              </a:bodyPr>
+              <a:lstStyle/>
+              <a:p>
+                <a:r>
+                  <a:rPr lang="en-IN" dirty="0" smtClean="0"/>
+                  <a:t>Let </a:t>
+                </a:r>
+                <a14:m>
+                  <m:oMath xmlns:m="http://schemas.openxmlformats.org/officeDocument/2006/math">
+                    <m:sSub>
+                      <m:sSubPr>
+                        <m:ctrlPr>
+                          <a:rPr lang="en-IN" b="0" i="1" smtClean="0">
+                            <a:latin typeface="Cambria Math" panose="02040503050406030204" pitchFamily="18" charset="0"/>
+                          </a:rPr>
+                        </m:ctrlPr>
+                      </m:sSubPr>
+                      <m:e>
+                        <m:r>
+                          <a:rPr lang="en-IN" b="0" i="1" smtClean="0">
+                            <a:latin typeface="Cambria Math" panose="02040503050406030204" pitchFamily="18" charset="0"/>
+                          </a:rPr>
+                          <m:t>𝑖</m:t>
+                        </m:r>
+                      </m:e>
+                      <m:sub>
+                        <m:r>
+                          <a:rPr lang="en-IN" b="0" i="1" smtClean="0">
+                            <a:latin typeface="Cambria Math" panose="02040503050406030204" pitchFamily="18" charset="0"/>
+                          </a:rPr>
+                          <m:t>0</m:t>
+                        </m:r>
+                      </m:sub>
+                    </m:sSub>
+                  </m:oMath>
+                </a14:m>
+                <a:r>
+                  <a:rPr lang="en-IN" dirty="0" smtClean="0"/>
+                  <a:t> be the data point that comes closest to the hyperplane i.e. </a:t>
+                </a:r>
+                <a14:m>
+                  <m:oMath xmlns:m="http://schemas.openxmlformats.org/officeDocument/2006/math">
+                    <m:func>
+                      <m:funcPr>
+                        <m:ctrlPr>
+                          <a:rPr lang="en-IN" i="1">
+                            <a:latin typeface="Cambria Math" panose="02040503050406030204" pitchFamily="18" charset="0"/>
+                          </a:rPr>
+                        </m:ctrlPr>
+                      </m:funcPr>
+                      <m:fName>
+                        <m:limLow>
+                          <m:limLowPr>
+                            <m:ctrlPr>
+                              <a:rPr lang="en-IN" i="1">
+                                <a:latin typeface="Cambria Math" panose="02040503050406030204" pitchFamily="18" charset="0"/>
+                              </a:rPr>
+                            </m:ctrlPr>
+                          </m:limLowPr>
+                          <m:e>
+                            <m:r>
+                              <m:rPr>
+                                <m:sty m:val="p"/>
+                              </m:rPr>
+                              <a:rPr lang="en-IN">
+                                <a:latin typeface="Cambria Math" panose="02040503050406030204" pitchFamily="18" charset="0"/>
+                              </a:rPr>
+                              <m:t>min</m:t>
+                            </m:r>
+                          </m:e>
+                          <m:lim>
+                            <m:r>
+                              <a:rPr lang="en-IN" i="1">
+                                <a:latin typeface="Cambria Math" panose="02040503050406030204" pitchFamily="18" charset="0"/>
+                              </a:rPr>
+                              <m:t>𝑖</m:t>
+                            </m:r>
+                            <m:r>
+                              <a:rPr lang="en-IN" i="1">
+                                <a:latin typeface="Cambria Math" panose="02040503050406030204" pitchFamily="18" charset="0"/>
+                              </a:rPr>
+                              <m:t>=1…</m:t>
+                            </m:r>
+                            <m:r>
+                              <a:rPr lang="en-IN" i="1">
+                                <a:latin typeface="Cambria Math" panose="02040503050406030204" pitchFamily="18" charset="0"/>
+                              </a:rPr>
+                              <m:t>𝑛</m:t>
+                            </m:r>
+                          </m:lim>
+                        </m:limLow>
+                      </m:fName>
+                      <m:e>
+                        <m:sSup>
+                          <m:sSupPr>
+                            <m:ctrlPr>
+                              <a:rPr lang="en-IN" i="1">
+                                <a:latin typeface="Cambria Math" panose="02040503050406030204" pitchFamily="18" charset="0"/>
+                              </a:rPr>
+                            </m:ctrlPr>
+                          </m:sSupPr>
+                          <m:e>
+                            <m:r>
+                              <a:rPr lang="en-IN" i="1">
+                                <a:latin typeface="Cambria Math" panose="02040503050406030204" pitchFamily="18" charset="0"/>
+                              </a:rPr>
+                              <m:t>𝑦</m:t>
+                            </m:r>
+                          </m:e>
+                          <m:sup>
+                            <m:r>
+                              <a:rPr lang="en-IN" i="1">
+                                <a:latin typeface="Cambria Math" panose="02040503050406030204" pitchFamily="18" charset="0"/>
+                              </a:rPr>
+                              <m:t>𝑖</m:t>
+                            </m:r>
+                          </m:sup>
+                        </m:sSup>
+                        <m:r>
+                          <a:rPr lang="en-IN" i="1">
+                            <a:latin typeface="Cambria Math" panose="02040503050406030204" pitchFamily="18" charset="0"/>
+                          </a:rPr>
+                          <m:t>⋅</m:t>
+                        </m:r>
+                        <m:d>
+                          <m:dPr>
+                            <m:ctrlPr>
+                              <a:rPr lang="en-IN" i="1">
+                                <a:latin typeface="Cambria Math" panose="02040503050406030204" pitchFamily="18" charset="0"/>
+                              </a:rPr>
+                            </m:ctrlPr>
+                          </m:dPr>
+                          <m:e>
+                            <m:sSup>
+                              <m:sSupPr>
+                                <m:ctrlPr>
+                                  <a:rPr lang="en-IN" i="1">
+                                    <a:latin typeface="Cambria Math" panose="02040503050406030204" pitchFamily="18" charset="0"/>
+                                  </a:rPr>
+                                </m:ctrlPr>
+                              </m:sSupPr>
+                              <m:e>
+                                <m:r>
+                                  <a:rPr lang="en-IN" b="1">
+                                    <a:latin typeface="Cambria Math" panose="02040503050406030204" pitchFamily="18" charset="0"/>
+                                  </a:rPr>
+                                  <m:t>𝐰</m:t>
+                                </m:r>
+                              </m:e>
+                              <m:sup>
+                                <m:r>
+                                  <a:rPr lang="en-IN">
+                                    <a:latin typeface="Cambria Math" panose="02040503050406030204" pitchFamily="18" charset="0"/>
+                                  </a:rPr>
+                                  <m:t>⊤</m:t>
+                                </m:r>
+                              </m:sup>
+                            </m:sSup>
+                            <m:sSup>
+                              <m:sSupPr>
+                                <m:ctrlPr>
+                                  <a:rPr lang="en-IN" b="1" i="1">
+                                    <a:latin typeface="Cambria Math" panose="02040503050406030204" pitchFamily="18" charset="0"/>
+                                  </a:rPr>
+                                </m:ctrlPr>
+                              </m:sSupPr>
+                              <m:e>
+                                <m:r>
+                                  <a:rPr lang="en-IN" b="1">
+                                    <a:latin typeface="Cambria Math" panose="02040503050406030204" pitchFamily="18" charset="0"/>
+                                  </a:rPr>
+                                  <m:t>𝐱</m:t>
+                                </m:r>
+                              </m:e>
+                              <m:sup>
+                                <m:r>
+                                  <a:rPr lang="en-IN" i="1">
+                                    <a:latin typeface="Cambria Math" panose="02040503050406030204" pitchFamily="18" charset="0"/>
+                                  </a:rPr>
+                                  <m:t>𝑖</m:t>
+                                </m:r>
+                              </m:sup>
+                            </m:sSup>
+                            <m:r>
+                              <a:rPr lang="en-IN">
+                                <a:latin typeface="Cambria Math" panose="02040503050406030204" pitchFamily="18" charset="0"/>
+                              </a:rPr>
+                              <m:t>+</m:t>
+                            </m:r>
+                            <m:r>
+                              <a:rPr lang="en-IN">
+                                <a:latin typeface="Cambria Math" panose="02040503050406030204" pitchFamily="18" charset="0"/>
+                              </a:rPr>
+                              <m:t>𝑏</m:t>
+                            </m:r>
+                          </m:e>
+                        </m:d>
+                      </m:e>
+                    </m:func>
+                    <m:r>
+                      <a:rPr lang="en-IN" b="0" i="0" smtClean="0">
+                        <a:latin typeface="Cambria Math" panose="02040503050406030204" pitchFamily="18" charset="0"/>
+                      </a:rPr>
+                      <m:t>=</m:t>
+                    </m:r>
+                    <m:sSup>
+                      <m:sSupPr>
+                        <m:ctrlPr>
+                          <a:rPr lang="en-IN" i="1">
+                            <a:latin typeface="Cambria Math" panose="02040503050406030204" pitchFamily="18" charset="0"/>
+                          </a:rPr>
+                        </m:ctrlPr>
+                      </m:sSupPr>
+                      <m:e>
+                        <m:r>
+                          <a:rPr lang="en-IN" i="1">
+                            <a:latin typeface="Cambria Math" panose="02040503050406030204" pitchFamily="18" charset="0"/>
+                          </a:rPr>
+                          <m:t>𝑦</m:t>
+                        </m:r>
+                      </m:e>
+                      <m:sup>
+                        <m:sSub>
+                          <m:sSubPr>
+                            <m:ctrlPr>
+                              <a:rPr lang="en-IN" i="1">
+                                <a:latin typeface="Cambria Math" panose="02040503050406030204" pitchFamily="18" charset="0"/>
+                              </a:rPr>
+                            </m:ctrlPr>
+                          </m:sSubPr>
+                          <m:e>
+                            <m:r>
+                              <a:rPr lang="en-IN" i="1">
+                                <a:latin typeface="Cambria Math" panose="02040503050406030204" pitchFamily="18" charset="0"/>
+                              </a:rPr>
+                              <m:t>𝑖</m:t>
+                            </m:r>
+                          </m:e>
+                          <m:sub>
+                            <m:r>
+                              <a:rPr lang="en-IN" i="1">
+                                <a:latin typeface="Cambria Math" panose="02040503050406030204" pitchFamily="18" charset="0"/>
+                              </a:rPr>
+                              <m:t>0</m:t>
+                            </m:r>
+                          </m:sub>
+                        </m:sSub>
+                      </m:sup>
+                    </m:sSup>
+                    <m:r>
+                      <a:rPr lang="en-IN" i="1">
+                        <a:latin typeface="Cambria Math" panose="02040503050406030204" pitchFamily="18" charset="0"/>
+                      </a:rPr>
+                      <m:t>⋅</m:t>
+                    </m:r>
+                    <m:d>
+                      <m:dPr>
+                        <m:ctrlPr>
+                          <a:rPr lang="en-IN" i="1">
+                            <a:latin typeface="Cambria Math" panose="02040503050406030204" pitchFamily="18" charset="0"/>
+                          </a:rPr>
+                        </m:ctrlPr>
+                      </m:dPr>
+                      <m:e>
+                        <m:sSup>
+                          <m:sSupPr>
+                            <m:ctrlPr>
+                              <a:rPr lang="en-IN" i="1">
+                                <a:latin typeface="Cambria Math" panose="02040503050406030204" pitchFamily="18" charset="0"/>
+                              </a:rPr>
+                            </m:ctrlPr>
+                          </m:sSupPr>
+                          <m:e>
+                            <m:r>
+                              <a:rPr lang="en-IN" b="1">
+                                <a:latin typeface="Cambria Math" panose="02040503050406030204" pitchFamily="18" charset="0"/>
+                              </a:rPr>
+                              <m:t>𝐰</m:t>
+                            </m:r>
+                          </m:e>
+                          <m:sup>
+                            <m:r>
+                              <a:rPr lang="en-IN">
+                                <a:latin typeface="Cambria Math" panose="02040503050406030204" pitchFamily="18" charset="0"/>
+                              </a:rPr>
+                              <m:t>⊤</m:t>
+                            </m:r>
+                          </m:sup>
+                        </m:sSup>
+                        <m:sSup>
+                          <m:sSupPr>
+                            <m:ctrlPr>
+                              <a:rPr lang="en-IN" b="1" i="1">
+                                <a:latin typeface="Cambria Math" panose="02040503050406030204" pitchFamily="18" charset="0"/>
+                              </a:rPr>
+                            </m:ctrlPr>
+                          </m:sSupPr>
+                          <m:e>
+                            <m:r>
+                              <a:rPr lang="en-IN" b="1">
+                                <a:latin typeface="Cambria Math" panose="02040503050406030204" pitchFamily="18" charset="0"/>
+                              </a:rPr>
+                              <m:t>𝐱</m:t>
+                            </m:r>
+                          </m:e>
+                          <m:sup>
+                            <m:sSub>
+                              <m:sSubPr>
+                                <m:ctrlPr>
+                                  <a:rPr lang="en-IN" i="1">
+                                    <a:latin typeface="Cambria Math" panose="02040503050406030204" pitchFamily="18" charset="0"/>
+                                  </a:rPr>
+                                </m:ctrlPr>
+                              </m:sSubPr>
+                              <m:e>
+                                <m:r>
+                                  <a:rPr lang="en-IN" i="1">
+                                    <a:latin typeface="Cambria Math" panose="02040503050406030204" pitchFamily="18" charset="0"/>
+                                  </a:rPr>
+                                  <m:t>𝑖</m:t>
+                                </m:r>
+                              </m:e>
+                              <m:sub>
+                                <m:r>
+                                  <a:rPr lang="en-IN" i="1">
+                                    <a:latin typeface="Cambria Math" panose="02040503050406030204" pitchFamily="18" charset="0"/>
+                                  </a:rPr>
+                                  <m:t>0</m:t>
+                                </m:r>
+                              </m:sub>
+                            </m:sSub>
+                          </m:sup>
+                        </m:sSup>
+                        <m:r>
+                          <a:rPr lang="en-IN">
+                            <a:latin typeface="Cambria Math" panose="02040503050406030204" pitchFamily="18" charset="0"/>
+                          </a:rPr>
+                          <m:t>+</m:t>
+                        </m:r>
+                        <m:r>
+                          <a:rPr lang="en-IN">
+                            <a:latin typeface="Cambria Math" panose="02040503050406030204" pitchFamily="18" charset="0"/>
+                          </a:rPr>
+                          <m:t>𝑏</m:t>
+                        </m:r>
+                      </m:e>
+                    </m:d>
+                  </m:oMath>
+                </a14:m>
+                <a:endParaRPr lang="en-IN" dirty="0" smtClean="0"/>
+              </a:p>
+              <a:p>
+                <a:r>
+                  <a:rPr lang="en-IN" dirty="0" smtClean="0"/>
+                  <a:t>Recall that all this discussion holds only for a perfect classifier </a:t>
+                </a:r>
+                <a14:m>
+                  <m:oMath xmlns:m="http://schemas.openxmlformats.org/officeDocument/2006/math">
+                    <m:d>
+                      <m:dPr>
+                        <m:ctrlPr>
+                          <a:rPr lang="en-IN" b="0" i="1" smtClean="0">
+                            <a:latin typeface="Cambria Math" panose="02040503050406030204" pitchFamily="18" charset="0"/>
+                          </a:rPr>
+                        </m:ctrlPr>
+                      </m:dPr>
+                      <m:e>
+                        <m:r>
+                          <a:rPr lang="en-IN" b="1" i="0" smtClean="0">
+                            <a:latin typeface="Cambria Math" panose="02040503050406030204" pitchFamily="18" charset="0"/>
+                          </a:rPr>
+                          <m:t>𝐰</m:t>
+                        </m:r>
+                        <m:r>
+                          <a:rPr lang="en-IN" b="0" i="1" smtClean="0">
+                            <a:latin typeface="Cambria Math" panose="02040503050406030204" pitchFamily="18" charset="0"/>
+                          </a:rPr>
+                          <m:t>,</m:t>
+                        </m:r>
+                        <m:r>
+                          <a:rPr lang="en-IN" b="0" i="1" smtClean="0">
+                            <a:latin typeface="Cambria Math" panose="02040503050406030204" pitchFamily="18" charset="0"/>
+                          </a:rPr>
+                          <m:t>𝑏</m:t>
+                        </m:r>
+                      </m:e>
+                    </m:d>
+                  </m:oMath>
+                </a14:m>
+                <a:endParaRPr lang="en-IN" dirty="0" smtClean="0"/>
+              </a:p>
+              <a:p>
+                <a:r>
+                  <a:rPr lang="en-IN" dirty="0" smtClean="0"/>
+                  <a:t>Let </a:t>
+                </a:r>
+                <a14:m>
+                  <m:oMath xmlns:m="http://schemas.openxmlformats.org/officeDocument/2006/math">
+                    <m:r>
+                      <a:rPr lang="en-IN" b="0" i="1" smtClean="0">
+                        <a:latin typeface="Cambria Math" panose="02040503050406030204" pitchFamily="18" charset="0"/>
+                      </a:rPr>
+                      <m:t>𝜖</m:t>
+                    </m:r>
+                    <m:r>
+                      <a:rPr lang="en-IN" b="0" i="1" smtClean="0">
+                        <a:latin typeface="Cambria Math" panose="02040503050406030204" pitchFamily="18" charset="0"/>
+                      </a:rPr>
+                      <m:t>=</m:t>
+                    </m:r>
+                    <m:sSup>
+                      <m:sSupPr>
+                        <m:ctrlPr>
+                          <a:rPr lang="en-IN" i="1">
+                            <a:latin typeface="Cambria Math" panose="02040503050406030204" pitchFamily="18" charset="0"/>
+                          </a:rPr>
+                        </m:ctrlPr>
+                      </m:sSupPr>
+                      <m:e>
+                        <m:r>
+                          <a:rPr lang="en-IN" i="1">
+                            <a:latin typeface="Cambria Math" panose="02040503050406030204" pitchFamily="18" charset="0"/>
+                          </a:rPr>
+                          <m:t>𝑦</m:t>
+                        </m:r>
+                      </m:e>
+                      <m:sup>
+                        <m:sSub>
+                          <m:sSubPr>
+                            <m:ctrlPr>
+                              <a:rPr lang="en-IN" b="0" i="1" smtClean="0">
+                                <a:latin typeface="Cambria Math" panose="02040503050406030204" pitchFamily="18" charset="0"/>
+                              </a:rPr>
+                            </m:ctrlPr>
+                          </m:sSubPr>
+                          <m:e>
+                            <m:r>
+                              <a:rPr lang="en-IN" b="0" i="1" smtClean="0">
+                                <a:latin typeface="Cambria Math" panose="02040503050406030204" pitchFamily="18" charset="0"/>
+                              </a:rPr>
+                              <m:t>𝑖</m:t>
+                            </m:r>
+                          </m:e>
+                          <m:sub>
+                            <m:r>
+                              <a:rPr lang="en-IN" b="0" i="1" smtClean="0">
+                                <a:latin typeface="Cambria Math" panose="02040503050406030204" pitchFamily="18" charset="0"/>
+                              </a:rPr>
+                              <m:t>0</m:t>
+                            </m:r>
+                          </m:sub>
+                        </m:sSub>
+                      </m:sup>
+                    </m:sSup>
+                    <m:r>
+                      <a:rPr lang="en-IN" i="1">
+                        <a:latin typeface="Cambria Math" panose="02040503050406030204" pitchFamily="18" charset="0"/>
+                      </a:rPr>
+                      <m:t>⋅</m:t>
+                    </m:r>
+                    <m:d>
+                      <m:dPr>
+                        <m:ctrlPr>
+                          <a:rPr lang="en-IN" i="1">
+                            <a:latin typeface="Cambria Math" panose="02040503050406030204" pitchFamily="18" charset="0"/>
+                          </a:rPr>
+                        </m:ctrlPr>
+                      </m:dPr>
+                      <m:e>
+                        <m:sSup>
+                          <m:sSupPr>
+                            <m:ctrlPr>
+                              <a:rPr lang="en-IN" i="1">
+                                <a:latin typeface="Cambria Math" panose="02040503050406030204" pitchFamily="18" charset="0"/>
+                              </a:rPr>
+                            </m:ctrlPr>
+                          </m:sSupPr>
+                          <m:e>
+                            <m:r>
+                              <a:rPr lang="en-IN" b="1">
+                                <a:latin typeface="Cambria Math" panose="02040503050406030204" pitchFamily="18" charset="0"/>
+                              </a:rPr>
+                              <m:t>𝐰</m:t>
+                            </m:r>
+                          </m:e>
+                          <m:sup>
+                            <m:r>
+                              <a:rPr lang="en-IN">
+                                <a:latin typeface="Cambria Math" panose="02040503050406030204" pitchFamily="18" charset="0"/>
+                              </a:rPr>
+                              <m:t>⊤</m:t>
+                            </m:r>
+                          </m:sup>
+                        </m:sSup>
+                        <m:sSup>
+                          <m:sSupPr>
+                            <m:ctrlPr>
+                              <a:rPr lang="en-IN" b="1" i="1">
+                                <a:latin typeface="Cambria Math" panose="02040503050406030204" pitchFamily="18" charset="0"/>
+                              </a:rPr>
+                            </m:ctrlPr>
+                          </m:sSupPr>
+                          <m:e>
+                            <m:r>
+                              <a:rPr lang="en-IN" b="1">
+                                <a:latin typeface="Cambria Math" panose="02040503050406030204" pitchFamily="18" charset="0"/>
+                              </a:rPr>
+                              <m:t>𝐱</m:t>
+                            </m:r>
+                          </m:e>
+                          <m:sup>
+                            <m:sSub>
+                              <m:sSubPr>
+                                <m:ctrlPr>
+                                  <a:rPr lang="en-IN" b="0" i="1" smtClean="0">
+                                    <a:latin typeface="Cambria Math" panose="02040503050406030204" pitchFamily="18" charset="0"/>
+                                  </a:rPr>
+                                </m:ctrlPr>
+                              </m:sSubPr>
+                              <m:e>
+                                <m:r>
+                                  <a:rPr lang="en-IN" b="0" i="1" smtClean="0">
+                                    <a:latin typeface="Cambria Math" panose="02040503050406030204" pitchFamily="18" charset="0"/>
+                                  </a:rPr>
+                                  <m:t>𝑖</m:t>
+                                </m:r>
+                              </m:e>
+                              <m:sub>
+                                <m:r>
+                                  <a:rPr lang="en-IN" b="0" i="1" smtClean="0">
+                                    <a:latin typeface="Cambria Math" panose="02040503050406030204" pitchFamily="18" charset="0"/>
+                                  </a:rPr>
+                                  <m:t>0</m:t>
+                                </m:r>
+                              </m:sub>
+                            </m:sSub>
+                          </m:sup>
+                        </m:sSup>
+                        <m:r>
+                          <a:rPr lang="en-IN">
+                            <a:latin typeface="Cambria Math" panose="02040503050406030204" pitchFamily="18" charset="0"/>
+                          </a:rPr>
+                          <m:t>+</m:t>
+                        </m:r>
+                        <m:r>
+                          <a:rPr lang="en-IN">
+                            <a:latin typeface="Cambria Math" panose="02040503050406030204" pitchFamily="18" charset="0"/>
+                          </a:rPr>
+                          <m:t>𝑏</m:t>
+                        </m:r>
+                      </m:e>
+                    </m:d>
+                  </m:oMath>
+                </a14:m>
+                <a:r>
+                  <a:rPr lang="en-IN" dirty="0" smtClean="0"/>
+                  <a:t> and consider </a:t>
+                </a:r>
+                <a14:m>
+                  <m:oMath xmlns:m="http://schemas.openxmlformats.org/officeDocument/2006/math">
+                    <m:acc>
+                      <m:accPr>
+                        <m:chr m:val="̃"/>
+                        <m:ctrlPr>
+                          <a:rPr lang="en-IN" b="0" i="1" smtClean="0">
+                            <a:latin typeface="Cambria Math" panose="02040503050406030204" pitchFamily="18" charset="0"/>
+                          </a:rPr>
+                        </m:ctrlPr>
+                      </m:accPr>
+                      <m:e>
+                        <m:r>
+                          <a:rPr lang="en-IN" b="1" i="0" smtClean="0">
+                            <a:latin typeface="Cambria Math" panose="02040503050406030204" pitchFamily="18" charset="0"/>
+                          </a:rPr>
+                          <m:t>𝐰</m:t>
+                        </m:r>
+                      </m:e>
+                    </m:acc>
+                    <m:r>
+                      <a:rPr lang="en-IN" b="0" i="1" dirty="0" smtClean="0">
+                        <a:latin typeface="Cambria Math" panose="02040503050406030204" pitchFamily="18" charset="0"/>
+                      </a:rPr>
+                      <m:t>=</m:t>
+                    </m:r>
+                    <m:f>
+                      <m:fPr>
+                        <m:type m:val="lin"/>
+                        <m:ctrlPr>
+                          <a:rPr lang="en-IN" b="0" i="1" dirty="0" smtClean="0">
+                            <a:latin typeface="Cambria Math" panose="02040503050406030204" pitchFamily="18" charset="0"/>
+                          </a:rPr>
+                        </m:ctrlPr>
+                      </m:fPr>
+                      <m:num>
+                        <m:r>
+                          <a:rPr lang="en-IN" b="1" dirty="0">
+                            <a:latin typeface="Cambria Math" panose="02040503050406030204" pitchFamily="18" charset="0"/>
+                          </a:rPr>
+                          <m:t>𝐰</m:t>
+                        </m:r>
+                      </m:num>
+                      <m:den>
+                        <m:r>
+                          <a:rPr lang="en-IN" i="1" dirty="0">
+                            <a:latin typeface="Cambria Math" panose="02040503050406030204" pitchFamily="18" charset="0"/>
+                          </a:rPr>
+                          <m:t>𝜖</m:t>
+                        </m:r>
+                      </m:den>
+                    </m:f>
+                    <m:r>
+                      <a:rPr lang="en-IN" b="0" i="1" dirty="0" smtClean="0">
+                        <a:latin typeface="Cambria Math" panose="02040503050406030204" pitchFamily="18" charset="0"/>
+                      </a:rPr>
+                      <m:t>, </m:t>
+                    </m:r>
+                    <m:acc>
+                      <m:accPr>
+                        <m:chr m:val="̃"/>
+                        <m:ctrlPr>
+                          <a:rPr lang="en-IN" b="0" i="1" dirty="0" smtClean="0">
+                            <a:latin typeface="Cambria Math" panose="02040503050406030204" pitchFamily="18" charset="0"/>
+                          </a:rPr>
+                        </m:ctrlPr>
+                      </m:accPr>
+                      <m:e>
+                        <m:r>
+                          <a:rPr lang="en-IN" b="0" i="1" dirty="0" smtClean="0">
+                            <a:latin typeface="Cambria Math" panose="02040503050406030204" pitchFamily="18" charset="0"/>
+                          </a:rPr>
+                          <m:t>𝑏</m:t>
+                        </m:r>
+                      </m:e>
+                    </m:acc>
+                    <m:r>
+                      <a:rPr lang="en-IN" b="0" i="1" dirty="0" smtClean="0">
+                        <a:latin typeface="Cambria Math" panose="02040503050406030204" pitchFamily="18" charset="0"/>
+                      </a:rPr>
+                      <m:t>=</m:t>
+                    </m:r>
+                    <m:f>
+                      <m:fPr>
+                        <m:type m:val="lin"/>
+                        <m:ctrlPr>
+                          <a:rPr lang="en-IN" b="0" i="1" dirty="0" smtClean="0">
+                            <a:latin typeface="Cambria Math" panose="02040503050406030204" pitchFamily="18" charset="0"/>
+                          </a:rPr>
+                        </m:ctrlPr>
+                      </m:fPr>
+                      <m:num>
+                        <m:r>
+                          <a:rPr lang="en-IN" b="0" i="1" dirty="0" smtClean="0">
+                            <a:latin typeface="Cambria Math" panose="02040503050406030204" pitchFamily="18" charset="0"/>
+                          </a:rPr>
+                          <m:t>𝑏</m:t>
+                        </m:r>
+                      </m:num>
+                      <m:den>
+                        <m:r>
+                          <a:rPr lang="en-IN" b="0" i="1" dirty="0" smtClean="0">
+                            <a:latin typeface="Cambria Math" panose="02040503050406030204" pitchFamily="18" charset="0"/>
+                          </a:rPr>
+                          <m:t>𝜖</m:t>
+                        </m:r>
+                      </m:den>
+                    </m:f>
+                  </m:oMath>
+                </a14:m>
+                <a:endParaRPr lang="en-IN" dirty="0" smtClean="0"/>
+              </a:p>
+              <a:p>
+                <a:r>
+                  <a:rPr lang="en-IN" dirty="0" smtClean="0"/>
+                  <a:t>Note this gives us </a:t>
+                </a:r>
+                <a14:m>
+                  <m:oMath xmlns:m="http://schemas.openxmlformats.org/officeDocument/2006/math">
+                    <m:sSup>
+                      <m:sSupPr>
+                        <m:ctrlPr>
+                          <a:rPr lang="en-IN" i="1">
+                            <a:latin typeface="Cambria Math" panose="02040503050406030204" pitchFamily="18" charset="0"/>
+                          </a:rPr>
+                        </m:ctrlPr>
+                      </m:sSupPr>
+                      <m:e>
+                        <m:r>
+                          <a:rPr lang="en-IN" i="1">
+                            <a:latin typeface="Cambria Math" panose="02040503050406030204" pitchFamily="18" charset="0"/>
+                          </a:rPr>
+                          <m:t>𝑦</m:t>
+                        </m:r>
+                      </m:e>
+                      <m:sup>
+                        <m:r>
+                          <a:rPr lang="en-IN" i="1">
+                            <a:latin typeface="Cambria Math" panose="02040503050406030204" pitchFamily="18" charset="0"/>
+                          </a:rPr>
+                          <m:t>𝑖</m:t>
+                        </m:r>
+                      </m:sup>
+                    </m:sSup>
+                    <m:r>
+                      <a:rPr lang="en-IN" i="1">
+                        <a:latin typeface="Cambria Math" panose="02040503050406030204" pitchFamily="18" charset="0"/>
+                      </a:rPr>
+                      <m:t>⋅</m:t>
+                    </m:r>
+                    <m:d>
+                      <m:dPr>
+                        <m:ctrlPr>
+                          <a:rPr lang="en-IN" i="1">
+                            <a:latin typeface="Cambria Math" panose="02040503050406030204" pitchFamily="18" charset="0"/>
+                          </a:rPr>
+                        </m:ctrlPr>
+                      </m:dPr>
+                      <m:e>
+                        <m:sSup>
+                          <m:sSupPr>
+                            <m:ctrlPr>
+                              <a:rPr lang="en-IN" i="1">
+                                <a:latin typeface="Cambria Math" panose="02040503050406030204" pitchFamily="18" charset="0"/>
+                              </a:rPr>
+                            </m:ctrlPr>
+                          </m:sSupPr>
+                          <m:e>
+                            <m:acc>
+                              <m:accPr>
+                                <m:chr m:val="̃"/>
+                                <m:ctrlPr>
+                                  <a:rPr lang="en-IN" b="1" i="1" dirty="0" smtClean="0">
+                                    <a:latin typeface="Cambria Math" panose="02040503050406030204" pitchFamily="18" charset="0"/>
+                                  </a:rPr>
+                                </m:ctrlPr>
+                              </m:accPr>
+                              <m:e>
+                                <m:r>
+                                  <a:rPr lang="en-IN" b="1">
+                                    <a:latin typeface="Cambria Math" panose="02040503050406030204" pitchFamily="18" charset="0"/>
+                                  </a:rPr>
+                                  <m:t>𝐰</m:t>
+                                </m:r>
+                              </m:e>
+                            </m:acc>
+                          </m:e>
+                          <m:sup>
+                            <m:r>
+                              <a:rPr lang="en-IN">
+                                <a:latin typeface="Cambria Math" panose="02040503050406030204" pitchFamily="18" charset="0"/>
+                              </a:rPr>
+                              <m:t>⊤</m:t>
+                            </m:r>
+                          </m:sup>
+                        </m:sSup>
+                        <m:sSup>
+                          <m:sSupPr>
+                            <m:ctrlPr>
+                              <a:rPr lang="en-IN" b="1" i="1">
+                                <a:latin typeface="Cambria Math" panose="02040503050406030204" pitchFamily="18" charset="0"/>
+                              </a:rPr>
+                            </m:ctrlPr>
+                          </m:sSupPr>
+                          <m:e>
+                            <m:r>
+                              <a:rPr lang="en-IN" b="1">
+                                <a:latin typeface="Cambria Math" panose="02040503050406030204" pitchFamily="18" charset="0"/>
+                              </a:rPr>
+                              <m:t>𝐱</m:t>
+                            </m:r>
+                          </m:e>
+                          <m:sup>
+                            <m:r>
+                              <a:rPr lang="en-IN" i="1">
+                                <a:latin typeface="Cambria Math" panose="02040503050406030204" pitchFamily="18" charset="0"/>
+                              </a:rPr>
+                              <m:t>𝑖</m:t>
+                            </m:r>
+                          </m:sup>
+                        </m:sSup>
+                        <m:r>
+                          <a:rPr lang="en-IN">
+                            <a:latin typeface="Cambria Math" panose="02040503050406030204" pitchFamily="18" charset="0"/>
+                          </a:rPr>
+                          <m:t>+</m:t>
+                        </m:r>
+                        <m:acc>
+                          <m:accPr>
+                            <m:chr m:val="̃"/>
+                            <m:ctrlPr>
+                              <a:rPr lang="en-IN" i="1" dirty="0">
+                                <a:latin typeface="Cambria Math" panose="02040503050406030204" pitchFamily="18" charset="0"/>
+                              </a:rPr>
+                            </m:ctrlPr>
+                          </m:accPr>
+                          <m:e>
+                            <m:r>
+                              <a:rPr lang="en-IN" i="1" dirty="0">
+                                <a:latin typeface="Cambria Math" panose="02040503050406030204" pitchFamily="18" charset="0"/>
+                              </a:rPr>
+                              <m:t>𝑏</m:t>
+                            </m:r>
+                          </m:e>
+                        </m:acc>
+                      </m:e>
+                    </m:d>
+                    <m:r>
+                      <a:rPr lang="en-IN" b="0" i="1" smtClean="0">
+                        <a:latin typeface="Cambria Math" panose="02040503050406030204" pitchFamily="18" charset="0"/>
+                      </a:rPr>
+                      <m:t>≥1</m:t>
+                    </m:r>
+                  </m:oMath>
+                </a14:m>
+                <a:r>
+                  <a:rPr lang="en-IN" dirty="0" smtClean="0"/>
+                  <a:t> for all </a:t>
+                </a:r>
+                <a14:m>
+                  <m:oMath xmlns:m="http://schemas.openxmlformats.org/officeDocument/2006/math">
+                    <m:r>
+                      <a:rPr lang="en-IN" b="0" i="1" smtClean="0">
+                        <a:latin typeface="Cambria Math" panose="02040503050406030204" pitchFamily="18" charset="0"/>
+                      </a:rPr>
+                      <m:t>𝑖</m:t>
+                    </m:r>
+                    <m:r>
+                      <a:rPr lang="en-IN" b="0" i="1" smtClean="0">
+                        <a:latin typeface="Cambria Math" panose="02040503050406030204" pitchFamily="18" charset="0"/>
+                      </a:rPr>
+                      <m:t>=1…</m:t>
+                    </m:r>
+                    <m:r>
+                      <a:rPr lang="en-IN" b="0" i="1" smtClean="0">
+                        <a:latin typeface="Cambria Math" panose="02040503050406030204" pitchFamily="18" charset="0"/>
+                      </a:rPr>
+                      <m:t>𝑛</m:t>
+                    </m:r>
+                  </m:oMath>
+                </a14:m>
+                <a:r>
+                  <a:rPr lang="en-IN" dirty="0" smtClean="0"/>
+                  <a:t> as well as </a:t>
+                </a:r>
+                <a14:m>
+                  <m:oMath xmlns:m="http://schemas.openxmlformats.org/officeDocument/2006/math">
+                    <m:func>
+                      <m:funcPr>
+                        <m:ctrlPr>
+                          <a:rPr lang="en-IN" i="1">
+                            <a:latin typeface="Cambria Math" panose="02040503050406030204" pitchFamily="18" charset="0"/>
+                          </a:rPr>
+                        </m:ctrlPr>
+                      </m:funcPr>
+                      <m:fName>
+                        <m:limLow>
+                          <m:limLowPr>
+                            <m:ctrlPr>
+                              <a:rPr lang="en-IN" i="1">
+                                <a:latin typeface="Cambria Math" panose="02040503050406030204" pitchFamily="18" charset="0"/>
+                              </a:rPr>
+                            </m:ctrlPr>
+                          </m:limLowPr>
+                          <m:e>
+                            <m:r>
+                              <m:rPr>
+                                <m:sty m:val="p"/>
+                              </m:rPr>
+                              <a:rPr lang="en-IN">
+                                <a:latin typeface="Cambria Math" panose="02040503050406030204" pitchFamily="18" charset="0"/>
+                              </a:rPr>
+                              <m:t>min</m:t>
+                            </m:r>
+                          </m:e>
+                          <m:lim>
+                            <m:r>
+                              <a:rPr lang="en-IN" i="1">
+                                <a:latin typeface="Cambria Math" panose="02040503050406030204" pitchFamily="18" charset="0"/>
+                              </a:rPr>
+                              <m:t>𝑖</m:t>
+                            </m:r>
+                            <m:r>
+                              <a:rPr lang="en-IN" i="1">
+                                <a:latin typeface="Cambria Math" panose="02040503050406030204" pitchFamily="18" charset="0"/>
+                              </a:rPr>
+                              <m:t>=1…</m:t>
+                            </m:r>
+                            <m:r>
+                              <a:rPr lang="en-IN" i="1">
+                                <a:latin typeface="Cambria Math" panose="02040503050406030204" pitchFamily="18" charset="0"/>
+                              </a:rPr>
+                              <m:t>𝑛</m:t>
+                            </m:r>
+                          </m:lim>
+                        </m:limLow>
+                      </m:fName>
+                      <m:e>
+                        <m:f>
+                          <m:fPr>
+                            <m:type m:val="lin"/>
+                            <m:ctrlPr>
+                              <a:rPr lang="en-IN" i="1">
+                                <a:latin typeface="Cambria Math" panose="02040503050406030204" pitchFamily="18" charset="0"/>
+                              </a:rPr>
+                            </m:ctrlPr>
+                          </m:fPr>
+                          <m:num>
+                            <m:sSup>
+                              <m:sSupPr>
+                                <m:ctrlPr>
+                                  <a:rPr lang="en-IN" i="1">
+                                    <a:latin typeface="Cambria Math" panose="02040503050406030204" pitchFamily="18" charset="0"/>
+                                  </a:rPr>
+                                </m:ctrlPr>
+                              </m:sSupPr>
+                              <m:e>
+                                <m:r>
+                                  <a:rPr lang="en-IN" i="1">
+                                    <a:latin typeface="Cambria Math" panose="02040503050406030204" pitchFamily="18" charset="0"/>
+                                  </a:rPr>
+                                  <m:t>𝑦</m:t>
+                                </m:r>
+                              </m:e>
+                              <m:sup>
+                                <m:r>
+                                  <a:rPr lang="en-IN" i="1">
+                                    <a:latin typeface="Cambria Math" panose="02040503050406030204" pitchFamily="18" charset="0"/>
+                                  </a:rPr>
+                                  <m:t>𝑖</m:t>
+                                </m:r>
+                              </m:sup>
+                            </m:sSup>
+                            <m:r>
+                              <a:rPr lang="en-IN" i="1">
+                                <a:latin typeface="Cambria Math" panose="02040503050406030204" pitchFamily="18" charset="0"/>
+                              </a:rPr>
+                              <m:t>⋅</m:t>
+                            </m:r>
+                            <m:d>
+                              <m:dPr>
+                                <m:ctrlPr>
+                                  <a:rPr lang="en-IN" i="1">
+                                    <a:latin typeface="Cambria Math" panose="02040503050406030204" pitchFamily="18" charset="0"/>
+                                  </a:rPr>
+                                </m:ctrlPr>
+                              </m:dPr>
+                              <m:e>
+                                <m:sSup>
+                                  <m:sSupPr>
+                                    <m:ctrlPr>
+                                      <a:rPr lang="en-IN" i="1">
+                                        <a:latin typeface="Cambria Math" panose="02040503050406030204" pitchFamily="18" charset="0"/>
+                                      </a:rPr>
+                                    </m:ctrlPr>
+                                  </m:sSupPr>
+                                  <m:e>
+                                    <m:acc>
+                                      <m:accPr>
+                                        <m:chr m:val="̃"/>
+                                        <m:ctrlPr>
+                                          <a:rPr lang="en-IN" b="1" i="1" dirty="0" smtClean="0">
+                                            <a:latin typeface="Cambria Math" panose="02040503050406030204" pitchFamily="18" charset="0"/>
+                                          </a:rPr>
+                                        </m:ctrlPr>
+                                      </m:accPr>
+                                      <m:e>
+                                        <m:r>
+                                          <a:rPr lang="en-IN" b="1" i="0" dirty="0" smtClean="0">
+                                            <a:latin typeface="Cambria Math" panose="02040503050406030204" pitchFamily="18" charset="0"/>
+                                          </a:rPr>
+                                          <m:t>𝐰</m:t>
+                                        </m:r>
+                                      </m:e>
+                                    </m:acc>
+                                  </m:e>
+                                  <m:sup>
+                                    <m:r>
+                                      <a:rPr lang="en-IN">
+                                        <a:latin typeface="Cambria Math" panose="02040503050406030204" pitchFamily="18" charset="0"/>
+                                      </a:rPr>
+                                      <m:t>⊤</m:t>
+                                    </m:r>
+                                  </m:sup>
+                                </m:sSup>
+                                <m:sSup>
+                                  <m:sSupPr>
+                                    <m:ctrlPr>
+                                      <a:rPr lang="en-IN" b="1" i="1">
+                                        <a:latin typeface="Cambria Math" panose="02040503050406030204" pitchFamily="18" charset="0"/>
+                                      </a:rPr>
+                                    </m:ctrlPr>
+                                  </m:sSupPr>
+                                  <m:e>
+                                    <m:r>
+                                      <a:rPr lang="en-IN" b="1">
+                                        <a:latin typeface="Cambria Math" panose="02040503050406030204" pitchFamily="18" charset="0"/>
+                                      </a:rPr>
+                                      <m:t>𝐱</m:t>
+                                    </m:r>
+                                  </m:e>
+                                  <m:sup>
+                                    <m:r>
+                                      <a:rPr lang="en-IN" i="1">
+                                        <a:latin typeface="Cambria Math" panose="02040503050406030204" pitchFamily="18" charset="0"/>
+                                      </a:rPr>
+                                      <m:t>𝑖</m:t>
+                                    </m:r>
+                                  </m:sup>
+                                </m:sSup>
+                                <m:r>
+                                  <a:rPr lang="en-IN">
+                                    <a:latin typeface="Cambria Math" panose="02040503050406030204" pitchFamily="18" charset="0"/>
+                                  </a:rPr>
+                                  <m:t>+</m:t>
+                                </m:r>
+                                <m:acc>
+                                  <m:accPr>
+                                    <m:chr m:val="̃"/>
+                                    <m:ctrlPr>
+                                      <a:rPr lang="en-IN" i="1" dirty="0">
+                                        <a:latin typeface="Cambria Math" panose="02040503050406030204" pitchFamily="18" charset="0"/>
+                                      </a:rPr>
+                                    </m:ctrlPr>
+                                  </m:accPr>
+                                  <m:e>
+                                    <m:r>
+                                      <a:rPr lang="en-IN" i="1" dirty="0">
+                                        <a:latin typeface="Cambria Math" panose="02040503050406030204" pitchFamily="18" charset="0"/>
+                                      </a:rPr>
+                                      <m:t>𝑏</m:t>
+                                    </m:r>
+                                  </m:e>
+                                </m:acc>
+                              </m:e>
+                            </m:d>
+                          </m:num>
+                          <m:den>
+                            <m:sSub>
+                              <m:sSubPr>
+                                <m:ctrlPr>
+                                  <a:rPr lang="en-IN" i="1">
+                                    <a:latin typeface="Cambria Math" panose="02040503050406030204" pitchFamily="18" charset="0"/>
+                                  </a:rPr>
+                                </m:ctrlPr>
+                              </m:sSubPr>
+                              <m:e>
+                                <m:d>
+                                  <m:dPr>
+                                    <m:begChr m:val="‖"/>
+                                    <m:endChr m:val="‖"/>
+                                    <m:ctrlPr>
+                                      <a:rPr lang="en-IN" i="1">
+                                        <a:latin typeface="Cambria Math" panose="02040503050406030204" pitchFamily="18" charset="0"/>
+                                      </a:rPr>
+                                    </m:ctrlPr>
+                                  </m:dPr>
+                                  <m:e>
+                                    <m:acc>
+                                      <m:accPr>
+                                        <m:chr m:val="̃"/>
+                                        <m:ctrlPr>
+                                          <a:rPr lang="en-IN" b="1" i="1" dirty="0" smtClean="0">
+                                            <a:latin typeface="Cambria Math" panose="02040503050406030204" pitchFamily="18" charset="0"/>
+                                          </a:rPr>
+                                        </m:ctrlPr>
+                                      </m:accPr>
+                                      <m:e>
+                                        <m:r>
+                                          <a:rPr lang="en-IN" b="1" i="0" dirty="0" smtClean="0">
+                                            <a:latin typeface="Cambria Math" panose="02040503050406030204" pitchFamily="18" charset="0"/>
+                                          </a:rPr>
+                                          <m:t>𝐰</m:t>
+                                        </m:r>
+                                      </m:e>
+                                    </m:acc>
+                                  </m:e>
+                                </m:d>
+                              </m:e>
+                              <m:sub>
+                                <m:r>
+                                  <a:rPr lang="en-IN">
+                                    <a:latin typeface="Cambria Math" panose="02040503050406030204" pitchFamily="18" charset="0"/>
+                                  </a:rPr>
+                                  <m:t>2</m:t>
+                                </m:r>
+                              </m:sub>
+                            </m:sSub>
+                          </m:den>
+                        </m:f>
+                      </m:e>
+                    </m:func>
+                    <m:r>
+                      <a:rPr lang="en-IN" b="0" i="1" smtClean="0">
+                        <a:latin typeface="Cambria Math" panose="02040503050406030204" pitchFamily="18" charset="0"/>
+                      </a:rPr>
+                      <m:t>=</m:t>
+                    </m:r>
+                  </m:oMath>
+                </a14:m>
+                <a:r>
+                  <a:rPr lang="en-IN" dirty="0" smtClean="0"/>
+                  <a:t> </a:t>
+                </a:r>
+                <a14:m>
+                  <m:oMath xmlns:m="http://schemas.openxmlformats.org/officeDocument/2006/math">
+                    <m:f>
+                      <m:fPr>
+                        <m:type m:val="lin"/>
+                        <m:ctrlPr>
+                          <a:rPr lang="en-IN" i="1">
+                            <a:latin typeface="Cambria Math" panose="02040503050406030204" pitchFamily="18" charset="0"/>
+                          </a:rPr>
+                        </m:ctrlPr>
+                      </m:fPr>
+                      <m:num>
+                        <m:r>
+                          <a:rPr lang="en-IN" i="1" smtClean="0">
+                            <a:latin typeface="Cambria Math" panose="02040503050406030204" pitchFamily="18" charset="0"/>
+                          </a:rPr>
+                          <m:t>1</m:t>
+                        </m:r>
+                      </m:num>
+                      <m:den>
+                        <m:sSub>
+                          <m:sSubPr>
+                            <m:ctrlPr>
+                              <a:rPr lang="en-IN" i="1">
+                                <a:latin typeface="Cambria Math" panose="02040503050406030204" pitchFamily="18" charset="0"/>
+                              </a:rPr>
+                            </m:ctrlPr>
+                          </m:sSubPr>
+                          <m:e>
+                            <m:d>
+                              <m:dPr>
+                                <m:begChr m:val="‖"/>
+                                <m:endChr m:val="‖"/>
+                                <m:ctrlPr>
+                                  <a:rPr lang="en-IN" i="1">
+                                    <a:latin typeface="Cambria Math" panose="02040503050406030204" pitchFamily="18" charset="0"/>
+                                  </a:rPr>
+                                </m:ctrlPr>
+                              </m:dPr>
+                              <m:e>
+                                <m:acc>
+                                  <m:accPr>
+                                    <m:chr m:val="̃"/>
+                                    <m:ctrlPr>
+                                      <a:rPr lang="en-IN" b="1" i="1" dirty="0">
+                                        <a:latin typeface="Cambria Math" panose="02040503050406030204" pitchFamily="18" charset="0"/>
+                                      </a:rPr>
+                                    </m:ctrlPr>
+                                  </m:accPr>
+                                  <m:e>
+                                    <m:r>
+                                      <a:rPr lang="en-IN" b="1" dirty="0">
+                                        <a:latin typeface="Cambria Math" panose="02040503050406030204" pitchFamily="18" charset="0"/>
+                                      </a:rPr>
+                                      <m:t>𝐰</m:t>
+                                    </m:r>
+                                  </m:e>
+                                </m:acc>
+                              </m:e>
+                            </m:d>
+                          </m:e>
+                          <m:sub>
+                            <m:r>
+                              <a:rPr lang="en-IN">
+                                <a:latin typeface="Cambria Math" panose="02040503050406030204" pitchFamily="18" charset="0"/>
+                              </a:rPr>
+                              <m:t>2</m:t>
+                            </m:r>
+                          </m:sub>
+                        </m:sSub>
+                      </m:den>
+                    </m:f>
+                  </m:oMath>
+                </a14:m>
+                <a:r>
+                  <a:rPr lang="en-IN" dirty="0" smtClean="0"/>
+                  <a:t> (as </a:t>
+                </a:r>
+                <a14:m>
+                  <m:oMath xmlns:m="http://schemas.openxmlformats.org/officeDocument/2006/math">
+                    <m:sSup>
+                      <m:sSupPr>
+                        <m:ctrlPr>
+                          <a:rPr lang="en-IN" i="1">
+                            <a:latin typeface="Cambria Math" panose="02040503050406030204" pitchFamily="18" charset="0"/>
+                          </a:rPr>
+                        </m:ctrlPr>
+                      </m:sSupPr>
+                      <m:e>
+                        <m:r>
+                          <a:rPr lang="en-IN" i="1">
+                            <a:latin typeface="Cambria Math" panose="02040503050406030204" pitchFamily="18" charset="0"/>
+                          </a:rPr>
+                          <m:t>𝑦</m:t>
+                        </m:r>
+                      </m:e>
+                      <m:sup>
+                        <m:sSub>
+                          <m:sSubPr>
+                            <m:ctrlPr>
+                              <a:rPr lang="en-IN" b="0" i="1" smtClean="0">
+                                <a:latin typeface="Cambria Math" panose="02040503050406030204" pitchFamily="18" charset="0"/>
+                              </a:rPr>
+                            </m:ctrlPr>
+                          </m:sSubPr>
+                          <m:e>
+                            <m:r>
+                              <a:rPr lang="en-IN" i="1">
+                                <a:latin typeface="Cambria Math" panose="02040503050406030204" pitchFamily="18" charset="0"/>
+                              </a:rPr>
+                              <m:t>𝑖</m:t>
+                            </m:r>
+                          </m:e>
+                          <m:sub>
+                            <m:r>
+                              <a:rPr lang="en-IN" b="0" i="1" smtClean="0">
+                                <a:latin typeface="Cambria Math" panose="02040503050406030204" pitchFamily="18" charset="0"/>
+                              </a:rPr>
+                              <m:t>0</m:t>
+                            </m:r>
+                          </m:sub>
+                        </m:sSub>
+                      </m:sup>
+                    </m:sSup>
+                    <m:r>
+                      <a:rPr lang="en-IN" i="1">
+                        <a:latin typeface="Cambria Math" panose="02040503050406030204" pitchFamily="18" charset="0"/>
+                      </a:rPr>
+                      <m:t>⋅</m:t>
+                    </m:r>
+                    <m:d>
+                      <m:dPr>
+                        <m:ctrlPr>
+                          <a:rPr lang="en-IN" i="1">
+                            <a:latin typeface="Cambria Math" panose="02040503050406030204" pitchFamily="18" charset="0"/>
+                          </a:rPr>
+                        </m:ctrlPr>
+                      </m:dPr>
+                      <m:e>
+                        <m:sSup>
+                          <m:sSupPr>
+                            <m:ctrlPr>
+                              <a:rPr lang="en-IN" i="1">
+                                <a:latin typeface="Cambria Math" panose="02040503050406030204" pitchFamily="18" charset="0"/>
+                              </a:rPr>
+                            </m:ctrlPr>
+                          </m:sSupPr>
+                          <m:e>
+                            <m:acc>
+                              <m:accPr>
+                                <m:chr m:val="̃"/>
+                                <m:ctrlPr>
+                                  <a:rPr lang="en-IN" b="1" i="1" dirty="0">
+                                    <a:latin typeface="Cambria Math" panose="02040503050406030204" pitchFamily="18" charset="0"/>
+                                  </a:rPr>
+                                </m:ctrlPr>
+                              </m:accPr>
+                              <m:e>
+                                <m:r>
+                                  <a:rPr lang="en-IN" b="1">
+                                    <a:latin typeface="Cambria Math" panose="02040503050406030204" pitchFamily="18" charset="0"/>
+                                  </a:rPr>
+                                  <m:t>𝐰</m:t>
+                                </m:r>
+                              </m:e>
+                            </m:acc>
+                          </m:e>
+                          <m:sup>
+                            <m:r>
+                              <a:rPr lang="en-IN">
+                                <a:latin typeface="Cambria Math" panose="02040503050406030204" pitchFamily="18" charset="0"/>
+                              </a:rPr>
+                              <m:t>⊤</m:t>
+                            </m:r>
+                          </m:sup>
+                        </m:sSup>
+                        <m:sSup>
+                          <m:sSupPr>
+                            <m:ctrlPr>
+                              <a:rPr lang="en-IN" b="1" i="1">
+                                <a:latin typeface="Cambria Math" panose="02040503050406030204" pitchFamily="18" charset="0"/>
+                              </a:rPr>
+                            </m:ctrlPr>
+                          </m:sSupPr>
+                          <m:e>
+                            <m:r>
+                              <a:rPr lang="en-IN" b="1">
+                                <a:latin typeface="Cambria Math" panose="02040503050406030204" pitchFamily="18" charset="0"/>
+                              </a:rPr>
+                              <m:t>𝐱</m:t>
+                            </m:r>
+                          </m:e>
+                          <m:sup>
+                            <m:sSub>
+                              <m:sSubPr>
+                                <m:ctrlPr>
+                                  <a:rPr lang="en-IN" b="0" i="1" smtClean="0">
+                                    <a:latin typeface="Cambria Math" panose="02040503050406030204" pitchFamily="18" charset="0"/>
+                                  </a:rPr>
+                                </m:ctrlPr>
+                              </m:sSubPr>
+                              <m:e>
+                                <m:r>
+                                  <a:rPr lang="en-IN" i="1">
+                                    <a:latin typeface="Cambria Math" panose="02040503050406030204" pitchFamily="18" charset="0"/>
+                                  </a:rPr>
+                                  <m:t>𝑖</m:t>
+                                </m:r>
+                              </m:e>
+                              <m:sub>
+                                <m:r>
+                                  <a:rPr lang="en-IN" b="0" i="1" smtClean="0">
+                                    <a:latin typeface="Cambria Math" panose="02040503050406030204" pitchFamily="18" charset="0"/>
+                                  </a:rPr>
+                                  <m:t>0</m:t>
+                                </m:r>
+                              </m:sub>
+                            </m:sSub>
+                          </m:sup>
+                        </m:sSup>
+                        <m:r>
+                          <a:rPr lang="en-IN">
+                            <a:latin typeface="Cambria Math" panose="02040503050406030204" pitchFamily="18" charset="0"/>
+                          </a:rPr>
+                          <m:t>+</m:t>
+                        </m:r>
+                        <m:acc>
+                          <m:accPr>
+                            <m:chr m:val="̃"/>
+                            <m:ctrlPr>
+                              <a:rPr lang="en-IN" i="1" dirty="0">
+                                <a:latin typeface="Cambria Math" panose="02040503050406030204" pitchFamily="18" charset="0"/>
+                              </a:rPr>
+                            </m:ctrlPr>
+                          </m:accPr>
+                          <m:e>
+                            <m:r>
+                              <a:rPr lang="en-IN" i="1" dirty="0">
+                                <a:latin typeface="Cambria Math" panose="02040503050406030204" pitchFamily="18" charset="0"/>
+                              </a:rPr>
+                              <m:t>𝑏</m:t>
+                            </m:r>
+                          </m:e>
+                        </m:acc>
+                      </m:e>
+                    </m:d>
+                    <m:r>
+                      <a:rPr lang="en-IN" b="0" i="1" smtClean="0">
+                        <a:latin typeface="Cambria Math" panose="02040503050406030204" pitchFamily="18" charset="0"/>
+                      </a:rPr>
+                      <m:t>=</m:t>
+                    </m:r>
+                    <m:r>
+                      <a:rPr lang="en-IN" i="1">
+                        <a:latin typeface="Cambria Math" panose="02040503050406030204" pitchFamily="18" charset="0"/>
+                      </a:rPr>
+                      <m:t>1</m:t>
+                    </m:r>
+                  </m:oMath>
+                </a14:m>
+                <a:r>
+                  <a:rPr lang="en-IN" dirty="0" smtClean="0"/>
+                  <a:t>)</a:t>
+                </a:r>
+              </a:p>
+              <a:p>
+                <a:r>
+                  <a:rPr lang="en-IN" dirty="0" smtClean="0"/>
+                  <a:t>Thus, instead of searching for </a:t>
+                </a:r>
+                <a14:m>
+                  <m:oMath xmlns:m="http://schemas.openxmlformats.org/officeDocument/2006/math">
+                    <m:d>
+                      <m:dPr>
+                        <m:ctrlPr>
+                          <a:rPr lang="en-IN" b="0" i="1" smtClean="0">
+                            <a:latin typeface="Cambria Math" panose="02040503050406030204" pitchFamily="18" charset="0"/>
+                          </a:rPr>
+                        </m:ctrlPr>
+                      </m:dPr>
+                      <m:e>
+                        <m:r>
+                          <a:rPr lang="en-IN" b="1" i="0" smtClean="0">
+                            <a:latin typeface="Cambria Math" panose="02040503050406030204" pitchFamily="18" charset="0"/>
+                          </a:rPr>
+                          <m:t>𝐰</m:t>
+                        </m:r>
+                        <m:r>
+                          <a:rPr lang="en-IN" b="1" i="0" smtClean="0">
+                            <a:latin typeface="Cambria Math" panose="02040503050406030204" pitchFamily="18" charset="0"/>
+                          </a:rPr>
+                          <m:t>,</m:t>
+                        </m:r>
+                        <m:r>
+                          <a:rPr lang="en-IN" b="0" i="1" smtClean="0">
+                            <a:latin typeface="Cambria Math" panose="02040503050406030204" pitchFamily="18" charset="0"/>
+                          </a:rPr>
+                          <m:t>𝑏</m:t>
+                        </m:r>
+                      </m:e>
+                    </m:d>
+                  </m:oMath>
+                </a14:m>
+                <a:r>
+                  <a:rPr lang="en-IN" dirty="0" smtClean="0"/>
+                  <a:t>, easier to search for </a:t>
+                </a:r>
+                <a14:m>
+                  <m:oMath xmlns:m="http://schemas.openxmlformats.org/officeDocument/2006/math">
+                    <m:d>
+                      <m:dPr>
+                        <m:ctrlPr>
+                          <a:rPr lang="en-IN" b="0" i="1" smtClean="0">
+                            <a:latin typeface="Cambria Math" panose="02040503050406030204" pitchFamily="18" charset="0"/>
+                          </a:rPr>
+                        </m:ctrlPr>
+                      </m:dPr>
+                      <m:e>
+                        <m:acc>
+                          <m:accPr>
+                            <m:chr m:val="̃"/>
+                            <m:ctrlPr>
+                              <a:rPr lang="en-IN" b="0" i="1" smtClean="0">
+                                <a:latin typeface="Cambria Math" panose="02040503050406030204" pitchFamily="18" charset="0"/>
+                              </a:rPr>
+                            </m:ctrlPr>
+                          </m:accPr>
+                          <m:e>
+                            <m:r>
+                              <a:rPr lang="en-IN" b="1" i="0" smtClean="0">
+                                <a:latin typeface="Cambria Math" panose="02040503050406030204" pitchFamily="18" charset="0"/>
+                              </a:rPr>
+                              <m:t>𝐰</m:t>
+                            </m:r>
+                          </m:e>
+                        </m:acc>
+                        <m:r>
+                          <a:rPr lang="en-IN" b="0" i="1" dirty="0" smtClean="0">
+                            <a:latin typeface="Cambria Math" panose="02040503050406030204" pitchFamily="18" charset="0"/>
+                          </a:rPr>
+                          <m:t>,</m:t>
+                        </m:r>
+                        <m:acc>
+                          <m:accPr>
+                            <m:chr m:val="̃"/>
+                            <m:ctrlPr>
+                              <a:rPr lang="en-IN" i="1" dirty="0">
+                                <a:latin typeface="Cambria Math" panose="02040503050406030204" pitchFamily="18" charset="0"/>
+                              </a:rPr>
+                            </m:ctrlPr>
+                          </m:accPr>
+                          <m:e>
+                            <m:r>
+                              <a:rPr lang="en-IN" i="1" dirty="0">
+                                <a:latin typeface="Cambria Math" panose="02040503050406030204" pitchFamily="18" charset="0"/>
+                              </a:rPr>
+                              <m:t>𝑏</m:t>
+                            </m:r>
+                          </m:e>
+                        </m:acc>
+                      </m:e>
+                    </m:d>
+                  </m:oMath>
+                </a14:m>
+                <a:endParaRPr lang="en-IN" dirty="0" smtClean="0"/>
+              </a:p>
+              <a:p>
+                <a:pPr algn="ctr"/>
+                <a14:m>
+                  <m:oMath xmlns:m="http://schemas.openxmlformats.org/officeDocument/2006/math">
+                    <m:func>
+                      <m:funcPr>
+                        <m:ctrlPr>
+                          <a:rPr lang="en-IN" i="1">
+                            <a:latin typeface="Cambria Math" panose="02040503050406030204" pitchFamily="18" charset="0"/>
+                          </a:rPr>
+                        </m:ctrlPr>
+                      </m:funcPr>
+                      <m:fName>
+                        <m:limLow>
+                          <m:limLowPr>
+                            <m:ctrlPr>
+                              <a:rPr lang="en-IN" i="1">
+                                <a:latin typeface="Cambria Math" panose="02040503050406030204" pitchFamily="18" charset="0"/>
+                              </a:rPr>
+                            </m:ctrlPr>
+                          </m:limLowPr>
+                          <m:e>
+                            <m:r>
+                              <m:rPr>
+                                <m:sty m:val="p"/>
+                              </m:rPr>
+                              <a:rPr lang="en-IN">
+                                <a:latin typeface="Cambria Math" panose="02040503050406030204" pitchFamily="18" charset="0"/>
+                              </a:rPr>
+                              <m:t>max</m:t>
+                            </m:r>
+                          </m:e>
+                          <m:lim>
+                            <m:acc>
+                              <m:accPr>
+                                <m:chr m:val="̃"/>
+                                <m:ctrlPr>
+                                  <a:rPr lang="en-IN" b="1" i="1" dirty="0" smtClean="0">
+                                    <a:latin typeface="Cambria Math" panose="02040503050406030204" pitchFamily="18" charset="0"/>
+                                  </a:rPr>
+                                </m:ctrlPr>
+                              </m:accPr>
+                              <m:e>
+                                <m:r>
+                                  <a:rPr lang="en-IN" b="1" i="0" dirty="0" smtClean="0">
+                                    <a:latin typeface="Cambria Math" panose="02040503050406030204" pitchFamily="18" charset="0"/>
+                                  </a:rPr>
+                                  <m:t>𝐰</m:t>
+                                </m:r>
+                              </m:e>
+                            </m:acc>
+                            <m:r>
+                              <a:rPr lang="en-IN" b="1">
+                                <a:latin typeface="Cambria Math" panose="02040503050406030204" pitchFamily="18" charset="0"/>
+                              </a:rPr>
+                              <m:t>,</m:t>
+                            </m:r>
+                            <m:acc>
+                              <m:accPr>
+                                <m:chr m:val="̃"/>
+                                <m:ctrlPr>
+                                  <a:rPr lang="en-IN" i="1" dirty="0" smtClean="0">
+                                    <a:latin typeface="Cambria Math" panose="02040503050406030204" pitchFamily="18" charset="0"/>
+                                  </a:rPr>
+                                </m:ctrlPr>
+                              </m:accPr>
+                              <m:e>
+                                <m:r>
+                                  <a:rPr lang="en-IN" b="0" i="1" dirty="0" smtClean="0">
+                                    <a:latin typeface="Cambria Math" panose="02040503050406030204" pitchFamily="18" charset="0"/>
+                                  </a:rPr>
+                                  <m:t>𝑏</m:t>
+                                </m:r>
+                              </m:e>
+                            </m:acc>
+                          </m:lim>
+                        </m:limLow>
+                      </m:fName>
+                      <m:e>
+                        <m:d>
+                          <m:dPr>
+                            <m:begChr m:val="{"/>
+                            <m:endChr m:val="}"/>
+                            <m:ctrlPr>
+                              <a:rPr lang="en-IN" i="1">
+                                <a:latin typeface="Cambria Math" panose="02040503050406030204" pitchFamily="18" charset="0"/>
+                              </a:rPr>
+                            </m:ctrlPr>
+                          </m:dPr>
+                          <m:e>
+                            <m:f>
+                              <m:fPr>
+                                <m:type m:val="lin"/>
+                                <m:ctrlPr>
+                                  <a:rPr lang="en-IN" i="1">
+                                    <a:latin typeface="Cambria Math" panose="02040503050406030204" pitchFamily="18" charset="0"/>
+                                  </a:rPr>
+                                </m:ctrlPr>
+                              </m:fPr>
+                              <m:num>
+                                <m:r>
+                                  <a:rPr lang="en-IN" i="1">
+                                    <a:latin typeface="Cambria Math" panose="02040503050406030204" pitchFamily="18" charset="0"/>
+                                  </a:rPr>
+                                  <m:t>1</m:t>
+                                </m:r>
+                              </m:num>
+                              <m:den>
+                                <m:sSub>
+                                  <m:sSubPr>
+                                    <m:ctrlPr>
+                                      <a:rPr lang="en-IN" i="1">
+                                        <a:latin typeface="Cambria Math" panose="02040503050406030204" pitchFamily="18" charset="0"/>
+                                      </a:rPr>
+                                    </m:ctrlPr>
+                                  </m:sSubPr>
+                                  <m:e>
+                                    <m:d>
+                                      <m:dPr>
+                                        <m:begChr m:val="‖"/>
+                                        <m:endChr m:val="‖"/>
+                                        <m:ctrlPr>
+                                          <a:rPr lang="en-IN" i="1">
+                                            <a:latin typeface="Cambria Math" panose="02040503050406030204" pitchFamily="18" charset="0"/>
+                                          </a:rPr>
+                                        </m:ctrlPr>
+                                      </m:dPr>
+                                      <m:e>
+                                        <m:acc>
+                                          <m:accPr>
+                                            <m:chr m:val="̃"/>
+                                            <m:ctrlPr>
+                                              <a:rPr lang="en-IN" b="1" i="1" dirty="0" smtClean="0">
+                                                <a:latin typeface="Cambria Math" panose="02040503050406030204" pitchFamily="18" charset="0"/>
+                                              </a:rPr>
+                                            </m:ctrlPr>
+                                          </m:accPr>
+                                          <m:e>
+                                            <m:r>
+                                              <a:rPr lang="en-IN" b="1" i="0" dirty="0" smtClean="0">
+                                                <a:latin typeface="Cambria Math" panose="02040503050406030204" pitchFamily="18" charset="0"/>
+                                              </a:rPr>
+                                              <m:t>𝐰</m:t>
+                                            </m:r>
+                                          </m:e>
+                                        </m:acc>
+                                      </m:e>
+                                    </m:d>
+                                  </m:e>
+                                  <m:sub>
+                                    <m:r>
+                                      <a:rPr lang="en-IN">
+                                        <a:latin typeface="Cambria Math" panose="02040503050406030204" pitchFamily="18" charset="0"/>
+                                      </a:rPr>
+                                      <m:t>2</m:t>
+                                    </m:r>
+                                  </m:sub>
+                                </m:sSub>
+                              </m:den>
+                            </m:f>
+                          </m:e>
+                        </m:d>
+                      </m:e>
+                    </m:func>
+                  </m:oMath>
+                </a14:m>
+                <a:endParaRPr lang="en-IN" i="1" dirty="0"/>
+              </a:p>
+              <a:p>
+                <a:pPr algn="ctr"/>
+                <a:r>
+                  <a:rPr lang="en-IN" dirty="0"/>
+                  <a:t>such that </a:t>
+                </a:r>
+                <a14:m>
+                  <m:oMath xmlns:m="http://schemas.openxmlformats.org/officeDocument/2006/math">
+                    <m:sSup>
+                      <m:sSupPr>
+                        <m:ctrlPr>
+                          <a:rPr lang="en-IN" i="1">
+                            <a:latin typeface="Cambria Math" panose="02040503050406030204" pitchFamily="18" charset="0"/>
+                          </a:rPr>
+                        </m:ctrlPr>
+                      </m:sSupPr>
+                      <m:e>
+                        <m:r>
+                          <a:rPr lang="en-IN">
+                            <a:latin typeface="Cambria Math" panose="02040503050406030204" pitchFamily="18" charset="0"/>
+                          </a:rPr>
+                          <m:t>𝑦</m:t>
+                        </m:r>
+                      </m:e>
+                      <m:sup>
+                        <m:r>
+                          <a:rPr lang="en-IN">
+                            <a:latin typeface="Cambria Math" panose="02040503050406030204" pitchFamily="18" charset="0"/>
+                          </a:rPr>
+                          <m:t>𝑖</m:t>
+                        </m:r>
+                      </m:sup>
+                    </m:sSup>
+                    <m:r>
+                      <a:rPr lang="en-IN" i="1">
+                        <a:latin typeface="Cambria Math" panose="02040503050406030204" pitchFamily="18" charset="0"/>
+                      </a:rPr>
+                      <m:t>⋅</m:t>
+                    </m:r>
+                    <m:r>
+                      <a:rPr lang="en-IN">
+                        <a:latin typeface="Cambria Math" panose="02040503050406030204" pitchFamily="18" charset="0"/>
+                      </a:rPr>
+                      <m:t>(</m:t>
+                    </m:r>
+                    <m:sSup>
+                      <m:sSupPr>
+                        <m:ctrlPr>
+                          <a:rPr lang="en-IN" i="1">
+                            <a:latin typeface="Cambria Math" panose="02040503050406030204" pitchFamily="18" charset="0"/>
+                          </a:rPr>
+                        </m:ctrlPr>
+                      </m:sSupPr>
+                      <m:e>
+                        <m:acc>
+                          <m:accPr>
+                            <m:chr m:val="̃"/>
+                            <m:ctrlPr>
+                              <a:rPr lang="en-IN" b="1" i="1" dirty="0">
+                                <a:latin typeface="Cambria Math" panose="02040503050406030204" pitchFamily="18" charset="0"/>
+                              </a:rPr>
+                            </m:ctrlPr>
+                          </m:accPr>
+                          <m:e>
+                            <m:r>
+                              <a:rPr lang="en-IN" b="1" dirty="0">
+                                <a:latin typeface="Cambria Math" panose="02040503050406030204" pitchFamily="18" charset="0"/>
+                              </a:rPr>
+                              <m:t>𝐰</m:t>
+                            </m:r>
+                          </m:e>
+                        </m:acc>
+                      </m:e>
+                      <m:sup>
+                        <m:r>
+                          <a:rPr lang="en-IN">
+                            <a:latin typeface="Cambria Math" panose="02040503050406030204" pitchFamily="18" charset="0"/>
+                          </a:rPr>
+                          <m:t>⊤</m:t>
+                        </m:r>
+                      </m:sup>
+                    </m:sSup>
+                    <m:sSup>
+                      <m:sSupPr>
+                        <m:ctrlPr>
+                          <a:rPr lang="en-IN" i="1">
+                            <a:latin typeface="Cambria Math" panose="02040503050406030204" pitchFamily="18" charset="0"/>
+                          </a:rPr>
+                        </m:ctrlPr>
+                      </m:sSupPr>
+                      <m:e>
+                        <m:r>
+                          <a:rPr lang="en-IN" b="1">
+                            <a:latin typeface="Cambria Math" panose="02040503050406030204" pitchFamily="18" charset="0"/>
+                          </a:rPr>
+                          <m:t>𝐱</m:t>
+                        </m:r>
+                      </m:e>
+                      <m:sup>
+                        <m:r>
+                          <a:rPr lang="en-IN">
+                            <a:latin typeface="Cambria Math" panose="02040503050406030204" pitchFamily="18" charset="0"/>
+                          </a:rPr>
+                          <m:t>𝑖</m:t>
+                        </m:r>
+                      </m:sup>
+                    </m:sSup>
+                    <m:r>
+                      <a:rPr lang="en-IN">
+                        <a:latin typeface="Cambria Math" panose="02040503050406030204" pitchFamily="18" charset="0"/>
+                      </a:rPr>
+                      <m:t>+</m:t>
+                    </m:r>
+                    <m:acc>
+                      <m:accPr>
+                        <m:chr m:val="̃"/>
+                        <m:ctrlPr>
+                          <a:rPr lang="en-IN" i="1" dirty="0">
+                            <a:latin typeface="Cambria Math" panose="02040503050406030204" pitchFamily="18" charset="0"/>
+                          </a:rPr>
+                        </m:ctrlPr>
+                      </m:accPr>
+                      <m:e>
+                        <m:r>
+                          <a:rPr lang="en-IN" i="1" dirty="0">
+                            <a:latin typeface="Cambria Math" panose="02040503050406030204" pitchFamily="18" charset="0"/>
+                          </a:rPr>
+                          <m:t>𝑏</m:t>
+                        </m:r>
+                      </m:e>
+                    </m:acc>
+                    <m:r>
+                      <a:rPr lang="en-IN">
+                        <a:latin typeface="Cambria Math" panose="02040503050406030204" pitchFamily="18" charset="0"/>
+                      </a:rPr>
+                      <m:t>)</m:t>
+                    </m:r>
+                    <m:r>
+                      <a:rPr lang="en-IN" i="1">
+                        <a:latin typeface="Cambria Math" panose="02040503050406030204" pitchFamily="18" charset="0"/>
+                      </a:rPr>
+                      <m:t>≥</m:t>
+                    </m:r>
+                    <m:r>
+                      <a:rPr lang="en-IN" b="0" i="1" smtClean="0">
+                        <a:latin typeface="Cambria Math" panose="02040503050406030204" pitchFamily="18" charset="0"/>
+                      </a:rPr>
+                      <m:t>1</m:t>
+                    </m:r>
+                  </m:oMath>
+                </a14:m>
+                <a:r>
+                  <a:rPr lang="en-IN" dirty="0"/>
+                  <a:t> for all </a:t>
+                </a:r>
+                <a14:m>
+                  <m:oMath xmlns:m="http://schemas.openxmlformats.org/officeDocument/2006/math">
+                    <m:r>
+                      <a:rPr lang="en-IN" i="1">
+                        <a:latin typeface="Cambria Math" panose="02040503050406030204" pitchFamily="18" charset="0"/>
+                      </a:rPr>
+                      <m:t>𝑖</m:t>
+                    </m:r>
+                    <m:r>
+                      <a:rPr lang="en-IN" i="1">
+                        <a:latin typeface="Cambria Math" panose="02040503050406030204" pitchFamily="18" charset="0"/>
+                      </a:rPr>
+                      <m:t>=1…</m:t>
+                    </m:r>
+                    <m:r>
+                      <a:rPr lang="en-IN" i="1">
+                        <a:latin typeface="Cambria Math" panose="02040503050406030204" pitchFamily="18" charset="0"/>
+                      </a:rPr>
+                      <m:t>𝑛</m:t>
+                    </m:r>
+                  </m:oMath>
+                </a14:m>
+                <a:endParaRPr lang="en-IN" i="1" dirty="0"/>
+              </a:p>
+              <a:p>
+                <a:endParaRPr lang="en-IN" dirty="0" smtClean="0"/>
+              </a:p>
+            </p:txBody>
+          </p:sp>
+        </mc:Choice>
+        <mc:Fallback xmlns="">
+          <p:sp>
+            <p:nvSpPr>
+              <p:cNvPr id="3" name="Content Placeholder 2"/>
+              <p:cNvSpPr>
+                <a:spLocks noGrp="1" noRot="1" noChangeAspect="1" noMove="1" noResize="1" noEditPoints="1" noAdjustHandles="1" noChangeArrowheads="1" noChangeShapeType="1" noTextEdit="1"/>
+              </p:cNvSpPr>
+              <p:nvPr>
+                <p:ph idx="1"/>
+              </p:nvPr>
+            </p:nvSpPr>
+            <p:spPr>
+              <a:xfrm>
+                <a:off x="253354" y="1111624"/>
+                <a:ext cx="11600328" cy="5746376"/>
+              </a:xfrm>
+              <a:blipFill>
+                <a:blip r:embed="rId2"/>
+                <a:stretch>
+                  <a:fillRect l="-578" t="-2545" r="-788"/>
+                </a:stretch>
+              </a:blipFill>
+            </p:spPr>
+            <p:txBody>
+              <a:bodyPr/>
+              <a:lstStyle/>
+              <a:p>
+                <a:r>
+                  <a:rPr lang="en-IN">
+                    <a:noFill/>
+                  </a:rPr>
+                  <a:t> </a:t>
+                </a:r>
+              </a:p>
+            </p:txBody>
+          </p:sp>
+        </mc:Fallback>
+      </mc:AlternateContent>
+      <p:sp>
+        <p:nvSpPr>
+          <p:cNvPr id="4" name="Slide Number Placeholder 3"/>
+          <p:cNvSpPr>
+            <a:spLocks noGrp="1"/>
+          </p:cNvSpPr>
+          <p:nvPr>
+            <p:ph type="sldNum" sz="quarter" idx="12"/>
+          </p:nvPr>
+        </p:nvSpPr>
+        <p:spPr/>
+        <p:txBody>
+          <a:bodyPr/>
+          <a:lstStyle/>
+          <a:p>
+            <a:fld id="{157B8E69-23A9-4619-9CFE-E27BFD8A78F9}" type="slidenum">
+              <a:rPr lang="en-US" smtClean="0"/>
+              <a:t>9</a:t>
+            </a:fld>
+            <a:endParaRPr lang="en-US" dirty="0"/>
+          </a:p>
+        </p:txBody>
+      </p:sp>
+      <p:grpSp>
+        <p:nvGrpSpPr>
+          <p:cNvPr id="18" name="Group 17"/>
+          <p:cNvGrpSpPr/>
+          <p:nvPr/>
+        </p:nvGrpSpPr>
+        <p:grpSpPr>
+          <a:xfrm>
+            <a:off x="4499977" y="5111108"/>
+            <a:ext cx="2819399" cy="863935"/>
+            <a:chOff x="4719320" y="5166360"/>
+            <a:chExt cx="2819399" cy="792650"/>
+          </a:xfrm>
+        </p:grpSpPr>
+        <p:sp>
+          <p:nvSpPr>
+            <p:cNvPr id="12" name="Rectangle 11"/>
+            <p:cNvSpPr/>
+            <p:nvPr/>
+          </p:nvSpPr>
+          <p:spPr>
+            <a:xfrm>
+              <a:off x="4719320" y="5166360"/>
+              <a:ext cx="2819399" cy="774869"/>
+            </a:xfrm>
+            <a:prstGeom prst="rect">
+              <a:avLst/>
+            </a:prstGeom>
+            <a:solidFill>
+              <a:schemeClr val="bg1"/>
+            </a:solidFill>
+            <a:ln>
+              <a:noFill/>
+            </a:ln>
+          </p:spPr>
+          <p:style>
+            <a:lnRef idx="2">
+              <a:schemeClr val="accent1">
+                <a:shade val="50000"/>
+              </a:schemeClr>
+            </a:lnRef>
+            <a:fillRef idx="1">
+              <a:schemeClr val="accent1"/>
+            </a:fillRef>
+            <a:effectRef idx="0">
+              <a:schemeClr val="accent1"/>
+            </a:effectRef>
+            <a:fontRef idx="minor">
+              <a:schemeClr val="lt1"/>
+            </a:fontRef>
+          </p:style>
+          <p:txBody>
+            <a:bodyPr rtlCol="0" anchor="ctr"/>
+            <a:lstStyle/>
+            <a:p>
+              <a:pPr algn="ctr"/>
+              <a:endParaRPr lang="en-IN"/>
+            </a:p>
+          </p:txBody>
+        </p:sp>
+        <p:sp>
+          <p:nvSpPr>
+            <p:cNvPr id="14" name="Rectangle 13"/>
+            <p:cNvSpPr/>
+            <p:nvPr/>
+          </p:nvSpPr>
+          <p:spPr>
+            <a:xfrm>
+              <a:off x="5960897" y="5293202"/>
+              <a:ext cx="976046" cy="452063"/>
+            </a:xfrm>
+            <a:prstGeom prst="rect">
+              <a:avLst/>
+            </a:prstGeom>
+            <a:solidFill>
+              <a:schemeClr val="accent2">
+                <a:lumMod val="20000"/>
+                <a:lumOff val="80000"/>
+              </a:schemeClr>
+            </a:solidFill>
+            <a:ln>
+              <a:noFill/>
+            </a:ln>
+          </p:spPr>
+          <p:style>
+            <a:lnRef idx="2">
+              <a:schemeClr val="accent1">
+                <a:shade val="50000"/>
+              </a:schemeClr>
+            </a:lnRef>
+            <a:fillRef idx="1">
+              <a:schemeClr val="accent1"/>
+            </a:fillRef>
+            <a:effectRef idx="0">
+              <a:schemeClr val="accent1"/>
+            </a:effectRef>
+            <a:fontRef idx="minor">
+              <a:schemeClr val="lt1"/>
+            </a:fontRef>
+          </p:style>
+          <p:txBody>
+            <a:bodyPr rtlCol="0" anchor="ctr"/>
+            <a:lstStyle/>
+            <a:p>
+              <a:pPr algn="ctr"/>
+              <a:endParaRPr lang="en-IN"/>
+            </a:p>
+          </p:txBody>
+        </p:sp>
+        <mc:AlternateContent xmlns:mc="http://schemas.openxmlformats.org/markup-compatibility/2006" xmlns:a14="http://schemas.microsoft.com/office/drawing/2010/main">
+          <mc:Choice Requires="a14">
+            <p:sp>
+              <p:nvSpPr>
+                <p:cNvPr id="15" name="Rectangle 14"/>
+                <p:cNvSpPr/>
+                <p:nvPr/>
+              </p:nvSpPr>
+              <p:spPr>
+                <a:xfrm>
+                  <a:off x="4828234" y="5229546"/>
+                  <a:ext cx="2601569" cy="729464"/>
+                </a:xfrm>
+                <a:prstGeom prst="rect">
+                  <a:avLst/>
+                </a:prstGeom>
+                <a:noFill/>
+                <a:ln>
+                  <a:noFill/>
+                </a:ln>
+              </p:spPr>
+              <p:style>
+                <a:lnRef idx="2">
+                  <a:schemeClr val="accent1">
+                    <a:shade val="50000"/>
+                  </a:schemeClr>
+                </a:lnRef>
+                <a:fillRef idx="1">
+                  <a:schemeClr val="accent1"/>
+                </a:fillRef>
+                <a:effectRef idx="0">
+                  <a:schemeClr val="accent1"/>
+                </a:effectRef>
+                <a:fontRef idx="minor">
+                  <a:schemeClr val="lt1"/>
+                </a:fontRef>
+              </p:style>
+              <p:txBody>
+                <a:bodyPr rtlCol="0" anchor="ctr"/>
+                <a:lstStyle/>
+                <a:p>
+                  <a:pPr algn="ctr"/>
+                  <a14:m>
+                    <m:oMathPara xmlns:m="http://schemas.openxmlformats.org/officeDocument/2006/math">
+                      <m:oMathParaPr>
+                        <m:jc m:val="centerGroup"/>
+                      </m:oMathParaPr>
+                      <m:oMath xmlns:m="http://schemas.openxmlformats.org/officeDocument/2006/math">
+                        <m:func>
+                          <m:funcPr>
+                            <m:ctrlPr>
+                              <a:rPr lang="en-IN" sz="3200" b="0" i="1" smtClean="0">
+                                <a:solidFill>
+                                  <a:schemeClr val="tx1"/>
+                                </a:solidFill>
+                                <a:latin typeface="Cambria Math" panose="02040503050406030204" pitchFamily="18" charset="0"/>
+                              </a:rPr>
+                            </m:ctrlPr>
+                          </m:funcPr>
+                          <m:fName>
+                            <m:limLow>
+                              <m:limLowPr>
+                                <m:ctrlPr>
+                                  <a:rPr lang="en-IN" sz="3200" b="0" i="1" smtClean="0">
+                                    <a:solidFill>
+                                      <a:schemeClr val="tx1"/>
+                                    </a:solidFill>
+                                    <a:latin typeface="Cambria Math" panose="02040503050406030204" pitchFamily="18" charset="0"/>
+                                  </a:rPr>
+                                </m:ctrlPr>
+                              </m:limLowPr>
+                              <m:e>
+                                <m:r>
+                                  <m:rPr>
+                                    <m:sty m:val="p"/>
+                                  </m:rPr>
+                                  <a:rPr lang="en-IN" sz="3200" b="0" i="0" smtClean="0">
+                                    <a:solidFill>
+                                      <a:schemeClr val="tx1"/>
+                                    </a:solidFill>
+                                    <a:latin typeface="Cambria Math" panose="02040503050406030204" pitchFamily="18" charset="0"/>
+                                  </a:rPr>
+                                  <m:t>min</m:t>
+                                </m:r>
+                              </m:e>
+                              <m:lim>
+                                <m:acc>
+                                  <m:accPr>
+                                    <m:chr m:val="̃"/>
+                                    <m:ctrlPr>
+                                      <a:rPr lang="en-IN" sz="3200" b="0" i="1" smtClean="0">
+                                        <a:solidFill>
+                                          <a:schemeClr val="tx1"/>
+                                        </a:solidFill>
+                                        <a:latin typeface="Cambria Math" panose="02040503050406030204" pitchFamily="18" charset="0"/>
+                                      </a:rPr>
+                                    </m:ctrlPr>
+                                  </m:accPr>
+                                  <m:e>
+                                    <m:r>
+                                      <a:rPr lang="en-IN" sz="3200" b="1" i="0" smtClean="0">
+                                        <a:solidFill>
+                                          <a:schemeClr val="tx1"/>
+                                        </a:solidFill>
+                                        <a:latin typeface="Cambria Math" panose="02040503050406030204" pitchFamily="18" charset="0"/>
+                                      </a:rPr>
+                                      <m:t>𝐰</m:t>
+                                    </m:r>
+                                  </m:e>
+                                </m:acc>
+                                <m:r>
+                                  <a:rPr lang="en-IN" sz="3200" b="0" i="1" smtClean="0">
+                                    <a:solidFill>
+                                      <a:schemeClr val="tx1"/>
+                                    </a:solidFill>
+                                    <a:latin typeface="Cambria Math" panose="02040503050406030204" pitchFamily="18" charset="0"/>
+                                  </a:rPr>
+                                  <m:t>,</m:t>
+                                </m:r>
+                                <m:acc>
+                                  <m:accPr>
+                                    <m:chr m:val="̃"/>
+                                    <m:ctrlPr>
+                                      <a:rPr lang="en-IN" sz="3200" i="1" dirty="0">
+                                        <a:solidFill>
+                                          <a:prstClr val="black">
+                                            <a:lumMod val="85000"/>
+                                            <a:lumOff val="15000"/>
+                                          </a:prstClr>
+                                        </a:solidFill>
+                                        <a:latin typeface="Cambria Math" panose="02040503050406030204" pitchFamily="18" charset="0"/>
+                                      </a:rPr>
+                                    </m:ctrlPr>
+                                  </m:accPr>
+                                  <m:e>
+                                    <m:r>
+                                      <a:rPr lang="en-IN" sz="3200" i="1" dirty="0">
+                                        <a:solidFill>
+                                          <a:prstClr val="black">
+                                            <a:lumMod val="85000"/>
+                                            <a:lumOff val="15000"/>
+                                          </a:prstClr>
+                                        </a:solidFill>
+                                        <a:latin typeface="Cambria Math" panose="02040503050406030204" pitchFamily="18" charset="0"/>
+                                      </a:rPr>
+                                      <m:t>𝑏</m:t>
+                                    </m:r>
+                                  </m:e>
+                                </m:acc>
+                              </m:lim>
+                            </m:limLow>
+                          </m:fName>
+                          <m:e>
+                            <m:d>
+                              <m:dPr>
+                                <m:begChr m:val="{"/>
+                                <m:endChr m:val="}"/>
+                                <m:ctrlPr>
+                                  <a:rPr lang="en-IN" sz="3200" b="0" i="1" smtClean="0">
+                                    <a:solidFill>
+                                      <a:schemeClr val="tx1"/>
+                                    </a:solidFill>
+                                    <a:latin typeface="Cambria Math" panose="02040503050406030204" pitchFamily="18" charset="0"/>
+                                  </a:rPr>
+                                </m:ctrlPr>
+                              </m:dPr>
+                              <m:e>
+                                <m:sSub>
+                                  <m:sSubPr>
+                                    <m:ctrlPr>
+                                      <a:rPr lang="en-IN" sz="3200" i="1">
+                                        <a:solidFill>
+                                          <a:prstClr val="black">
+                                            <a:lumMod val="85000"/>
+                                            <a:lumOff val="15000"/>
+                                          </a:prstClr>
+                                        </a:solidFill>
+                                        <a:latin typeface="Cambria Math" panose="02040503050406030204" pitchFamily="18" charset="0"/>
+                                      </a:rPr>
+                                    </m:ctrlPr>
+                                  </m:sSubPr>
+                                  <m:e>
+                                    <m:d>
+                                      <m:dPr>
+                                        <m:begChr m:val="‖"/>
+                                        <m:endChr m:val="‖"/>
+                                        <m:ctrlPr>
+                                          <a:rPr lang="en-IN" sz="3200" i="1">
+                                            <a:solidFill>
+                                              <a:prstClr val="black">
+                                                <a:lumMod val="85000"/>
+                                                <a:lumOff val="15000"/>
+                                              </a:prstClr>
+                                            </a:solidFill>
+                                            <a:latin typeface="Cambria Math" panose="02040503050406030204" pitchFamily="18" charset="0"/>
+                                          </a:rPr>
+                                        </m:ctrlPr>
+                                      </m:dPr>
+                                      <m:e>
+                                        <m:acc>
+                                          <m:accPr>
+                                            <m:chr m:val="̃"/>
+                                            <m:ctrlPr>
+                                              <a:rPr lang="en-IN" sz="3200" b="1" i="1" dirty="0">
+                                                <a:solidFill>
+                                                  <a:prstClr val="black">
+                                                    <a:lumMod val="85000"/>
+                                                    <a:lumOff val="15000"/>
+                                                  </a:prstClr>
+                                                </a:solidFill>
+                                                <a:latin typeface="Cambria Math" panose="02040503050406030204" pitchFamily="18" charset="0"/>
+                                              </a:rPr>
+                                            </m:ctrlPr>
+                                          </m:accPr>
+                                          <m:e>
+                                            <m:r>
+                                              <a:rPr lang="en-IN" sz="3200" b="1" dirty="0">
+                                                <a:solidFill>
+                                                  <a:prstClr val="black">
+                                                    <a:lumMod val="85000"/>
+                                                    <a:lumOff val="15000"/>
+                                                  </a:prstClr>
+                                                </a:solidFill>
+                                                <a:latin typeface="Cambria Math" panose="02040503050406030204" pitchFamily="18" charset="0"/>
+                                              </a:rPr>
+                                              <m:t>𝐰</m:t>
+                                            </m:r>
+                                          </m:e>
+                                        </m:acc>
+                                      </m:e>
+                                    </m:d>
+                                  </m:e>
+                                  <m:sub>
+                                    <m:r>
+                                      <a:rPr lang="en-IN" sz="3200">
+                                        <a:solidFill>
+                                          <a:prstClr val="black">
+                                            <a:lumMod val="85000"/>
+                                            <a:lumOff val="15000"/>
+                                          </a:prstClr>
+                                        </a:solidFill>
+                                        <a:latin typeface="Cambria Math" panose="02040503050406030204" pitchFamily="18" charset="0"/>
+                                      </a:rPr>
+                                      <m:t>2</m:t>
+                                    </m:r>
+                                  </m:sub>
+                                </m:sSub>
+                              </m:e>
+                            </m:d>
+                          </m:e>
+                        </m:func>
+                      </m:oMath>
+                    </m:oMathPara>
+                  </a14:m>
+                  <a:endParaRPr lang="en-IN" sz="3200" dirty="0">
+                    <a:solidFill>
+                      <a:schemeClr val="tx1"/>
+                    </a:solidFill>
+                  </a:endParaRPr>
+                </a:p>
+              </p:txBody>
+            </p:sp>
+          </mc:Choice>
+          <mc:Fallback xmlns="">
+            <p:sp>
+              <p:nvSpPr>
+                <p:cNvPr id="15" name="Rectangle 14"/>
+                <p:cNvSpPr>
+                  <a:spLocks noRot="1" noChangeAspect="1" noMove="1" noResize="1" noEditPoints="1" noAdjustHandles="1" noChangeArrowheads="1" noChangeShapeType="1" noTextEdit="1"/>
+                </p:cNvSpPr>
+                <p:nvPr/>
+              </p:nvSpPr>
+              <p:spPr>
+                <a:xfrm>
+                  <a:off x="4828234" y="5229546"/>
+                  <a:ext cx="2601569" cy="729464"/>
+                </a:xfrm>
+                <a:prstGeom prst="rect">
+                  <a:avLst/>
+                </a:prstGeom>
+                <a:blipFill>
+                  <a:blip r:embed="rId3"/>
+                  <a:stretch>
+                    <a:fillRect/>
+                  </a:stretch>
+                </a:blipFill>
+                <a:ln>
+                  <a:noFill/>
+                </a:ln>
+              </p:spPr>
+              <p:txBody>
+                <a:bodyPr/>
+                <a:lstStyle/>
+                <a:p>
+                  <a:r>
+                    <a:rPr lang="en-IN">
+                      <a:noFill/>
+                    </a:rPr>
+                    <a:t> </a:t>
+                  </a:r>
+                </a:p>
+              </p:txBody>
+            </p:sp>
+          </mc:Fallback>
+        </mc:AlternateContent>
+      </p:grpSp>
+      <mc:AlternateContent xmlns:mc="http://schemas.openxmlformats.org/markup-compatibility/2006" xmlns:a14="http://schemas.microsoft.com/office/drawing/2010/main">
+        <mc:Choice Requires="a14">
+          <p:sp>
+            <p:nvSpPr>
+              <p:cNvPr id="20" name="TextBox 19"/>
+              <p:cNvSpPr txBox="1"/>
+              <p:nvPr/>
+            </p:nvSpPr>
+            <p:spPr>
+              <a:xfrm>
+                <a:off x="6025229" y="5176637"/>
+                <a:ext cx="595901" cy="660052"/>
+              </a:xfrm>
+              <a:prstGeom prst="rect">
+                <a:avLst/>
+              </a:prstGeom>
+              <a:noFill/>
+            </p:spPr>
+            <p:txBody>
+              <a:bodyPr wrap="square" rtlCol="0">
+                <a:spAutoFit/>
+              </a:bodyPr>
+              <a:lstStyle/>
+              <a:p>
+                <a:pPr/>
+                <a14:m>
+                  <m:oMathPara xmlns:m="http://schemas.openxmlformats.org/officeDocument/2006/math">
+                    <m:oMathParaPr>
+                      <m:jc m:val="centerGroup"/>
+                    </m:oMathParaPr>
+                    <m:oMath xmlns:m="http://schemas.openxmlformats.org/officeDocument/2006/math">
+                      <m:sSup>
+                        <m:sSupPr>
+                          <m:ctrlPr>
+                            <a:rPr lang="en-IN" sz="3200" b="0" i="1" smtClean="0">
+                              <a:latin typeface="Cambria Math" panose="02040503050406030204" pitchFamily="18" charset="0"/>
+                            </a:rPr>
+                          </m:ctrlPr>
+                        </m:sSupPr>
+                        <m:e/>
+                        <m:sup>
+                          <m:r>
+                            <a:rPr lang="en-IN" sz="3200" b="0" i="1" smtClean="0">
+                              <a:latin typeface="Cambria Math" panose="02040503050406030204" pitchFamily="18" charset="0"/>
+                            </a:rPr>
+                            <m:t>2</m:t>
+                          </m:r>
+                        </m:sup>
+                      </m:sSup>
+                    </m:oMath>
+                  </m:oMathPara>
+                </a14:m>
+                <a:endParaRPr lang="en-IN" sz="3200" dirty="0"/>
+              </a:p>
+            </p:txBody>
+          </p:sp>
+        </mc:Choice>
+        <mc:Fallback xmlns="">
+          <p:sp>
+            <p:nvSpPr>
+              <p:cNvPr id="20" name="TextBox 19"/>
+              <p:cNvSpPr txBox="1">
+                <a:spLocks noRot="1" noChangeAspect="1" noMove="1" noResize="1" noEditPoints="1" noAdjustHandles="1" noChangeArrowheads="1" noChangeShapeType="1" noTextEdit="1"/>
+              </p:cNvSpPr>
+              <p:nvPr/>
+            </p:nvSpPr>
+            <p:spPr>
+              <a:xfrm>
+                <a:off x="6025229" y="5176637"/>
+                <a:ext cx="595901" cy="660052"/>
+              </a:xfrm>
+              <a:prstGeom prst="rect">
+                <a:avLst/>
+              </a:prstGeom>
+              <a:blipFill>
+                <a:blip r:embed="rId4"/>
+                <a:stretch>
+                  <a:fillRect r="-4082"/>
+                </a:stretch>
+              </a:blipFill>
+            </p:spPr>
+            <p:txBody>
+              <a:bodyPr/>
+              <a:lstStyle/>
+              <a:p>
+                <a:r>
+                  <a:rPr lang="en-IN">
+                    <a:noFill/>
+                  </a:rPr>
+                  <a:t> </a:t>
+                </a:r>
+              </a:p>
+            </p:txBody>
+          </p:sp>
+        </mc:Fallback>
+      </mc:AlternateContent>
+      <p:sp>
+        <p:nvSpPr>
+          <p:cNvPr id="25" name="Oval 24"/>
+          <p:cNvSpPr/>
+          <p:nvPr/>
+        </p:nvSpPr>
+        <p:spPr>
+          <a:xfrm>
+            <a:off x="253353" y="1181651"/>
+            <a:ext cx="3959051" cy="1354174"/>
+          </a:xfrm>
+          <a:prstGeom prst="ellipse">
+            <a:avLst/>
+          </a:prstGeom>
+          <a:noFill/>
+          <a:ln w="38100">
+            <a:solidFill>
+              <a:schemeClr val="accent1"/>
+            </a:solidFill>
+            <a:prstDash val="lgDash"/>
+          </a:ln>
+        </p:spPr>
+        <p:style>
+          <a:lnRef idx="2">
+            <a:schemeClr val="accent1">
+              <a:shade val="50000"/>
+            </a:schemeClr>
+          </a:lnRef>
+          <a:fillRef idx="1">
+            <a:schemeClr val="accent1"/>
+          </a:fillRef>
+          <a:effectRef idx="0">
+            <a:schemeClr val="accent1"/>
+          </a:effectRef>
+          <a:fontRef idx="minor">
+            <a:schemeClr val="lt1"/>
+          </a:fontRef>
+        </p:style>
+        <p:txBody>
+          <a:bodyPr rtlCol="0" anchor="ctr"/>
+          <a:lstStyle/>
+          <a:p>
+            <a:pPr algn="ctr"/>
+            <a:endParaRPr lang="en-IN"/>
+          </a:p>
+        </p:txBody>
+      </p:sp>
+      <mc:AlternateContent xmlns:mc="http://schemas.openxmlformats.org/markup-compatibility/2006" xmlns:a14="http://schemas.microsoft.com/office/drawing/2010/main">
+        <mc:Choice Requires="a14">
+          <p:sp>
+            <p:nvSpPr>
+              <p:cNvPr id="26" name="Rectangular Callout 25"/>
+              <p:cNvSpPr/>
+              <p:nvPr/>
+            </p:nvSpPr>
+            <p:spPr>
+              <a:xfrm>
+                <a:off x="5909677" y="112364"/>
+                <a:ext cx="5640174" cy="941521"/>
+              </a:xfrm>
+              <a:prstGeom prst="wedgeRectCallout">
+                <a:avLst>
+                  <a:gd name="adj1" fmla="val -82828"/>
+                  <a:gd name="adj2" fmla="val 80979"/>
+                </a:avLst>
+              </a:prstGeom>
+              <a:solidFill>
+                <a:schemeClr val="bg1"/>
+              </a:solidFill>
+              <a:ln w="38100">
+                <a:solidFill>
+                  <a:schemeClr val="accent1"/>
+                </a:solidFill>
+              </a:ln>
+            </p:spPr>
+            <p:style>
+              <a:lnRef idx="2">
+                <a:schemeClr val="accent1">
+                  <a:shade val="50000"/>
+                </a:schemeClr>
+              </a:lnRef>
+              <a:fillRef idx="1">
+                <a:schemeClr val="accent1"/>
+              </a:fillRef>
+              <a:effectRef idx="0">
+                <a:schemeClr val="accent1"/>
+              </a:effectRef>
+              <a:fontRef idx="minor">
+                <a:schemeClr val="lt1"/>
+              </a:fontRef>
+            </p:style>
+            <p:txBody>
+              <a:bodyPr rtlCol="0" anchor="ctr"/>
+              <a:lstStyle/>
+              <a:p>
+                <a:pPr algn="ctr"/>
+                <a:r>
+                  <a:rPr lang="en-IN" sz="2400" dirty="0" smtClean="0">
+                    <a:solidFill>
+                      <a:schemeClr val="tx1"/>
+                    </a:solidFill>
+                    <a:latin typeface="+mj-lt"/>
+                  </a:rPr>
+                  <a:t>Called the </a:t>
+                </a:r>
+                <a:r>
+                  <a:rPr lang="en-IN" sz="2400" i="1" dirty="0" smtClean="0">
+                    <a:solidFill>
+                      <a:schemeClr val="tx1"/>
+                    </a:solidFill>
+                    <a:latin typeface="+mj-lt"/>
+                  </a:rPr>
+                  <a:t>functional margin</a:t>
+                </a:r>
+                <a:r>
+                  <a:rPr lang="en-IN" sz="2400" dirty="0" smtClean="0">
+                    <a:solidFill>
+                      <a:schemeClr val="tx1"/>
+                    </a:solidFill>
+                    <a:latin typeface="+mj-lt"/>
+                  </a:rPr>
+                  <a:t>. Note that geometric margin = functional margin/</a:t>
+                </a:r>
+                <a14:m>
+                  <m:oMath xmlns:m="http://schemas.openxmlformats.org/officeDocument/2006/math">
+                    <m:sSub>
+                      <m:sSubPr>
+                        <m:ctrlPr>
+                          <a:rPr lang="en-IN" sz="2400" b="0" i="1" smtClean="0">
+                            <a:solidFill>
+                              <a:schemeClr val="tx1"/>
+                            </a:solidFill>
+                            <a:latin typeface="Cambria Math" panose="02040503050406030204" pitchFamily="18" charset="0"/>
+                          </a:rPr>
+                        </m:ctrlPr>
+                      </m:sSubPr>
+                      <m:e>
+                        <m:d>
+                          <m:dPr>
+                            <m:begChr m:val="‖"/>
+                            <m:endChr m:val="‖"/>
+                            <m:ctrlPr>
+                              <a:rPr lang="en-IN" sz="2400" i="1" smtClean="0">
+                                <a:solidFill>
+                                  <a:schemeClr val="tx1"/>
+                                </a:solidFill>
+                                <a:latin typeface="Cambria Math" panose="02040503050406030204" pitchFamily="18" charset="0"/>
+                              </a:rPr>
+                            </m:ctrlPr>
+                          </m:dPr>
+                          <m:e>
+                            <m:r>
+                              <a:rPr lang="en-IN" sz="2400" b="1" i="0" smtClean="0">
+                                <a:solidFill>
+                                  <a:schemeClr val="tx1"/>
+                                </a:solidFill>
+                                <a:latin typeface="Cambria Math" panose="02040503050406030204" pitchFamily="18" charset="0"/>
+                              </a:rPr>
+                              <m:t>𝐰</m:t>
+                            </m:r>
+                          </m:e>
+                        </m:d>
+                      </m:e>
+                      <m:sub>
+                        <m:r>
+                          <a:rPr lang="en-IN" sz="2400" b="0" i="1" smtClean="0">
+                            <a:solidFill>
+                              <a:schemeClr val="tx1"/>
+                            </a:solidFill>
+                            <a:latin typeface="Cambria Math" panose="02040503050406030204" pitchFamily="18" charset="0"/>
+                          </a:rPr>
+                          <m:t>2</m:t>
+                        </m:r>
+                      </m:sub>
+                    </m:sSub>
+                  </m:oMath>
+                </a14:m>
+                <a:endParaRPr lang="en-IN" sz="2400" dirty="0">
+                  <a:solidFill>
+                    <a:schemeClr val="tx1"/>
+                  </a:solidFill>
+                  <a:latin typeface="+mj-lt"/>
+                </a:endParaRPr>
+              </a:p>
+            </p:txBody>
+          </p:sp>
+        </mc:Choice>
+        <mc:Fallback xmlns="">
+          <p:sp>
+            <p:nvSpPr>
+              <p:cNvPr id="26" name="Rectangular Callout 25"/>
+              <p:cNvSpPr>
+                <a:spLocks noRot="1" noChangeAspect="1" noMove="1" noResize="1" noEditPoints="1" noAdjustHandles="1" noChangeArrowheads="1" noChangeShapeType="1" noTextEdit="1"/>
+              </p:cNvSpPr>
+              <p:nvPr/>
+            </p:nvSpPr>
+            <p:spPr>
+              <a:xfrm>
+                <a:off x="5909677" y="112364"/>
+                <a:ext cx="5640174" cy="941521"/>
+              </a:xfrm>
+              <a:prstGeom prst="wedgeRectCallout">
+                <a:avLst>
+                  <a:gd name="adj1" fmla="val -82828"/>
+                  <a:gd name="adj2" fmla="val 80979"/>
+                </a:avLst>
+              </a:prstGeom>
+              <a:blipFill>
+                <a:blip r:embed="rId5"/>
+                <a:stretch>
+                  <a:fillRect/>
+                </a:stretch>
+              </a:blipFill>
+              <a:ln w="38100">
+                <a:solidFill>
+                  <a:schemeClr val="accent1"/>
+                </a:solidFill>
+              </a:ln>
+            </p:spPr>
+            <p:txBody>
+              <a:bodyPr/>
+              <a:lstStyle/>
+              <a:p>
+                <a:r>
+                  <a:rPr lang="en-IN">
+                    <a:noFill/>
+                  </a:rPr>
+                  <a:t> </a:t>
+                </a:r>
+              </a:p>
+            </p:txBody>
+          </p:sp>
+        </mc:Fallback>
+      </mc:AlternateContent>
+    </p:spTree>
+    <p:extLst>
+      <p:ext uri="{BB962C8B-B14F-4D97-AF65-F5344CB8AC3E}">
+        <p14:creationId xmlns:p14="http://schemas.microsoft.com/office/powerpoint/2010/main" val="742340223"/>
+      </p:ext>
+    </p:extLst>
+  </p:cSld>
+  <p:clrMapOvr>
+    <a:masterClrMapping/>
+  </p:clrMapOvr>
+  <p:timing>
+    <p:tnLst>
+      <p:par>
+        <p:cTn id="1" dur="indefinite" restart="never" nodeType="tmRoot">
+          <p:childTnLst>
+            <p:seq concurrent="1" nextAc="seek">
+              <p:cTn id="2" dur="indefinite" nodeType="mainSeq">
+                <p:childTnLst>
+                  <p:par>
+                    <p:cTn id="3" fill="hold">
+                      <p:stCondLst>
+                        <p:cond delay="indefinite"/>
+                      </p:stCondLst>
+                      <p:childTnLst>
+                        <p:par>
+                          <p:cTn id="4" fill="hold">
+                            <p:stCondLst>
+                              <p:cond delay="0"/>
+                            </p:stCondLst>
+                            <p:childTnLst>
+                              <p:par>
+                                <p:cTn id="5" presetID="1" presetClass="entr" presetSubtype="0" fill="hold" grpId="0" nodeType="clickEffect">
+                                  <p:stCondLst>
+                                    <p:cond delay="0"/>
+                                  </p:stCondLst>
+                                  <p:childTnLst>
+                                    <p:set>
+                                      <p:cBhvr>
+                                        <p:cTn id="6" dur="1" fill="hold">
+                                          <p:stCondLst>
+                                            <p:cond delay="0"/>
+                                          </p:stCondLst>
+                                        </p:cTn>
+                                        <p:tgtEl>
+                                          <p:spTgt spid="3">
+                                            <p:txEl>
+                                              <p:pRg st="0" end="0"/>
+                                            </p:txEl>
+                                          </p:spTgt>
+                                        </p:tgtEl>
+                                        <p:attrNameLst>
+                                          <p:attrName>style.visibility</p:attrName>
+                                        </p:attrNameLst>
+                                      </p:cBhvr>
+                                      <p:to>
+                                        <p:strVal val="visible"/>
+                                      </p:to>
+                                    </p:set>
+                                  </p:childTnLst>
+                                </p:cTn>
+                              </p:par>
+                            </p:childTnLst>
+                          </p:cTn>
+                        </p:par>
+                      </p:childTnLst>
+                    </p:cTn>
+                  </p:par>
+                  <p:par>
+                    <p:cTn id="7" fill="hold">
+                      <p:stCondLst>
+                        <p:cond delay="indefinite"/>
+                      </p:stCondLst>
+                      <p:childTnLst>
+                        <p:par>
+                          <p:cTn id="8" fill="hold">
+                            <p:stCondLst>
+                              <p:cond delay="0"/>
+                            </p:stCondLst>
+                            <p:childTnLst>
+                              <p:par>
+                                <p:cTn id="9" presetID="22" presetClass="entr" presetSubtype="8" fill="hold" grpId="0" nodeType="clickEffect">
+                                  <p:stCondLst>
+                                    <p:cond delay="0"/>
+                                  </p:stCondLst>
+                                  <p:childTnLst>
+                                    <p:set>
+                                      <p:cBhvr>
+                                        <p:cTn id="10" dur="1" fill="hold">
+                                          <p:stCondLst>
+                                            <p:cond delay="0"/>
+                                          </p:stCondLst>
+                                        </p:cTn>
+                                        <p:tgtEl>
+                                          <p:spTgt spid="25"/>
+                                        </p:tgtEl>
+                                        <p:attrNameLst>
+                                          <p:attrName>style.visibility</p:attrName>
+                                        </p:attrNameLst>
+                                      </p:cBhvr>
+                                      <p:to>
+                                        <p:strVal val="visible"/>
+                                      </p:to>
+                                    </p:set>
+                                    <p:animEffect transition="in" filter="wipe(left)">
+                                      <p:cBhvr>
+                                        <p:cTn id="11" dur="500"/>
+                                        <p:tgtEl>
+                                          <p:spTgt spid="25"/>
+                                        </p:tgtEl>
+                                      </p:cBhvr>
+                                    </p:animEffect>
+                                  </p:childTnLst>
+                                </p:cTn>
+                              </p:par>
+                            </p:childTnLst>
+                          </p:cTn>
+                        </p:par>
+                        <p:par>
+                          <p:cTn id="12" fill="hold">
+                            <p:stCondLst>
+                              <p:cond delay="500"/>
+                            </p:stCondLst>
+                            <p:childTnLst>
+                              <p:par>
+                                <p:cTn id="13" presetID="22" presetClass="entr" presetSubtype="2" fill="hold" grpId="0" nodeType="afterEffect">
+                                  <p:stCondLst>
+                                    <p:cond delay="0"/>
+                                  </p:stCondLst>
+                                  <p:childTnLst>
+                                    <p:set>
+                                      <p:cBhvr>
+                                        <p:cTn id="14" dur="1" fill="hold">
+                                          <p:stCondLst>
+                                            <p:cond delay="0"/>
+                                          </p:stCondLst>
+                                        </p:cTn>
+                                        <p:tgtEl>
+                                          <p:spTgt spid="26"/>
+                                        </p:tgtEl>
+                                        <p:attrNameLst>
+                                          <p:attrName>style.visibility</p:attrName>
+                                        </p:attrNameLst>
+                                      </p:cBhvr>
+                                      <p:to>
+                                        <p:strVal val="visible"/>
+                                      </p:to>
+                                    </p:set>
+                                    <p:animEffect transition="in" filter="wipe(right)">
+                                      <p:cBhvr>
+                                        <p:cTn id="15" dur="500"/>
+                                        <p:tgtEl>
+                                          <p:spTgt spid="26"/>
+                                        </p:tgtEl>
+                                      </p:cBhvr>
+                                    </p:animEffect>
+                                  </p:childTnLst>
+                                </p:cTn>
+                              </p:par>
+                            </p:childTnLst>
+                          </p:cTn>
+                        </p:par>
+                      </p:childTnLst>
+                    </p:cTn>
+                  </p:par>
+                  <p:par>
+                    <p:cTn id="16" fill="hold">
+                      <p:stCondLst>
+                        <p:cond delay="indefinite"/>
+                      </p:stCondLst>
+                      <p:childTnLst>
+                        <p:par>
+                          <p:cTn id="17" fill="hold">
+                            <p:stCondLst>
+                              <p:cond delay="0"/>
+                            </p:stCondLst>
+                            <p:childTnLst>
+                              <p:par>
+                                <p:cTn id="18" presetID="1" presetClass="exit" presetSubtype="0" fill="hold" grpId="1" nodeType="clickEffect">
+                                  <p:stCondLst>
+                                    <p:cond delay="0"/>
+                                  </p:stCondLst>
+                                  <p:childTnLst>
+                                    <p:set>
+                                      <p:cBhvr>
+                                        <p:cTn id="19" dur="1" fill="hold">
+                                          <p:stCondLst>
+                                            <p:cond delay="0"/>
+                                          </p:stCondLst>
+                                        </p:cTn>
+                                        <p:tgtEl>
+                                          <p:spTgt spid="25"/>
+                                        </p:tgtEl>
+                                        <p:attrNameLst>
+                                          <p:attrName>style.visibility</p:attrName>
+                                        </p:attrNameLst>
+                                      </p:cBhvr>
+                                      <p:to>
+                                        <p:strVal val="hidden"/>
+                                      </p:to>
+                                    </p:set>
+                                  </p:childTnLst>
+                                </p:cTn>
+                              </p:par>
+                              <p:par>
+                                <p:cTn id="20" presetID="1" presetClass="exit" presetSubtype="0" fill="hold" grpId="1" nodeType="withEffect">
+                                  <p:stCondLst>
+                                    <p:cond delay="0"/>
+                                  </p:stCondLst>
+                                  <p:childTnLst>
+                                    <p:set>
+                                      <p:cBhvr>
+                                        <p:cTn id="21" dur="1" fill="hold">
+                                          <p:stCondLst>
+                                            <p:cond delay="0"/>
+                                          </p:stCondLst>
+                                        </p:cTn>
+                                        <p:tgtEl>
+                                          <p:spTgt spid="26"/>
+                                        </p:tgtEl>
+                                        <p:attrNameLst>
+                                          <p:attrName>style.visibility</p:attrName>
+                                        </p:attrNameLst>
+                                      </p:cBhvr>
+                                      <p:to>
+                                        <p:strVal val="hidden"/>
+                                      </p:to>
+                                    </p:set>
+                                  </p:childTnLst>
+                                </p:cTn>
+                              </p:par>
+                            </p:childTnLst>
+                          </p:cTn>
+                        </p:par>
+                      </p:childTnLst>
+                    </p:cTn>
+                  </p:par>
+                  <p:par>
+                    <p:cTn id="22" fill="hold">
+                      <p:stCondLst>
+                        <p:cond delay="indefinite"/>
+                      </p:stCondLst>
+                      <p:childTnLst>
+                        <p:par>
+                          <p:cTn id="23" fill="hold">
+                            <p:stCondLst>
+                              <p:cond delay="0"/>
+                            </p:stCondLst>
+                            <p:childTnLst>
+                              <p:par>
+                                <p:cTn id="24" presetID="1" presetClass="entr" presetSubtype="0" fill="hold" grpId="0" nodeType="clickEffect">
+                                  <p:stCondLst>
+                                    <p:cond delay="0"/>
+                                  </p:stCondLst>
+                                  <p:childTnLst>
+                                    <p:set>
+                                      <p:cBhvr>
+                                        <p:cTn id="25" dur="1" fill="hold">
+                                          <p:stCondLst>
+                                            <p:cond delay="0"/>
+                                          </p:stCondLst>
+                                        </p:cTn>
+                                        <p:tgtEl>
+                                          <p:spTgt spid="3">
+                                            <p:txEl>
+                                              <p:pRg st="1" end="1"/>
+                                            </p:txEl>
+                                          </p:spTgt>
+                                        </p:tgtEl>
+                                        <p:attrNameLst>
+                                          <p:attrName>style.visibility</p:attrName>
+                                        </p:attrNameLst>
+                                      </p:cBhvr>
+                                      <p:to>
+                                        <p:strVal val="visible"/>
+                                      </p:to>
+                                    </p:set>
+                                  </p:childTnLst>
+                                </p:cTn>
+                              </p:par>
+                            </p:childTnLst>
+                          </p:cTn>
+                        </p:par>
+                      </p:childTnLst>
+                    </p:cTn>
+                  </p:par>
+                  <p:par>
+                    <p:cTn id="26" fill="hold">
+                      <p:stCondLst>
+                        <p:cond delay="indefinite"/>
+                      </p:stCondLst>
+                      <p:childTnLst>
+                        <p:par>
+                          <p:cTn id="27" fill="hold">
+                            <p:stCondLst>
+                              <p:cond delay="0"/>
+                            </p:stCondLst>
+                            <p:childTnLst>
+                              <p:par>
+                                <p:cTn id="28" presetID="1" presetClass="entr" presetSubtype="0" fill="hold" grpId="0" nodeType="clickEffect">
+                                  <p:stCondLst>
+                                    <p:cond delay="0"/>
+                                  </p:stCondLst>
+                                  <p:childTnLst>
+                                    <p:set>
+                                      <p:cBhvr>
+                                        <p:cTn id="29" dur="1" fill="hold">
+                                          <p:stCondLst>
+                                            <p:cond delay="0"/>
+                                          </p:stCondLst>
+                                        </p:cTn>
+                                        <p:tgtEl>
+                                          <p:spTgt spid="3">
+                                            <p:txEl>
+                                              <p:pRg st="2" end="2"/>
+                                            </p:txEl>
+                                          </p:spTgt>
+                                        </p:tgtEl>
+                                        <p:attrNameLst>
+                                          <p:attrName>style.visibility</p:attrName>
+                                        </p:attrNameLst>
+                                      </p:cBhvr>
+                                      <p:to>
+                                        <p:strVal val="visible"/>
+                                      </p:to>
+                                    </p:set>
+                                  </p:childTnLst>
+                                </p:cTn>
+                              </p:par>
+                            </p:childTnLst>
+                          </p:cTn>
+                        </p:par>
+                      </p:childTnLst>
+                    </p:cTn>
+                  </p:par>
+                  <p:par>
+                    <p:cTn id="30" fill="hold">
+                      <p:stCondLst>
+                        <p:cond delay="indefinite"/>
+                      </p:stCondLst>
+                      <p:childTnLst>
+                        <p:par>
+                          <p:cTn id="31" fill="hold">
+                            <p:stCondLst>
+                              <p:cond delay="0"/>
+                            </p:stCondLst>
+                            <p:childTnLst>
+                              <p:par>
+                                <p:cTn id="32" presetID="1" presetClass="entr" presetSubtype="0" fill="hold" grpId="0" nodeType="clickEffect">
+                                  <p:stCondLst>
+                                    <p:cond delay="0"/>
+                                  </p:stCondLst>
+                                  <p:childTnLst>
+                                    <p:set>
+                                      <p:cBhvr>
+                                        <p:cTn id="33" dur="1" fill="hold">
+                                          <p:stCondLst>
+                                            <p:cond delay="0"/>
+                                          </p:stCondLst>
+                                        </p:cTn>
+                                        <p:tgtEl>
+                                          <p:spTgt spid="3">
+                                            <p:txEl>
+                                              <p:pRg st="3" end="3"/>
+                                            </p:txEl>
+                                          </p:spTgt>
+                                        </p:tgtEl>
+                                        <p:attrNameLst>
+                                          <p:attrName>style.visibility</p:attrName>
+                                        </p:attrNameLst>
+                                      </p:cBhvr>
+                                      <p:to>
+                                        <p:strVal val="visible"/>
+                                      </p:to>
+                                    </p:set>
+                                  </p:childTnLst>
+                                </p:cTn>
+                              </p:par>
+                            </p:childTnLst>
+                          </p:cTn>
+                        </p:par>
+                      </p:childTnLst>
+                    </p:cTn>
+                  </p:par>
+                  <p:par>
+                    <p:cTn id="34" fill="hold">
+                      <p:stCondLst>
+                        <p:cond delay="indefinite"/>
+                      </p:stCondLst>
+                      <p:childTnLst>
+                        <p:par>
+                          <p:cTn id="35" fill="hold">
+                            <p:stCondLst>
+                              <p:cond delay="0"/>
+                            </p:stCondLst>
+                            <p:childTnLst>
+                              <p:par>
+                                <p:cTn id="36" presetID="1" presetClass="entr" presetSubtype="0" fill="hold" grpId="0" nodeType="clickEffect">
+                                  <p:stCondLst>
+                                    <p:cond delay="0"/>
+                                  </p:stCondLst>
+                                  <p:childTnLst>
+                                    <p:set>
+                                      <p:cBhvr>
+                                        <p:cTn id="37" dur="1" fill="hold">
+                                          <p:stCondLst>
+                                            <p:cond delay="0"/>
+                                          </p:stCondLst>
+                                        </p:cTn>
+                                        <p:tgtEl>
+                                          <p:spTgt spid="3">
+                                            <p:txEl>
+                                              <p:pRg st="4" end="4"/>
+                                            </p:txEl>
+                                          </p:spTgt>
+                                        </p:tgtEl>
+                                        <p:attrNameLst>
+                                          <p:attrName>style.visibility</p:attrName>
+                                        </p:attrNameLst>
+                                      </p:cBhvr>
+                                      <p:to>
+                                        <p:strVal val="visible"/>
+                                      </p:to>
+                                    </p:set>
+                                  </p:childTnLst>
+                                </p:cTn>
+                              </p:par>
+                            </p:childTnLst>
+                          </p:cTn>
+                        </p:par>
+                      </p:childTnLst>
+                    </p:cTn>
+                  </p:par>
+                  <p:par>
+                    <p:cTn id="38" fill="hold">
+                      <p:stCondLst>
+                        <p:cond delay="indefinite"/>
+                      </p:stCondLst>
+                      <p:childTnLst>
+                        <p:par>
+                          <p:cTn id="39" fill="hold">
+                            <p:stCondLst>
+                              <p:cond delay="0"/>
+                            </p:stCondLst>
+                            <p:childTnLst>
+                              <p:par>
+                                <p:cTn id="40" presetID="1" presetClass="entr" presetSubtype="0" fill="hold" grpId="0" nodeType="clickEffect">
+                                  <p:stCondLst>
+                                    <p:cond delay="0"/>
+                                  </p:stCondLst>
+                                  <p:childTnLst>
+                                    <p:set>
+                                      <p:cBhvr>
+                                        <p:cTn id="41" dur="1" fill="hold">
+                                          <p:stCondLst>
+                                            <p:cond delay="0"/>
+                                          </p:stCondLst>
+                                        </p:cTn>
+                                        <p:tgtEl>
+                                          <p:spTgt spid="3">
+                                            <p:txEl>
+                                              <p:pRg st="5" end="5"/>
+                                            </p:txEl>
+                                          </p:spTgt>
+                                        </p:tgtEl>
+                                        <p:attrNameLst>
+                                          <p:attrName>style.visibility</p:attrName>
+                                        </p:attrNameLst>
+                                      </p:cBhvr>
+                                      <p:to>
+                                        <p:strVal val="visible"/>
+                                      </p:to>
+                                    </p:set>
+                                  </p:childTnLst>
+                                </p:cTn>
+                              </p:par>
+                            </p:childTnLst>
+                          </p:cTn>
+                        </p:par>
+                      </p:childTnLst>
+                    </p:cTn>
+                  </p:par>
+                  <p:par>
+                    <p:cTn id="42" fill="hold">
+                      <p:stCondLst>
+                        <p:cond delay="indefinite"/>
+                      </p:stCondLst>
+                      <p:childTnLst>
+                        <p:par>
+                          <p:cTn id="43" fill="hold">
+                            <p:stCondLst>
+                              <p:cond delay="0"/>
+                            </p:stCondLst>
+                            <p:childTnLst>
+                              <p:par>
+                                <p:cTn id="44" presetID="1" presetClass="entr" presetSubtype="0" fill="hold" grpId="0" nodeType="clickEffect">
+                                  <p:stCondLst>
+                                    <p:cond delay="0"/>
+                                  </p:stCondLst>
+                                  <p:childTnLst>
+                                    <p:set>
+                                      <p:cBhvr>
+                                        <p:cTn id="45" dur="1" fill="hold">
+                                          <p:stCondLst>
+                                            <p:cond delay="0"/>
+                                          </p:stCondLst>
+                                        </p:cTn>
+                                        <p:tgtEl>
+                                          <p:spTgt spid="3">
+                                            <p:txEl>
+                                              <p:pRg st="6" end="6"/>
+                                            </p:txEl>
+                                          </p:spTgt>
+                                        </p:tgtEl>
+                                        <p:attrNameLst>
+                                          <p:attrName>style.visibility</p:attrName>
+                                        </p:attrNameLst>
+                                      </p:cBhvr>
+                                      <p:to>
+                                        <p:strVal val="visible"/>
+                                      </p:to>
+                                    </p:set>
+                                  </p:childTnLst>
+                                </p:cTn>
+                              </p:par>
+                            </p:childTnLst>
+                          </p:cTn>
+                        </p:par>
+                      </p:childTnLst>
+                    </p:cTn>
+                  </p:par>
+                  <p:par>
+                    <p:cTn id="46" fill="hold">
+                      <p:stCondLst>
+                        <p:cond delay="indefinite"/>
+                      </p:stCondLst>
+                      <p:childTnLst>
+                        <p:par>
+                          <p:cTn id="47" fill="hold">
+                            <p:stCondLst>
+                              <p:cond delay="0"/>
+                            </p:stCondLst>
+                            <p:childTnLst>
+                              <p:par>
+                                <p:cTn id="48" presetID="22" presetClass="entr" presetSubtype="8" fill="hold" grpId="0" nodeType="clickEffect">
+                                  <p:stCondLst>
+                                    <p:cond delay="0"/>
+                                  </p:stCondLst>
+                                  <p:childTnLst>
+                                    <p:set>
+                                      <p:cBhvr>
+                                        <p:cTn id="49" dur="1" fill="hold">
+                                          <p:stCondLst>
+                                            <p:cond delay="0"/>
+                                          </p:stCondLst>
+                                        </p:cTn>
+                                        <p:tgtEl>
+                                          <p:spTgt spid="6"/>
+                                        </p:tgtEl>
+                                        <p:attrNameLst>
+                                          <p:attrName>style.visibility</p:attrName>
+                                        </p:attrNameLst>
+                                      </p:cBhvr>
+                                      <p:to>
+                                        <p:strVal val="visible"/>
+                                      </p:to>
+                                    </p:set>
+                                    <p:animEffect transition="in" filter="wipe(left)">
+                                      <p:cBhvr>
+                                        <p:cTn id="50" dur="500"/>
+                                        <p:tgtEl>
+                                          <p:spTgt spid="6"/>
+                                        </p:tgtEl>
+                                      </p:cBhvr>
+                                    </p:animEffect>
+                                  </p:childTnLst>
+                                </p:cTn>
+                              </p:par>
+                              <p:par>
+                                <p:cTn id="51" presetID="22" presetClass="entr" presetSubtype="8" fill="hold" grpId="0" nodeType="withEffect">
+                                  <p:stCondLst>
+                                    <p:cond delay="0"/>
+                                  </p:stCondLst>
+                                  <p:childTnLst>
+                                    <p:set>
+                                      <p:cBhvr>
+                                        <p:cTn id="52" dur="1" fill="hold">
+                                          <p:stCondLst>
+                                            <p:cond delay="0"/>
+                                          </p:stCondLst>
+                                        </p:cTn>
+                                        <p:tgtEl>
+                                          <p:spTgt spid="5"/>
+                                        </p:tgtEl>
+                                        <p:attrNameLst>
+                                          <p:attrName>style.visibility</p:attrName>
+                                        </p:attrNameLst>
+                                      </p:cBhvr>
+                                      <p:to>
+                                        <p:strVal val="visible"/>
+                                      </p:to>
+                                    </p:set>
+                                    <p:animEffect transition="in" filter="wipe(left)">
+                                      <p:cBhvr>
+                                        <p:cTn id="53" dur="500"/>
+                                        <p:tgtEl>
+                                          <p:spTgt spid="5"/>
+                                        </p:tgtEl>
+                                      </p:cBhvr>
+                                    </p:animEffect>
+                                  </p:childTnLst>
+                                </p:cTn>
+                              </p:par>
+                            </p:childTnLst>
+                          </p:cTn>
+                        </p:par>
+                      </p:childTnLst>
+                    </p:cTn>
+                  </p:par>
+                  <p:par>
+                    <p:cTn id="54" fill="hold">
+                      <p:stCondLst>
+                        <p:cond delay="indefinite"/>
+                      </p:stCondLst>
+                      <p:childTnLst>
+                        <p:par>
+                          <p:cTn id="55" fill="hold">
+                            <p:stCondLst>
+                              <p:cond delay="0"/>
+                            </p:stCondLst>
+                            <p:childTnLst>
+                              <p:par>
+                                <p:cTn id="56" presetID="22" presetClass="entr" presetSubtype="8" fill="hold" nodeType="clickEffect">
+                                  <p:stCondLst>
+                                    <p:cond delay="0"/>
+                                  </p:stCondLst>
+                                  <p:childTnLst>
+                                    <p:set>
+                                      <p:cBhvr>
+                                        <p:cTn id="57" dur="1" fill="hold">
+                                          <p:stCondLst>
+                                            <p:cond delay="0"/>
+                                          </p:stCondLst>
+                                        </p:cTn>
+                                        <p:tgtEl>
+                                          <p:spTgt spid="18"/>
+                                        </p:tgtEl>
+                                        <p:attrNameLst>
+                                          <p:attrName>style.visibility</p:attrName>
+                                        </p:attrNameLst>
+                                      </p:cBhvr>
+                                      <p:to>
+                                        <p:strVal val="visible"/>
+                                      </p:to>
+                                    </p:set>
+                                    <p:animEffect transition="in" filter="wipe(left)">
+                                      <p:cBhvr>
+                                        <p:cTn id="58" dur="1000"/>
+                                        <p:tgtEl>
+                                          <p:spTgt spid="18"/>
+                                        </p:tgtEl>
+                                      </p:cBhvr>
+                                    </p:animEffect>
+                                  </p:childTnLst>
+                                </p:cTn>
+                              </p:par>
+                            </p:childTnLst>
+                          </p:cTn>
+                        </p:par>
+                      </p:childTnLst>
+                    </p:cTn>
+                  </p:par>
+                  <p:par>
+                    <p:cTn id="59" fill="hold">
+                      <p:stCondLst>
+                        <p:cond delay="indefinite"/>
+                      </p:stCondLst>
+                      <p:childTnLst>
+                        <p:par>
+                          <p:cTn id="60" fill="hold">
+                            <p:stCondLst>
+                              <p:cond delay="0"/>
+                            </p:stCondLst>
+                            <p:childTnLst>
+                              <p:par>
+                                <p:cTn id="61" presetID="1" presetClass="entr" presetSubtype="0" fill="hold" grpId="0" nodeType="clickEffect">
+                                  <p:stCondLst>
+                                    <p:cond delay="0"/>
+                                  </p:stCondLst>
+                                  <p:childTnLst>
+                                    <p:set>
+                                      <p:cBhvr>
+                                        <p:cTn id="62" dur="1" fill="hold">
+                                          <p:stCondLst>
+                                            <p:cond delay="0"/>
+                                          </p:stCondLst>
+                                        </p:cTn>
+                                        <p:tgtEl>
+                                          <p:spTgt spid="20"/>
+                                        </p:tgtEl>
+                                        <p:attrNameLst>
+                                          <p:attrName>style.visibility</p:attrName>
+                                        </p:attrNameLst>
+                                      </p:cBhvr>
+                                      <p:to>
+                                        <p:strVal val="visible"/>
+                                      </p:to>
+                                    </p:set>
+                                  </p:childTnLst>
+                                </p:cTn>
+                              </p:par>
+                            </p:childTnLst>
+                          </p:cTn>
+                        </p:par>
+                      </p:childTnLst>
+                    </p:cTn>
+                  </p:par>
+                </p:childTnLst>
+              </p:cTn>
+              <p:prevCondLst>
+                <p:cond evt="onPrev" delay="0">
+                  <p:tgtEl>
+                    <p:sldTgt/>
+                  </p:tgtEl>
+                </p:cond>
+              </p:prevCondLst>
+              <p:nextCondLst>
+                <p:cond evt="onNext" delay="0">
+                  <p:tgtEl>
+                    <p:sldTgt/>
+                  </p:tgtEl>
+                </p:cond>
+              </p:nextCondLst>
+            </p:seq>
+          </p:childTnLst>
+        </p:cTn>
+      </p:par>
+    </p:tnLst>
+    <p:bldLst>
+      <p:bldP spid="6" grpId="0" animBg="1"/>
+      <p:bldP spid="5" grpId="0" animBg="1"/>
+      <p:bldP spid="3" grpId="0" uiExpand="1" build="p"/>
+      <p:bldP spid="20" grpId="0"/>
+      <p:bldP spid="25" grpId="0" animBg="1"/>
+      <p:bldP spid="25" grpId="1" animBg="1"/>
+      <p:bldP spid="26" grpId="0" animBg="1"/>
+      <p:bldP spid="26" grpId="1" animBg="1"/>
+    </p:bldLst>
+  </p:timing>
+</p:sld>
+</file>
+
 <file path=ppt/tags/tag1.xml><?xml version="1.0" encoding="utf-8"?>
 <p:tagLst xmlns:a="http://schemas.openxmlformats.org/drawingml/2006/main" xmlns:r="http://schemas.openxmlformats.org/officeDocument/2006/relationships" xmlns:p="http://schemas.openxmlformats.org/presentationml/2006/main">
   <p:tag name="OUTPUTDPI" val="1200"/>
